--- a/Fileup.pptx
+++ b/Fileup.pptx
@@ -6,6 +6,7 @@
   </p:sldMasterIdLst>
   <p:sldIdLst>
     <p:sldId id="256" r:id="rId2"/>
+    <p:sldId id="257" r:id="rId3"/>
   </p:sldIdLst>
   <p:sldSz cx="12192000" cy="6858000"/>
   <p:notesSz cx="6858000" cy="9144000"/>
@@ -104,6 +105,11 @@
       </a:defRPr>
     </a:lvl9pPr>
   </p:defaultTextStyle>
+  <p:extLst>
+    <p:ext uri="{EFAFB233-063F-42B5-8137-9DF3F51BA10A}">
+      <p15:sldGuideLst xmlns:p15="http://schemas.microsoft.com/office/powerpoint/2012/main"/>
+    </p:ext>
+  </p:extLst>
 </p:presentation>
 </file>
 
@@ -3378,6 +3384,86 @@
 </p:sld>
 </file>
 
+<file path=ppt/slides/slide2.xml><?xml version="1.0" encoding="utf-8"?>
+<p:sld xmlns:a="http://schemas.openxmlformats.org/drawingml/2006/main" xmlns:r="http://schemas.openxmlformats.org/officeDocument/2006/relationships" xmlns:p="http://schemas.openxmlformats.org/presentationml/2006/main">
+  <p:cSld>
+    <p:spTree>
+      <p:nvGrpSpPr>
+        <p:cNvPr id="1" name=""/>
+        <p:cNvGrpSpPr/>
+        <p:nvPr/>
+      </p:nvGrpSpPr>
+      <p:grpSpPr>
+        <a:xfrm>
+          <a:off x="0" y="0"/>
+          <a:ext cx="0" cy="0"/>
+          <a:chOff x="0" y="0"/>
+          <a:chExt cx="0" cy="0"/>
+        </a:xfrm>
+      </p:grpSpPr>
+      <p:sp>
+        <p:nvSpPr>
+          <p:cNvPr id="2" name="Cím 1">
+            <a:extLst>
+              <a:ext uri="{FF2B5EF4-FFF2-40B4-BE49-F238E27FC236}">
+                <a16:creationId xmlns:a16="http://schemas.microsoft.com/office/drawing/2014/main" id="{686BBF0B-03EC-CA44-85A5-9228F738DB94}"/>
+              </a:ext>
+            </a:extLst>
+          </p:cNvPr>
+          <p:cNvSpPr>
+            <a:spLocks noGrp="1"/>
+          </p:cNvSpPr>
+          <p:nvPr>
+            <p:ph type="title"/>
+          </p:nvPr>
+        </p:nvSpPr>
+        <p:spPr/>
+        <p:txBody>
+          <a:bodyPr/>
+          <a:lstStyle/>
+          <a:p>
+            <a:endParaRPr lang="hu-HU"/>
+          </a:p>
+        </p:txBody>
+      </p:sp>
+      <p:sp>
+        <p:nvSpPr>
+          <p:cNvPr id="3" name="Tartalom helye 2">
+            <a:extLst>
+              <a:ext uri="{FF2B5EF4-FFF2-40B4-BE49-F238E27FC236}">
+                <a16:creationId xmlns:a16="http://schemas.microsoft.com/office/drawing/2014/main" id="{8940A2F0-BBBB-F5BF-2B68-E240AD4151BA}"/>
+              </a:ext>
+            </a:extLst>
+          </p:cNvPr>
+          <p:cNvSpPr>
+            <a:spLocks noGrp="1"/>
+          </p:cNvSpPr>
+          <p:nvPr>
+            <p:ph idx="1"/>
+          </p:nvPr>
+        </p:nvSpPr>
+        <p:spPr/>
+        <p:txBody>
+          <a:bodyPr/>
+          <a:lstStyle/>
+          <a:p>
+            <a:endParaRPr lang="hu-HU"/>
+          </a:p>
+        </p:txBody>
+      </p:sp>
+    </p:spTree>
+    <p:extLst>
+      <p:ext uri="{BB962C8B-B14F-4D97-AF65-F5344CB8AC3E}">
+        <p14:creationId xmlns:p14="http://schemas.microsoft.com/office/powerpoint/2010/main" val="2463480344"/>
+      </p:ext>
+    </p:extLst>
+  </p:cSld>
+  <p:clrMapOvr>
+    <a:masterClrMapping/>
+  </p:clrMapOvr>
+</p:sld>
+</file>
+
 <file path=ppt/theme/theme1.xml><?xml version="1.0" encoding="utf-8"?>
 <a:theme xmlns:a="http://schemas.openxmlformats.org/drawingml/2006/main" name="Office-téma">
   <a:themeElements>

--- a/Fileup.pptx
+++ b/Fileup.pptx
@@ -3401,56 +3401,998 @@
           <a:chExt cx="0" cy="0"/>
         </a:xfrm>
       </p:grpSpPr>
-      <p:sp>
-        <p:nvSpPr>
-          <p:cNvPr id="2" name="Cím 1">
-            <a:extLst>
-              <a:ext uri="{FF2B5EF4-FFF2-40B4-BE49-F238E27FC236}">
-                <a16:creationId xmlns:a16="http://schemas.microsoft.com/office/drawing/2014/main" id="{686BBF0B-03EC-CA44-85A5-9228F738DB94}"/>
-              </a:ext>
-            </a:extLst>
-          </p:cNvPr>
-          <p:cNvSpPr>
-            <a:spLocks noGrp="1"/>
-          </p:cNvSpPr>
-          <p:nvPr>
-            <p:ph type="title"/>
-          </p:nvPr>
-        </p:nvSpPr>
-        <p:spPr/>
-        <p:txBody>
-          <a:bodyPr/>
-          <a:lstStyle/>
-          <a:p>
+      <p:pic>
+        <p:nvPicPr>
+          <p:cNvPr id="13" name="Kép 12" descr="A képen szöveg, minta, fekete-fehér, levél látható&#10;&#10;Automatikusan generált leírás">
+            <a:extLst>
+              <a:ext uri="{FF2B5EF4-FFF2-40B4-BE49-F238E27FC236}">
+                <a16:creationId xmlns:a16="http://schemas.microsoft.com/office/drawing/2014/main" id="{371EAB3B-9347-B1D2-80B3-079B27A28BFC}"/>
+              </a:ext>
+            </a:extLst>
+          </p:cNvPr>
+          <p:cNvPicPr>
+            <a:picLocks noChangeAspect="1"/>
+          </p:cNvPicPr>
+          <p:nvPr/>
+        </p:nvPicPr>
+        <p:blipFill>
+          <a:blip r:embed="rId2">
+            <a:extLst>
+              <a:ext uri="{28A0092B-C50C-407E-A947-70E740481C1C}">
+                <a14:useLocalDpi xmlns:a14="http://schemas.microsoft.com/office/drawing/2010/main" val="0"/>
+              </a:ext>
+            </a:extLst>
+          </a:blip>
+          <a:stretch>
+            <a:fillRect/>
+          </a:stretch>
+        </p:blipFill>
+        <p:spPr>
+          <a:xfrm>
+            <a:off x="0" y="-1"/>
+            <a:ext cx="12192000" cy="6858001"/>
+          </a:xfrm>
+          <a:prstGeom prst="rect">
+            <a:avLst/>
+          </a:prstGeom>
+        </p:spPr>
+      </p:pic>
+      <p:sp>
+        <p:nvSpPr>
+          <p:cNvPr id="14" name="Téglalap: lekerekített 13">
+            <a:extLst>
+              <a:ext uri="{FF2B5EF4-FFF2-40B4-BE49-F238E27FC236}">
+                <a16:creationId xmlns:a16="http://schemas.microsoft.com/office/drawing/2014/main" id="{5AF23941-6343-3D5A-6C6A-D831B87BEB5B}"/>
+              </a:ext>
+            </a:extLst>
+          </p:cNvPr>
+          <p:cNvSpPr/>
+          <p:nvPr/>
+        </p:nvSpPr>
+        <p:spPr>
+          <a:xfrm>
+            <a:off x="1079500" y="3289300"/>
+            <a:ext cx="2552700" cy="1841500"/>
+          </a:xfrm>
+          <a:prstGeom prst="roundRect">
+            <a:avLst/>
+          </a:prstGeom>
+          <a:solidFill>
+            <a:schemeClr val="bg1"/>
+          </a:solidFill>
+        </p:spPr>
+        <p:style>
+          <a:lnRef idx="2">
+            <a:schemeClr val="accent1">
+              <a:shade val="15000"/>
+            </a:schemeClr>
+          </a:lnRef>
+          <a:fillRef idx="1">
+            <a:schemeClr val="accent1"/>
+          </a:fillRef>
+          <a:effectRef idx="0">
+            <a:schemeClr val="accent1"/>
+          </a:effectRef>
+          <a:fontRef idx="minor">
+            <a:schemeClr val="lt1"/>
+          </a:fontRef>
+        </p:style>
+        <p:txBody>
+          <a:bodyPr rtlCol="0" anchor="ctr"/>
+          <a:lstStyle/>
+          <a:p>
+            <a:pPr algn="ctr"/>
             <a:endParaRPr lang="hu-HU"/>
           </a:p>
         </p:txBody>
       </p:sp>
       <p:sp>
         <p:nvSpPr>
-          <p:cNvPr id="3" name="Tartalom helye 2">
-            <a:extLst>
-              <a:ext uri="{FF2B5EF4-FFF2-40B4-BE49-F238E27FC236}">
-                <a16:creationId xmlns:a16="http://schemas.microsoft.com/office/drawing/2014/main" id="{8940A2F0-BBBB-F5BF-2B68-E240AD4151BA}"/>
-              </a:ext>
-            </a:extLst>
-          </p:cNvPr>
-          <p:cNvSpPr>
-            <a:spLocks noGrp="1"/>
-          </p:cNvSpPr>
-          <p:nvPr>
-            <p:ph idx="1"/>
-          </p:nvPr>
-        </p:nvSpPr>
-        <p:spPr/>
-        <p:txBody>
-          <a:bodyPr/>
-          <a:lstStyle/>
-          <a:p>
+          <p:cNvPr id="15" name="Téglalap: lekerekített 14">
+            <a:extLst>
+              <a:ext uri="{FF2B5EF4-FFF2-40B4-BE49-F238E27FC236}">
+                <a16:creationId xmlns:a16="http://schemas.microsoft.com/office/drawing/2014/main" id="{392AD08D-EBB5-1646-BF4F-FCBA81A8E0A6}"/>
+              </a:ext>
+            </a:extLst>
+          </p:cNvPr>
+          <p:cNvSpPr/>
+          <p:nvPr/>
+        </p:nvSpPr>
+        <p:spPr>
+          <a:xfrm>
+            <a:off x="8559800" y="3289300"/>
+            <a:ext cx="2552700" cy="1841500"/>
+          </a:xfrm>
+          <a:prstGeom prst="roundRect">
+            <a:avLst/>
+          </a:prstGeom>
+          <a:solidFill>
+            <a:schemeClr val="bg1"/>
+          </a:solidFill>
+        </p:spPr>
+        <p:style>
+          <a:lnRef idx="2">
+            <a:schemeClr val="accent1">
+              <a:shade val="15000"/>
+            </a:schemeClr>
+          </a:lnRef>
+          <a:fillRef idx="1">
+            <a:schemeClr val="accent1"/>
+          </a:fillRef>
+          <a:effectRef idx="0">
+            <a:schemeClr val="accent1"/>
+          </a:effectRef>
+          <a:fontRef idx="minor">
+            <a:schemeClr val="lt1"/>
+          </a:fontRef>
+        </p:style>
+        <p:txBody>
+          <a:bodyPr rtlCol="0" anchor="ctr"/>
+          <a:lstStyle/>
+          <a:p>
+            <a:pPr algn="ctr"/>
             <a:endParaRPr lang="hu-HU"/>
           </a:p>
         </p:txBody>
       </p:sp>
+      <p:sp>
+        <p:nvSpPr>
+          <p:cNvPr id="21" name="Téglalap: lekerekített 20">
+            <a:extLst>
+              <a:ext uri="{FF2B5EF4-FFF2-40B4-BE49-F238E27FC236}">
+                <a16:creationId xmlns:a16="http://schemas.microsoft.com/office/drawing/2014/main" id="{78B59292-8ADC-603E-7965-06355D68A9B0}"/>
+              </a:ext>
+            </a:extLst>
+          </p:cNvPr>
+          <p:cNvSpPr/>
+          <p:nvPr/>
+        </p:nvSpPr>
+        <p:spPr>
+          <a:xfrm>
+            <a:off x="175260" y="2631440"/>
+            <a:ext cx="1371600" cy="2926080"/>
+          </a:xfrm>
+          <a:prstGeom prst="roundRect">
+            <a:avLst/>
+          </a:prstGeom>
+          <a:solidFill>
+            <a:schemeClr val="bg1"/>
+          </a:solidFill>
+          <a:ln>
+            <a:solidFill>
+              <a:schemeClr val="bg1"/>
+            </a:solidFill>
+          </a:ln>
+        </p:spPr>
+        <p:style>
+          <a:lnRef idx="2">
+            <a:schemeClr val="accent1">
+              <a:shade val="15000"/>
+            </a:schemeClr>
+          </a:lnRef>
+          <a:fillRef idx="1">
+            <a:schemeClr val="accent1"/>
+          </a:fillRef>
+          <a:effectRef idx="0">
+            <a:schemeClr val="accent1"/>
+          </a:effectRef>
+          <a:fontRef idx="minor">
+            <a:schemeClr val="lt1"/>
+          </a:fontRef>
+        </p:style>
+        <p:txBody>
+          <a:bodyPr rtlCol="0" anchor="ctr"/>
+          <a:lstStyle/>
+          <a:p>
+            <a:pPr algn="ctr"/>
+            <a:endParaRPr lang="hu-HU"/>
+          </a:p>
+        </p:txBody>
+      </p:sp>
+      <p:grpSp>
+        <p:nvGrpSpPr>
+          <p:cNvPr id="30" name="Csoportba foglalás 29">
+            <a:extLst>
+              <a:ext uri="{FF2B5EF4-FFF2-40B4-BE49-F238E27FC236}">
+                <a16:creationId xmlns:a16="http://schemas.microsoft.com/office/drawing/2014/main" id="{0E06A687-341B-D909-7633-C44D44DB5181}"/>
+              </a:ext>
+            </a:extLst>
+          </p:cNvPr>
+          <p:cNvGrpSpPr/>
+          <p:nvPr/>
+        </p:nvGrpSpPr>
+        <p:grpSpPr>
+          <a:xfrm>
+            <a:off x="5629477" y="2269067"/>
+            <a:ext cx="952089" cy="1204383"/>
+            <a:chOff x="5635624" y="2264834"/>
+            <a:chExt cx="952089" cy="1204383"/>
+          </a:xfrm>
+        </p:grpSpPr>
+        <p:sp>
+          <p:nvSpPr>
+            <p:cNvPr id="25" name="Téglalap: lekerekített 24">
+              <a:extLst>
+                <a:ext uri="{FF2B5EF4-FFF2-40B4-BE49-F238E27FC236}">
+                  <a16:creationId xmlns:a16="http://schemas.microsoft.com/office/drawing/2014/main" id="{C619F1A5-FBC9-B1D5-5D84-B33D362E0F2B}"/>
+                </a:ext>
+              </a:extLst>
+            </p:cNvPr>
+            <p:cNvSpPr/>
+            <p:nvPr/>
+          </p:nvSpPr>
+          <p:spPr>
+            <a:xfrm>
+              <a:off x="5780617" y="2264834"/>
+              <a:ext cx="807096" cy="1204383"/>
+            </a:xfrm>
+            <a:prstGeom prst="roundRect">
+              <a:avLst/>
+            </a:prstGeom>
+            <a:solidFill>
+              <a:schemeClr val="bg1"/>
+            </a:solidFill>
+            <a:ln>
+              <a:solidFill>
+                <a:schemeClr val="bg1"/>
+              </a:solidFill>
+            </a:ln>
+          </p:spPr>
+          <p:style>
+            <a:lnRef idx="2">
+              <a:schemeClr val="accent1">
+                <a:shade val="15000"/>
+              </a:schemeClr>
+            </a:lnRef>
+            <a:fillRef idx="1">
+              <a:schemeClr val="accent1"/>
+            </a:fillRef>
+            <a:effectRef idx="0">
+              <a:schemeClr val="accent1"/>
+            </a:effectRef>
+            <a:fontRef idx="minor">
+              <a:schemeClr val="lt1"/>
+            </a:fontRef>
+          </p:style>
+          <p:txBody>
+            <a:bodyPr rtlCol="0" anchor="ctr"/>
+            <a:lstStyle/>
+            <a:p>
+              <a:pPr algn="ctr"/>
+              <a:endParaRPr lang="hu-HU"/>
+            </a:p>
+          </p:txBody>
+        </p:sp>
+        <p:sp>
+          <p:nvSpPr>
+            <p:cNvPr id="27" name="Téglalap: lekerekített 26">
+              <a:extLst>
+                <a:ext uri="{FF2B5EF4-FFF2-40B4-BE49-F238E27FC236}">
+                  <a16:creationId xmlns:a16="http://schemas.microsoft.com/office/drawing/2014/main" id="{39D2D6E7-31CC-C60D-1998-FDCC093C9513}"/>
+                </a:ext>
+              </a:extLst>
+            </p:cNvPr>
+            <p:cNvSpPr/>
+            <p:nvPr/>
+          </p:nvSpPr>
+          <p:spPr>
+            <a:xfrm flipH="1">
+              <a:off x="5635624" y="2468033"/>
+              <a:ext cx="306917" cy="1001184"/>
+            </a:xfrm>
+            <a:prstGeom prst="roundRect">
+              <a:avLst/>
+            </a:prstGeom>
+            <a:solidFill>
+              <a:schemeClr val="bg1"/>
+            </a:solidFill>
+            <a:ln>
+              <a:solidFill>
+                <a:schemeClr val="bg1"/>
+              </a:solidFill>
+            </a:ln>
+          </p:spPr>
+          <p:style>
+            <a:lnRef idx="2">
+              <a:schemeClr val="accent1">
+                <a:shade val="15000"/>
+              </a:schemeClr>
+            </a:lnRef>
+            <a:fillRef idx="1">
+              <a:schemeClr val="accent1"/>
+            </a:fillRef>
+            <a:effectRef idx="0">
+              <a:schemeClr val="accent1"/>
+            </a:effectRef>
+            <a:fontRef idx="minor">
+              <a:schemeClr val="lt1"/>
+            </a:fontRef>
+          </p:style>
+          <p:txBody>
+            <a:bodyPr rtlCol="0" anchor="ctr"/>
+            <a:lstStyle/>
+            <a:p>
+              <a:pPr algn="ctr"/>
+              <a:r>
+                <a:rPr lang="hu-HU" dirty="0"/>
+                <a:t>VV</a:t>
+              </a:r>
+            </a:p>
+          </p:txBody>
+        </p:sp>
+        <p:sp>
+          <p:nvSpPr>
+            <p:cNvPr id="29" name="Téglalap: lekerekített 28">
+              <a:extLst>
+                <a:ext uri="{FF2B5EF4-FFF2-40B4-BE49-F238E27FC236}">
+                  <a16:creationId xmlns:a16="http://schemas.microsoft.com/office/drawing/2014/main" id="{FAEF4909-E42B-1AC2-A778-4D63C3E5396C}"/>
+                </a:ext>
+              </a:extLst>
+            </p:cNvPr>
+            <p:cNvSpPr/>
+            <p:nvPr/>
+          </p:nvSpPr>
+          <p:spPr>
+            <a:xfrm flipH="1">
+              <a:off x="5721350" y="2417234"/>
+              <a:ext cx="211667" cy="76199"/>
+            </a:xfrm>
+            <a:prstGeom prst="roundRect">
+              <a:avLst/>
+            </a:prstGeom>
+            <a:solidFill>
+              <a:schemeClr val="bg1"/>
+            </a:solidFill>
+            <a:ln>
+              <a:solidFill>
+                <a:schemeClr val="bg1"/>
+              </a:solidFill>
+            </a:ln>
+          </p:spPr>
+          <p:style>
+            <a:lnRef idx="2">
+              <a:schemeClr val="accent1">
+                <a:shade val="15000"/>
+              </a:schemeClr>
+            </a:lnRef>
+            <a:fillRef idx="1">
+              <a:schemeClr val="accent1"/>
+            </a:fillRef>
+            <a:effectRef idx="0">
+              <a:schemeClr val="accent1"/>
+            </a:effectRef>
+            <a:fontRef idx="minor">
+              <a:schemeClr val="lt1"/>
+            </a:fontRef>
+          </p:style>
+          <p:txBody>
+            <a:bodyPr rtlCol="0" anchor="ctr"/>
+            <a:lstStyle/>
+            <a:p>
+              <a:pPr algn="ctr"/>
+              <a:endParaRPr lang="hu-HU"/>
+            </a:p>
+          </p:txBody>
+        </p:sp>
+      </p:grpSp>
+      <p:sp>
+        <p:nvSpPr>
+          <p:cNvPr id="23" name="Téglalap: lekerekített 22">
+            <a:extLst>
+              <a:ext uri="{FF2B5EF4-FFF2-40B4-BE49-F238E27FC236}">
+                <a16:creationId xmlns:a16="http://schemas.microsoft.com/office/drawing/2014/main" id="{0E5D8086-4FCA-5C66-1A8A-98E2AD1F5848}"/>
+              </a:ext>
+            </a:extLst>
+          </p:cNvPr>
+          <p:cNvSpPr/>
+          <p:nvPr/>
+        </p:nvSpPr>
+        <p:spPr>
+          <a:xfrm>
+            <a:off x="10625890" y="2631440"/>
+            <a:ext cx="1371600" cy="2926080"/>
+          </a:xfrm>
+          <a:prstGeom prst="roundRect">
+            <a:avLst/>
+          </a:prstGeom>
+          <a:solidFill>
+            <a:schemeClr val="bg1"/>
+          </a:solidFill>
+          <a:ln>
+            <a:solidFill>
+              <a:schemeClr val="bg1"/>
+            </a:solidFill>
+          </a:ln>
+        </p:spPr>
+        <p:style>
+          <a:lnRef idx="2">
+            <a:schemeClr val="accent1">
+              <a:shade val="15000"/>
+            </a:schemeClr>
+          </a:lnRef>
+          <a:fillRef idx="1">
+            <a:schemeClr val="accent1"/>
+          </a:fillRef>
+          <a:effectRef idx="0">
+            <a:schemeClr val="accent1"/>
+          </a:effectRef>
+          <a:fontRef idx="minor">
+            <a:schemeClr val="lt1"/>
+          </a:fontRef>
+        </p:style>
+        <p:txBody>
+          <a:bodyPr rtlCol="0" anchor="ctr"/>
+          <a:lstStyle/>
+          <a:p>
+            <a:pPr algn="ctr"/>
+            <a:endParaRPr lang="hu-HU"/>
+          </a:p>
+        </p:txBody>
+      </p:sp>
+      <p:grpSp>
+        <p:nvGrpSpPr>
+          <p:cNvPr id="41" name="Csoportba foglalás 40">
+            <a:extLst>
+              <a:ext uri="{FF2B5EF4-FFF2-40B4-BE49-F238E27FC236}">
+                <a16:creationId xmlns:a16="http://schemas.microsoft.com/office/drawing/2014/main" id="{5E57A555-310C-F493-BD12-131D29470C9F}"/>
+              </a:ext>
+            </a:extLst>
+          </p:cNvPr>
+          <p:cNvGrpSpPr/>
+          <p:nvPr/>
+        </p:nvGrpSpPr>
+        <p:grpSpPr>
+          <a:xfrm>
+            <a:off x="6394035" y="4474634"/>
+            <a:ext cx="928002" cy="1113366"/>
+            <a:chOff x="5635624" y="2264834"/>
+            <a:chExt cx="952089" cy="1204383"/>
+          </a:xfrm>
+        </p:grpSpPr>
+        <p:sp>
+          <p:nvSpPr>
+            <p:cNvPr id="42" name="Téglalap: lekerekített 41">
+              <a:extLst>
+                <a:ext uri="{FF2B5EF4-FFF2-40B4-BE49-F238E27FC236}">
+                  <a16:creationId xmlns:a16="http://schemas.microsoft.com/office/drawing/2014/main" id="{7FE8872C-7F4A-9AAD-980C-CEDD41E819AB}"/>
+                </a:ext>
+              </a:extLst>
+            </p:cNvPr>
+            <p:cNvSpPr/>
+            <p:nvPr/>
+          </p:nvSpPr>
+          <p:spPr>
+            <a:xfrm>
+              <a:off x="5780617" y="2264834"/>
+              <a:ext cx="807096" cy="1204383"/>
+            </a:xfrm>
+            <a:prstGeom prst="roundRect">
+              <a:avLst/>
+            </a:prstGeom>
+            <a:solidFill>
+              <a:schemeClr val="bg1"/>
+            </a:solidFill>
+            <a:ln>
+              <a:solidFill>
+                <a:schemeClr val="bg1"/>
+              </a:solidFill>
+            </a:ln>
+          </p:spPr>
+          <p:style>
+            <a:lnRef idx="2">
+              <a:schemeClr val="accent1">
+                <a:shade val="15000"/>
+              </a:schemeClr>
+            </a:lnRef>
+            <a:fillRef idx="1">
+              <a:schemeClr val="accent1"/>
+            </a:fillRef>
+            <a:effectRef idx="0">
+              <a:schemeClr val="accent1"/>
+            </a:effectRef>
+            <a:fontRef idx="minor">
+              <a:schemeClr val="lt1"/>
+            </a:fontRef>
+          </p:style>
+          <p:txBody>
+            <a:bodyPr rtlCol="0" anchor="ctr"/>
+            <a:lstStyle/>
+            <a:p>
+              <a:pPr algn="ctr"/>
+              <a:endParaRPr lang="hu-HU"/>
+            </a:p>
+          </p:txBody>
+        </p:sp>
+        <p:sp>
+          <p:nvSpPr>
+            <p:cNvPr id="43" name="Téglalap: lekerekített 42">
+              <a:extLst>
+                <a:ext uri="{FF2B5EF4-FFF2-40B4-BE49-F238E27FC236}">
+                  <a16:creationId xmlns:a16="http://schemas.microsoft.com/office/drawing/2014/main" id="{2609A359-393D-A3A0-2A55-2D23E2E8AB1E}"/>
+                </a:ext>
+              </a:extLst>
+            </p:cNvPr>
+            <p:cNvSpPr/>
+            <p:nvPr/>
+          </p:nvSpPr>
+          <p:spPr>
+            <a:xfrm flipH="1">
+              <a:off x="5635624" y="2468033"/>
+              <a:ext cx="306917" cy="1001184"/>
+            </a:xfrm>
+            <a:prstGeom prst="roundRect">
+              <a:avLst/>
+            </a:prstGeom>
+            <a:solidFill>
+              <a:schemeClr val="bg1"/>
+            </a:solidFill>
+            <a:ln>
+              <a:solidFill>
+                <a:schemeClr val="bg1"/>
+              </a:solidFill>
+            </a:ln>
+          </p:spPr>
+          <p:style>
+            <a:lnRef idx="2">
+              <a:schemeClr val="accent1">
+                <a:shade val="15000"/>
+              </a:schemeClr>
+            </a:lnRef>
+            <a:fillRef idx="1">
+              <a:schemeClr val="accent1"/>
+            </a:fillRef>
+            <a:effectRef idx="0">
+              <a:schemeClr val="accent1"/>
+            </a:effectRef>
+            <a:fontRef idx="minor">
+              <a:schemeClr val="lt1"/>
+            </a:fontRef>
+          </p:style>
+          <p:txBody>
+            <a:bodyPr rtlCol="0" anchor="ctr"/>
+            <a:lstStyle/>
+            <a:p>
+              <a:pPr algn="ctr"/>
+              <a:r>
+                <a:rPr lang="hu-HU" dirty="0"/>
+                <a:t>VV</a:t>
+              </a:r>
+            </a:p>
+          </p:txBody>
+        </p:sp>
+        <p:sp>
+          <p:nvSpPr>
+            <p:cNvPr id="44" name="Téglalap: lekerekített 43">
+              <a:extLst>
+                <a:ext uri="{FF2B5EF4-FFF2-40B4-BE49-F238E27FC236}">
+                  <a16:creationId xmlns:a16="http://schemas.microsoft.com/office/drawing/2014/main" id="{C821293C-07D8-53C9-5D4E-C71D28DE83BC}"/>
+                </a:ext>
+              </a:extLst>
+            </p:cNvPr>
+            <p:cNvSpPr/>
+            <p:nvPr/>
+          </p:nvSpPr>
+          <p:spPr>
+            <a:xfrm flipH="1">
+              <a:off x="5721350" y="2417234"/>
+              <a:ext cx="211667" cy="76199"/>
+            </a:xfrm>
+            <a:prstGeom prst="roundRect">
+              <a:avLst/>
+            </a:prstGeom>
+            <a:solidFill>
+              <a:schemeClr val="bg1"/>
+            </a:solidFill>
+            <a:ln>
+              <a:solidFill>
+                <a:schemeClr val="bg1"/>
+              </a:solidFill>
+            </a:ln>
+          </p:spPr>
+          <p:style>
+            <a:lnRef idx="2">
+              <a:schemeClr val="accent1">
+                <a:shade val="15000"/>
+              </a:schemeClr>
+            </a:lnRef>
+            <a:fillRef idx="1">
+              <a:schemeClr val="accent1"/>
+            </a:fillRef>
+            <a:effectRef idx="0">
+              <a:schemeClr val="accent1"/>
+            </a:effectRef>
+            <a:fontRef idx="minor">
+              <a:schemeClr val="lt1"/>
+            </a:fontRef>
+          </p:style>
+          <p:txBody>
+            <a:bodyPr rtlCol="0" anchor="ctr"/>
+            <a:lstStyle/>
+            <a:p>
+              <a:pPr algn="ctr"/>
+              <a:endParaRPr lang="hu-HU"/>
+            </a:p>
+          </p:txBody>
+        </p:sp>
+      </p:grpSp>
+      <p:grpSp>
+        <p:nvGrpSpPr>
+          <p:cNvPr id="37" name="Csoportba foglalás 36">
+            <a:extLst>
+              <a:ext uri="{FF2B5EF4-FFF2-40B4-BE49-F238E27FC236}">
+                <a16:creationId xmlns:a16="http://schemas.microsoft.com/office/drawing/2014/main" id="{2DDF6EB1-A1E2-781C-ED5A-3E7AED0DC89C}"/>
+              </a:ext>
+            </a:extLst>
+          </p:cNvPr>
+          <p:cNvGrpSpPr/>
+          <p:nvPr/>
+        </p:nvGrpSpPr>
+        <p:grpSpPr>
+          <a:xfrm>
+            <a:off x="4343399" y="4474634"/>
+            <a:ext cx="912547" cy="1113366"/>
+            <a:chOff x="5635624" y="2264834"/>
+            <a:chExt cx="952089" cy="1204383"/>
+          </a:xfrm>
+        </p:grpSpPr>
+        <p:sp>
+          <p:nvSpPr>
+            <p:cNvPr id="38" name="Téglalap: lekerekített 37">
+              <a:extLst>
+                <a:ext uri="{FF2B5EF4-FFF2-40B4-BE49-F238E27FC236}">
+                  <a16:creationId xmlns:a16="http://schemas.microsoft.com/office/drawing/2014/main" id="{01286121-44A1-EAAA-C0B1-36062EAE81AC}"/>
+                </a:ext>
+              </a:extLst>
+            </p:cNvPr>
+            <p:cNvSpPr/>
+            <p:nvPr/>
+          </p:nvSpPr>
+          <p:spPr>
+            <a:xfrm>
+              <a:off x="5780617" y="2264834"/>
+              <a:ext cx="807096" cy="1204383"/>
+            </a:xfrm>
+            <a:prstGeom prst="roundRect">
+              <a:avLst/>
+            </a:prstGeom>
+            <a:solidFill>
+              <a:schemeClr val="bg1"/>
+            </a:solidFill>
+            <a:ln>
+              <a:solidFill>
+                <a:schemeClr val="bg1"/>
+              </a:solidFill>
+            </a:ln>
+          </p:spPr>
+          <p:style>
+            <a:lnRef idx="2">
+              <a:schemeClr val="accent1">
+                <a:shade val="15000"/>
+              </a:schemeClr>
+            </a:lnRef>
+            <a:fillRef idx="1">
+              <a:schemeClr val="accent1"/>
+            </a:fillRef>
+            <a:effectRef idx="0">
+              <a:schemeClr val="accent1"/>
+            </a:effectRef>
+            <a:fontRef idx="minor">
+              <a:schemeClr val="lt1"/>
+            </a:fontRef>
+          </p:style>
+          <p:txBody>
+            <a:bodyPr rtlCol="0" anchor="ctr"/>
+            <a:lstStyle/>
+            <a:p>
+              <a:pPr algn="ctr"/>
+              <a:endParaRPr lang="hu-HU"/>
+            </a:p>
+          </p:txBody>
+        </p:sp>
+        <p:sp>
+          <p:nvSpPr>
+            <p:cNvPr id="39" name="Téglalap: lekerekített 38">
+              <a:extLst>
+                <a:ext uri="{FF2B5EF4-FFF2-40B4-BE49-F238E27FC236}">
+                  <a16:creationId xmlns:a16="http://schemas.microsoft.com/office/drawing/2014/main" id="{048B89F2-A989-C212-0310-5A84CF9D8ACE}"/>
+                </a:ext>
+              </a:extLst>
+            </p:cNvPr>
+            <p:cNvSpPr/>
+            <p:nvPr/>
+          </p:nvSpPr>
+          <p:spPr>
+            <a:xfrm flipH="1">
+              <a:off x="5635624" y="2468033"/>
+              <a:ext cx="306917" cy="1001184"/>
+            </a:xfrm>
+            <a:prstGeom prst="roundRect">
+              <a:avLst/>
+            </a:prstGeom>
+            <a:solidFill>
+              <a:schemeClr val="bg1"/>
+            </a:solidFill>
+            <a:ln>
+              <a:solidFill>
+                <a:schemeClr val="bg1"/>
+              </a:solidFill>
+            </a:ln>
+          </p:spPr>
+          <p:style>
+            <a:lnRef idx="2">
+              <a:schemeClr val="accent1">
+                <a:shade val="15000"/>
+              </a:schemeClr>
+            </a:lnRef>
+            <a:fillRef idx="1">
+              <a:schemeClr val="accent1"/>
+            </a:fillRef>
+            <a:effectRef idx="0">
+              <a:schemeClr val="accent1"/>
+            </a:effectRef>
+            <a:fontRef idx="minor">
+              <a:schemeClr val="lt1"/>
+            </a:fontRef>
+          </p:style>
+          <p:txBody>
+            <a:bodyPr rtlCol="0" anchor="ctr"/>
+            <a:lstStyle/>
+            <a:p>
+              <a:pPr algn="ctr"/>
+              <a:r>
+                <a:rPr lang="hu-HU" dirty="0"/>
+                <a:t>VV</a:t>
+              </a:r>
+            </a:p>
+          </p:txBody>
+        </p:sp>
+        <p:sp>
+          <p:nvSpPr>
+            <p:cNvPr id="40" name="Téglalap: lekerekített 39">
+              <a:extLst>
+                <a:ext uri="{FF2B5EF4-FFF2-40B4-BE49-F238E27FC236}">
+                  <a16:creationId xmlns:a16="http://schemas.microsoft.com/office/drawing/2014/main" id="{3D75E0D2-768D-01C3-948D-DBC8367577EE}"/>
+                </a:ext>
+              </a:extLst>
+            </p:cNvPr>
+            <p:cNvSpPr/>
+            <p:nvPr/>
+          </p:nvSpPr>
+          <p:spPr>
+            <a:xfrm flipH="1">
+              <a:off x="5721350" y="2417234"/>
+              <a:ext cx="211667" cy="76199"/>
+            </a:xfrm>
+            <a:prstGeom prst="roundRect">
+              <a:avLst/>
+            </a:prstGeom>
+            <a:solidFill>
+              <a:schemeClr val="bg1"/>
+            </a:solidFill>
+            <a:ln>
+              <a:solidFill>
+                <a:schemeClr val="bg1"/>
+              </a:solidFill>
+            </a:ln>
+          </p:spPr>
+          <p:style>
+            <a:lnRef idx="2">
+              <a:schemeClr val="accent1">
+                <a:shade val="15000"/>
+              </a:schemeClr>
+            </a:lnRef>
+            <a:fillRef idx="1">
+              <a:schemeClr val="accent1"/>
+            </a:fillRef>
+            <a:effectRef idx="0">
+              <a:schemeClr val="accent1"/>
+            </a:effectRef>
+            <a:fontRef idx="minor">
+              <a:schemeClr val="lt1"/>
+            </a:fontRef>
+          </p:style>
+          <p:txBody>
+            <a:bodyPr rtlCol="0" anchor="ctr"/>
+            <a:lstStyle/>
+            <a:p>
+              <a:pPr algn="ctr"/>
+              <a:endParaRPr lang="hu-HU"/>
+            </a:p>
+          </p:txBody>
+        </p:sp>
+      </p:grpSp>
+      <p:pic>
+        <p:nvPicPr>
+          <p:cNvPr id="19" name="Kép 18">
+            <a:extLst>
+              <a:ext uri="{FF2B5EF4-FFF2-40B4-BE49-F238E27FC236}">
+                <a16:creationId xmlns:a16="http://schemas.microsoft.com/office/drawing/2014/main" id="{8214BB86-3A0B-766D-40DD-28668C2E5612}"/>
+              </a:ext>
+            </a:extLst>
+          </p:cNvPr>
+          <p:cNvPicPr>
+            <a:picLocks noChangeAspect="1"/>
+          </p:cNvPicPr>
+          <p:nvPr/>
+        </p:nvPicPr>
+        <p:blipFill>
+          <a:blip r:embed="rId3"/>
+          <a:stretch>
+            <a:fillRect/>
+          </a:stretch>
+        </p:blipFill>
+        <p:spPr>
+          <a:xfrm>
+            <a:off x="0" y="854250"/>
+            <a:ext cx="12192000" cy="5149498"/>
+          </a:xfrm>
+          <a:prstGeom prst="rect">
+            <a:avLst/>
+          </a:prstGeom>
+        </p:spPr>
+      </p:pic>
+      <p:sp>
+        <p:nvSpPr>
+          <p:cNvPr id="46" name="Téglalap: lekerekített 45">
+            <a:extLst>
+              <a:ext uri="{FF2B5EF4-FFF2-40B4-BE49-F238E27FC236}">
+                <a16:creationId xmlns:a16="http://schemas.microsoft.com/office/drawing/2014/main" id="{F9E11F13-4D6D-0AF1-F691-BFEC6AA770B8}"/>
+              </a:ext>
+            </a:extLst>
+          </p:cNvPr>
+          <p:cNvSpPr/>
+          <p:nvPr/>
+        </p:nvSpPr>
+        <p:spPr>
+          <a:xfrm>
+            <a:off x="1257300" y="3486150"/>
+            <a:ext cx="2137781" cy="1073150"/>
+          </a:xfrm>
+          <a:prstGeom prst="roundRect">
+            <a:avLst/>
+          </a:prstGeom>
+          <a:solidFill>
+            <a:schemeClr val="tx1"/>
+          </a:solidFill>
+          <a:ln>
+            <a:solidFill>
+              <a:schemeClr val="tx1"/>
+            </a:solidFill>
+          </a:ln>
+        </p:spPr>
+        <p:style>
+          <a:lnRef idx="2">
+            <a:schemeClr val="accent1">
+              <a:shade val="15000"/>
+            </a:schemeClr>
+          </a:lnRef>
+          <a:fillRef idx="1">
+            <a:schemeClr val="accent1"/>
+          </a:fillRef>
+          <a:effectRef idx="0">
+            <a:schemeClr val="accent1"/>
+          </a:effectRef>
+          <a:fontRef idx="minor">
+            <a:schemeClr val="lt1"/>
+          </a:fontRef>
+        </p:style>
+        <p:txBody>
+          <a:bodyPr rtlCol="0" anchor="ctr"/>
+          <a:lstStyle/>
+          <a:p>
+            <a:pPr algn="ctr"/>
+            <a:endParaRPr lang="hu-HU"/>
+          </a:p>
+        </p:txBody>
+      </p:sp>
+      <p:pic>
+        <p:nvPicPr>
+          <p:cNvPr id="45" name="Kép 44" descr="A képen szöveg, Grafika, Betűtípus, szimbólum látható&#10;&#10;Automatikusan generált leírás">
+            <a:extLst>
+              <a:ext uri="{FF2B5EF4-FFF2-40B4-BE49-F238E27FC236}">
+                <a16:creationId xmlns:a16="http://schemas.microsoft.com/office/drawing/2014/main" id="{D6BA5601-0DDC-3B9E-2765-CC25462568E3}"/>
+              </a:ext>
+            </a:extLst>
+          </p:cNvPr>
+          <p:cNvPicPr>
+            <a:picLocks noChangeAspect="1"/>
+          </p:cNvPicPr>
+          <p:nvPr/>
+        </p:nvPicPr>
+        <p:blipFill>
+          <a:blip r:embed="rId4">
+            <a:extLst>
+              <a:ext uri="{28A0092B-C50C-407E-A947-70E740481C1C}">
+                <a14:useLocalDpi xmlns:a14="http://schemas.microsoft.com/office/drawing/2010/main" val="0"/>
+              </a:ext>
+            </a:extLst>
+          </a:blip>
+          <a:stretch>
+            <a:fillRect/>
+          </a:stretch>
+        </p:blipFill>
+        <p:spPr>
+          <a:xfrm>
+            <a:off x="1084507" y="3346894"/>
+            <a:ext cx="2522617" cy="1418972"/>
+          </a:xfrm>
+          <a:prstGeom prst="rect">
+            <a:avLst/>
+          </a:prstGeom>
+        </p:spPr>
+      </p:pic>
+      <p:pic>
+        <p:nvPicPr>
+          <p:cNvPr id="48" name="Kép 47" descr="A képen Betűtípus, Grafika, embléma, Grafikus tervezés látható&#10;&#10;Automatikusan generált leírás">
+            <a:extLst>
+              <a:ext uri="{FF2B5EF4-FFF2-40B4-BE49-F238E27FC236}">
+                <a16:creationId xmlns:a16="http://schemas.microsoft.com/office/drawing/2014/main" id="{E1AEC571-0F7B-62A9-0636-EFE0234FE2F7}"/>
+              </a:ext>
+            </a:extLst>
+          </p:cNvPr>
+          <p:cNvPicPr>
+            <a:picLocks noChangeAspect="1"/>
+          </p:cNvPicPr>
+          <p:nvPr/>
+        </p:nvPicPr>
+        <p:blipFill>
+          <a:blip r:embed="rId5">
+            <a:extLst>
+              <a:ext uri="{28A0092B-C50C-407E-A947-70E740481C1C}">
+                <a14:useLocalDpi xmlns:a14="http://schemas.microsoft.com/office/drawing/2010/main" val="0"/>
+              </a:ext>
+            </a:extLst>
+          </a:blip>
+          <a:stretch>
+            <a:fillRect/>
+          </a:stretch>
+        </p:blipFill>
+        <p:spPr>
+          <a:xfrm>
+            <a:off x="4408928" y="84177"/>
+            <a:ext cx="3374143" cy="2139700"/>
+          </a:xfrm>
+          <a:prstGeom prst="rect">
+            <a:avLst/>
+          </a:prstGeom>
+        </p:spPr>
+      </p:pic>
+      <p:pic>
+        <p:nvPicPr>
+          <p:cNvPr id="54" name="Kép 53" descr="A képen Betűtípus, Grafika, embléma, Grafikus tervezés látható&#10;&#10;Automatikusan generált leírás">
+            <a:extLst>
+              <a:ext uri="{FF2B5EF4-FFF2-40B4-BE49-F238E27FC236}">
+                <a16:creationId xmlns:a16="http://schemas.microsoft.com/office/drawing/2014/main" id="{E7B3E0B7-16EA-923F-C575-AD1406461C29}"/>
+              </a:ext>
+            </a:extLst>
+          </p:cNvPr>
+          <p:cNvPicPr>
+            <a:picLocks noChangeAspect="1"/>
+          </p:cNvPicPr>
+          <p:nvPr/>
+        </p:nvPicPr>
+        <p:blipFill>
+          <a:blip r:embed="rId5">
+            <a:extLst>
+              <a:ext uri="{28A0092B-C50C-407E-A947-70E740481C1C}">
+                <a14:useLocalDpi xmlns:a14="http://schemas.microsoft.com/office/drawing/2010/main" val="0"/>
+              </a:ext>
+            </a:extLst>
+          </a:blip>
+          <a:stretch>
+            <a:fillRect/>
+          </a:stretch>
+        </p:blipFill>
+        <p:spPr>
+          <a:xfrm>
+            <a:off x="8964575" y="3447618"/>
+            <a:ext cx="1841688" cy="1167899"/>
+          </a:xfrm>
+          <a:prstGeom prst="rect">
+            <a:avLst/>
+          </a:prstGeom>
+        </p:spPr>
+      </p:pic>
     </p:spTree>
     <p:extLst>
       <p:ext uri="{BB962C8B-B14F-4D97-AF65-F5344CB8AC3E}">
@@ -3461,6 +4403,18 @@
   <p:clrMapOvr>
     <a:masterClrMapping/>
   </p:clrMapOvr>
+  <mc:AlternateContent xmlns:mc="http://schemas.openxmlformats.org/markup-compatibility/2006">
+    <mc:Choice xmlns:p159="http://schemas.microsoft.com/office/powerpoint/2015/09/main" Requires="p159">
+      <p:transition xmlns:p14="http://schemas.microsoft.com/office/powerpoint/2010/main" spd="slow" p14:dur="2000">
+        <p159:morph option="byObject"/>
+      </p:transition>
+    </mc:Choice>
+    <mc:Fallback>
+      <p:transition spd="slow">
+        <p:fade/>
+      </p:transition>
+    </mc:Fallback>
+  </mc:AlternateContent>
 </p:sld>
 </file>
 

--- a/Fileup.pptx
+++ b/Fileup.pptx
@@ -7,6 +7,17 @@
   <p:sldIdLst>
     <p:sldId id="256" r:id="rId2"/>
     <p:sldId id="257" r:id="rId3"/>
+    <p:sldId id="259" r:id="rId4"/>
+    <p:sldId id="266" r:id="rId5"/>
+    <p:sldId id="267" r:id="rId6"/>
+    <p:sldId id="268" r:id="rId7"/>
+    <p:sldId id="269" r:id="rId8"/>
+    <p:sldId id="260" r:id="rId9"/>
+    <p:sldId id="261" r:id="rId10"/>
+    <p:sldId id="265" r:id="rId11"/>
+    <p:sldId id="263" r:id="rId12"/>
+    <p:sldId id="264" r:id="rId13"/>
+    <p:sldId id="258" r:id="rId14"/>
   </p:sldIdLst>
   <p:sldSz cx="12192000" cy="6858000"/>
   <p:notesSz cx="6858000" cy="9144000"/>
@@ -260,7 +271,7 @@
           <a:p>
             <a:fld id="{BAC5E3E5-EA48-4747-8EA2-9DCCCFBCD169}" type="datetimeFigureOut">
               <a:rPr lang="hu-HU" smtClean="0"/>
-              <a:t>2023. 11. 27.</a:t>
+              <a:t>2023. 11. 30.</a:t>
             </a:fld>
             <a:endParaRPr lang="hu-HU"/>
           </a:p>
@@ -458,7 +469,7 @@
           <a:p>
             <a:fld id="{BAC5E3E5-EA48-4747-8EA2-9DCCCFBCD169}" type="datetimeFigureOut">
               <a:rPr lang="hu-HU" smtClean="0"/>
-              <a:t>2023. 11. 27.</a:t>
+              <a:t>2023. 11. 30.</a:t>
             </a:fld>
             <a:endParaRPr lang="hu-HU"/>
           </a:p>
@@ -666,7 +677,7 @@
           <a:p>
             <a:fld id="{BAC5E3E5-EA48-4747-8EA2-9DCCCFBCD169}" type="datetimeFigureOut">
               <a:rPr lang="hu-HU" smtClean="0"/>
-              <a:t>2023. 11. 27.</a:t>
+              <a:t>2023. 11. 30.</a:t>
             </a:fld>
             <a:endParaRPr lang="hu-HU"/>
           </a:p>
@@ -864,7 +875,7 @@
           <a:p>
             <a:fld id="{BAC5E3E5-EA48-4747-8EA2-9DCCCFBCD169}" type="datetimeFigureOut">
               <a:rPr lang="hu-HU" smtClean="0"/>
-              <a:t>2023. 11. 27.</a:t>
+              <a:t>2023. 11. 30.</a:t>
             </a:fld>
             <a:endParaRPr lang="hu-HU"/>
           </a:p>
@@ -1139,7 +1150,7 @@
           <a:p>
             <a:fld id="{BAC5E3E5-EA48-4747-8EA2-9DCCCFBCD169}" type="datetimeFigureOut">
               <a:rPr lang="hu-HU" smtClean="0"/>
-              <a:t>2023. 11. 27.</a:t>
+              <a:t>2023. 11. 30.</a:t>
             </a:fld>
             <a:endParaRPr lang="hu-HU"/>
           </a:p>
@@ -1404,7 +1415,7 @@
           <a:p>
             <a:fld id="{BAC5E3E5-EA48-4747-8EA2-9DCCCFBCD169}" type="datetimeFigureOut">
               <a:rPr lang="hu-HU" smtClean="0"/>
-              <a:t>2023. 11. 27.</a:t>
+              <a:t>2023. 11. 30.</a:t>
             </a:fld>
             <a:endParaRPr lang="hu-HU"/>
           </a:p>
@@ -1816,7 +1827,7 @@
           <a:p>
             <a:fld id="{BAC5E3E5-EA48-4747-8EA2-9DCCCFBCD169}" type="datetimeFigureOut">
               <a:rPr lang="hu-HU" smtClean="0"/>
-              <a:t>2023. 11. 27.</a:t>
+              <a:t>2023. 11. 30.</a:t>
             </a:fld>
             <a:endParaRPr lang="hu-HU"/>
           </a:p>
@@ -1957,7 +1968,7 @@
           <a:p>
             <a:fld id="{BAC5E3E5-EA48-4747-8EA2-9DCCCFBCD169}" type="datetimeFigureOut">
               <a:rPr lang="hu-HU" smtClean="0"/>
-              <a:t>2023. 11. 27.</a:t>
+              <a:t>2023. 11. 30.</a:t>
             </a:fld>
             <a:endParaRPr lang="hu-HU"/>
           </a:p>
@@ -2070,7 +2081,7 @@
           <a:p>
             <a:fld id="{BAC5E3E5-EA48-4747-8EA2-9DCCCFBCD169}" type="datetimeFigureOut">
               <a:rPr lang="hu-HU" smtClean="0"/>
-              <a:t>2023. 11. 27.</a:t>
+              <a:t>2023. 11. 30.</a:t>
             </a:fld>
             <a:endParaRPr lang="hu-HU"/>
           </a:p>
@@ -2381,7 +2392,7 @@
           <a:p>
             <a:fld id="{BAC5E3E5-EA48-4747-8EA2-9DCCCFBCD169}" type="datetimeFigureOut">
               <a:rPr lang="hu-HU" smtClean="0"/>
-              <a:t>2023. 11. 27.</a:t>
+              <a:t>2023. 11. 30.</a:t>
             </a:fld>
             <a:endParaRPr lang="hu-HU"/>
           </a:p>
@@ -2669,7 +2680,7 @@
           <a:p>
             <a:fld id="{BAC5E3E5-EA48-4747-8EA2-9DCCCFBCD169}" type="datetimeFigureOut">
               <a:rPr lang="hu-HU" smtClean="0"/>
-              <a:t>2023. 11. 27.</a:t>
+              <a:t>2023. 11. 30.</a:t>
             </a:fld>
             <a:endParaRPr lang="hu-HU"/>
           </a:p>
@@ -2910,7 +2921,7 @@
           <a:p>
             <a:fld id="{BAC5E3E5-EA48-4747-8EA2-9DCCCFBCD169}" type="datetimeFigureOut">
               <a:rPr lang="hu-HU" smtClean="0"/>
-              <a:t>2023. 11. 27.</a:t>
+              <a:t>2023. 11. 30.</a:t>
             </a:fld>
             <a:endParaRPr lang="hu-HU"/>
           </a:p>
@@ -3384,6 +3395,2552 @@
 </p:sld>
 </file>
 
+<file path=ppt/slides/slide10.xml><?xml version="1.0" encoding="utf-8"?>
+<p:sld xmlns:a="http://schemas.openxmlformats.org/drawingml/2006/main" xmlns:r="http://schemas.openxmlformats.org/officeDocument/2006/relationships" xmlns:p="http://schemas.openxmlformats.org/presentationml/2006/main">
+  <p:cSld>
+    <p:spTree>
+      <p:nvGrpSpPr>
+        <p:cNvPr id="1" name=""/>
+        <p:cNvGrpSpPr/>
+        <p:nvPr/>
+      </p:nvGrpSpPr>
+      <p:grpSpPr>
+        <a:xfrm>
+          <a:off x="0" y="0"/>
+          <a:ext cx="0" cy="0"/>
+          <a:chOff x="0" y="0"/>
+          <a:chExt cx="0" cy="0"/>
+        </a:xfrm>
+      </p:grpSpPr>
+      <p:pic>
+        <p:nvPicPr>
+          <p:cNvPr id="13" name="Kép 12" descr="A képen szöveg, minta, fekete-fehér, levél látható&#10;&#10;Automatikusan generált leírás">
+            <a:extLst>
+              <a:ext uri="{FF2B5EF4-FFF2-40B4-BE49-F238E27FC236}">
+                <a16:creationId xmlns:a16="http://schemas.microsoft.com/office/drawing/2014/main" id="{371EAB3B-9347-B1D2-80B3-079B27A28BFC}"/>
+              </a:ext>
+            </a:extLst>
+          </p:cNvPr>
+          <p:cNvPicPr>
+            <a:picLocks noChangeAspect="1"/>
+          </p:cNvPicPr>
+          <p:nvPr/>
+        </p:nvPicPr>
+        <p:blipFill>
+          <a:blip r:embed="rId2">
+            <a:extLst>
+              <a:ext uri="{28A0092B-C50C-407E-A947-70E740481C1C}">
+                <a14:useLocalDpi xmlns:a14="http://schemas.microsoft.com/office/drawing/2010/main" val="0"/>
+              </a:ext>
+            </a:extLst>
+          </a:blip>
+          <a:stretch>
+            <a:fillRect/>
+          </a:stretch>
+        </p:blipFill>
+        <p:spPr>
+          <a:xfrm>
+            <a:off x="0" y="-1"/>
+            <a:ext cx="12192000" cy="6858001"/>
+          </a:xfrm>
+          <a:prstGeom prst="rect">
+            <a:avLst/>
+          </a:prstGeom>
+        </p:spPr>
+      </p:pic>
+      <p:sp>
+        <p:nvSpPr>
+          <p:cNvPr id="14" name="Téglalap: lekerekített 13">
+            <a:extLst>
+              <a:ext uri="{FF2B5EF4-FFF2-40B4-BE49-F238E27FC236}">
+                <a16:creationId xmlns:a16="http://schemas.microsoft.com/office/drawing/2014/main" id="{5AF23941-6343-3D5A-6C6A-D831B87BEB5B}"/>
+              </a:ext>
+            </a:extLst>
+          </p:cNvPr>
+          <p:cNvSpPr/>
+          <p:nvPr/>
+        </p:nvSpPr>
+        <p:spPr>
+          <a:xfrm>
+            <a:off x="1079500" y="2946400"/>
+            <a:ext cx="2552700" cy="1841500"/>
+          </a:xfrm>
+          <a:prstGeom prst="roundRect">
+            <a:avLst/>
+          </a:prstGeom>
+          <a:solidFill>
+            <a:schemeClr val="bg1"/>
+          </a:solidFill>
+        </p:spPr>
+        <p:style>
+          <a:lnRef idx="2">
+            <a:schemeClr val="accent1">
+              <a:shade val="15000"/>
+            </a:schemeClr>
+          </a:lnRef>
+          <a:fillRef idx="1">
+            <a:schemeClr val="accent1"/>
+          </a:fillRef>
+          <a:effectRef idx="0">
+            <a:schemeClr val="accent1"/>
+          </a:effectRef>
+          <a:fontRef idx="minor">
+            <a:schemeClr val="lt1"/>
+          </a:fontRef>
+        </p:style>
+        <p:txBody>
+          <a:bodyPr rtlCol="0" anchor="ctr"/>
+          <a:lstStyle/>
+          <a:p>
+            <a:pPr algn="ctr"/>
+            <a:endParaRPr lang="hu-HU"/>
+          </a:p>
+        </p:txBody>
+      </p:sp>
+      <p:sp>
+        <p:nvSpPr>
+          <p:cNvPr id="15" name="Téglalap: lekerekített 14">
+            <a:extLst>
+              <a:ext uri="{FF2B5EF4-FFF2-40B4-BE49-F238E27FC236}">
+                <a16:creationId xmlns:a16="http://schemas.microsoft.com/office/drawing/2014/main" id="{392AD08D-EBB5-1646-BF4F-FCBA81A8E0A6}"/>
+              </a:ext>
+            </a:extLst>
+          </p:cNvPr>
+          <p:cNvSpPr/>
+          <p:nvPr/>
+        </p:nvSpPr>
+        <p:spPr>
+          <a:xfrm>
+            <a:off x="8559800" y="2946400"/>
+            <a:ext cx="2552700" cy="1841500"/>
+          </a:xfrm>
+          <a:prstGeom prst="roundRect">
+            <a:avLst/>
+          </a:prstGeom>
+          <a:solidFill>
+            <a:schemeClr val="bg1"/>
+          </a:solidFill>
+        </p:spPr>
+        <p:style>
+          <a:lnRef idx="2">
+            <a:schemeClr val="accent1">
+              <a:shade val="15000"/>
+            </a:schemeClr>
+          </a:lnRef>
+          <a:fillRef idx="1">
+            <a:schemeClr val="accent1"/>
+          </a:fillRef>
+          <a:effectRef idx="0">
+            <a:schemeClr val="accent1"/>
+          </a:effectRef>
+          <a:fontRef idx="minor">
+            <a:schemeClr val="lt1"/>
+          </a:fontRef>
+        </p:style>
+        <p:txBody>
+          <a:bodyPr rtlCol="0" anchor="ctr"/>
+          <a:lstStyle/>
+          <a:p>
+            <a:pPr algn="ctr"/>
+            <a:endParaRPr lang="hu-HU"/>
+          </a:p>
+        </p:txBody>
+      </p:sp>
+      <p:sp>
+        <p:nvSpPr>
+          <p:cNvPr id="21" name="Téglalap: lekerekített 20">
+            <a:extLst>
+              <a:ext uri="{FF2B5EF4-FFF2-40B4-BE49-F238E27FC236}">
+                <a16:creationId xmlns:a16="http://schemas.microsoft.com/office/drawing/2014/main" id="{78B59292-8ADC-603E-7965-06355D68A9B0}"/>
+              </a:ext>
+            </a:extLst>
+          </p:cNvPr>
+          <p:cNvSpPr/>
+          <p:nvPr/>
+        </p:nvSpPr>
+        <p:spPr>
+          <a:xfrm>
+            <a:off x="175260" y="2288540"/>
+            <a:ext cx="1371600" cy="2926080"/>
+          </a:xfrm>
+          <a:prstGeom prst="roundRect">
+            <a:avLst/>
+          </a:prstGeom>
+          <a:solidFill>
+            <a:schemeClr val="bg1"/>
+          </a:solidFill>
+          <a:ln>
+            <a:solidFill>
+              <a:schemeClr val="bg1"/>
+            </a:solidFill>
+          </a:ln>
+        </p:spPr>
+        <p:style>
+          <a:lnRef idx="2">
+            <a:schemeClr val="accent1">
+              <a:shade val="15000"/>
+            </a:schemeClr>
+          </a:lnRef>
+          <a:fillRef idx="1">
+            <a:schemeClr val="accent1"/>
+          </a:fillRef>
+          <a:effectRef idx="0">
+            <a:schemeClr val="accent1"/>
+          </a:effectRef>
+          <a:fontRef idx="minor">
+            <a:schemeClr val="lt1"/>
+          </a:fontRef>
+        </p:style>
+        <p:txBody>
+          <a:bodyPr rtlCol="0" anchor="ctr"/>
+          <a:lstStyle/>
+          <a:p>
+            <a:pPr algn="ctr"/>
+            <a:endParaRPr lang="hu-HU"/>
+          </a:p>
+        </p:txBody>
+      </p:sp>
+      <p:sp>
+        <p:nvSpPr>
+          <p:cNvPr id="25" name="Téglalap: lekerekített 24">
+            <a:extLst>
+              <a:ext uri="{FF2B5EF4-FFF2-40B4-BE49-F238E27FC236}">
+                <a16:creationId xmlns:a16="http://schemas.microsoft.com/office/drawing/2014/main" id="{C619F1A5-FBC9-B1D5-5D84-B33D362E0F2B}"/>
+              </a:ext>
+            </a:extLst>
+          </p:cNvPr>
+          <p:cNvSpPr/>
+          <p:nvPr/>
+        </p:nvSpPr>
+        <p:spPr>
+          <a:xfrm>
+            <a:off x="5774470" y="1926167"/>
+            <a:ext cx="807096" cy="1204383"/>
+          </a:xfrm>
+          <a:prstGeom prst="roundRect">
+            <a:avLst/>
+          </a:prstGeom>
+          <a:solidFill>
+            <a:schemeClr val="bg1"/>
+          </a:solidFill>
+          <a:ln>
+            <a:solidFill>
+              <a:schemeClr val="bg1"/>
+            </a:solidFill>
+          </a:ln>
+        </p:spPr>
+        <p:style>
+          <a:lnRef idx="2">
+            <a:schemeClr val="accent1">
+              <a:shade val="15000"/>
+            </a:schemeClr>
+          </a:lnRef>
+          <a:fillRef idx="1">
+            <a:schemeClr val="accent1"/>
+          </a:fillRef>
+          <a:effectRef idx="0">
+            <a:schemeClr val="accent1"/>
+          </a:effectRef>
+          <a:fontRef idx="minor">
+            <a:schemeClr val="lt1"/>
+          </a:fontRef>
+        </p:style>
+        <p:txBody>
+          <a:bodyPr rtlCol="0" anchor="ctr"/>
+          <a:lstStyle/>
+          <a:p>
+            <a:pPr algn="ctr"/>
+            <a:endParaRPr lang="hu-HU"/>
+          </a:p>
+        </p:txBody>
+      </p:sp>
+      <p:sp>
+        <p:nvSpPr>
+          <p:cNvPr id="27" name="Téglalap: lekerekített 26">
+            <a:extLst>
+              <a:ext uri="{FF2B5EF4-FFF2-40B4-BE49-F238E27FC236}">
+                <a16:creationId xmlns:a16="http://schemas.microsoft.com/office/drawing/2014/main" id="{39D2D6E7-31CC-C60D-1998-FDCC093C9513}"/>
+              </a:ext>
+            </a:extLst>
+          </p:cNvPr>
+          <p:cNvSpPr/>
+          <p:nvPr/>
+        </p:nvSpPr>
+        <p:spPr>
+          <a:xfrm flipH="1">
+            <a:off x="5629477" y="2129366"/>
+            <a:ext cx="306917" cy="1001184"/>
+          </a:xfrm>
+          <a:prstGeom prst="roundRect">
+            <a:avLst/>
+          </a:prstGeom>
+          <a:solidFill>
+            <a:schemeClr val="bg1"/>
+          </a:solidFill>
+          <a:ln>
+            <a:solidFill>
+              <a:schemeClr val="bg1"/>
+            </a:solidFill>
+          </a:ln>
+        </p:spPr>
+        <p:style>
+          <a:lnRef idx="2">
+            <a:schemeClr val="accent1">
+              <a:shade val="15000"/>
+            </a:schemeClr>
+          </a:lnRef>
+          <a:fillRef idx="1">
+            <a:schemeClr val="accent1"/>
+          </a:fillRef>
+          <a:effectRef idx="0">
+            <a:schemeClr val="accent1"/>
+          </a:effectRef>
+          <a:fontRef idx="minor">
+            <a:schemeClr val="lt1"/>
+          </a:fontRef>
+        </p:style>
+        <p:txBody>
+          <a:bodyPr rtlCol="0" anchor="ctr"/>
+          <a:lstStyle/>
+          <a:p>
+            <a:pPr algn="ctr"/>
+            <a:r>
+              <a:rPr lang="hu-HU" dirty="0"/>
+              <a:t>VV</a:t>
+            </a:r>
+          </a:p>
+        </p:txBody>
+      </p:sp>
+      <p:sp>
+        <p:nvSpPr>
+          <p:cNvPr id="29" name="Téglalap: lekerekített 28">
+            <a:extLst>
+              <a:ext uri="{FF2B5EF4-FFF2-40B4-BE49-F238E27FC236}">
+                <a16:creationId xmlns:a16="http://schemas.microsoft.com/office/drawing/2014/main" id="{FAEF4909-E42B-1AC2-A778-4D63C3E5396C}"/>
+              </a:ext>
+            </a:extLst>
+          </p:cNvPr>
+          <p:cNvSpPr/>
+          <p:nvPr/>
+        </p:nvSpPr>
+        <p:spPr>
+          <a:xfrm flipH="1">
+            <a:off x="5715203" y="2078567"/>
+            <a:ext cx="211667" cy="76199"/>
+          </a:xfrm>
+          <a:prstGeom prst="roundRect">
+            <a:avLst/>
+          </a:prstGeom>
+          <a:solidFill>
+            <a:schemeClr val="bg1"/>
+          </a:solidFill>
+          <a:ln>
+            <a:solidFill>
+              <a:schemeClr val="bg1"/>
+            </a:solidFill>
+          </a:ln>
+        </p:spPr>
+        <p:style>
+          <a:lnRef idx="2">
+            <a:schemeClr val="accent1">
+              <a:shade val="15000"/>
+            </a:schemeClr>
+          </a:lnRef>
+          <a:fillRef idx="1">
+            <a:schemeClr val="accent1"/>
+          </a:fillRef>
+          <a:effectRef idx="0">
+            <a:schemeClr val="accent1"/>
+          </a:effectRef>
+          <a:fontRef idx="minor">
+            <a:schemeClr val="lt1"/>
+          </a:fontRef>
+        </p:style>
+        <p:txBody>
+          <a:bodyPr rtlCol="0" anchor="ctr"/>
+          <a:lstStyle/>
+          <a:p>
+            <a:pPr algn="ctr"/>
+            <a:endParaRPr lang="hu-HU"/>
+          </a:p>
+        </p:txBody>
+      </p:sp>
+      <p:sp>
+        <p:nvSpPr>
+          <p:cNvPr id="23" name="Téglalap: lekerekített 22">
+            <a:extLst>
+              <a:ext uri="{FF2B5EF4-FFF2-40B4-BE49-F238E27FC236}">
+                <a16:creationId xmlns:a16="http://schemas.microsoft.com/office/drawing/2014/main" id="{0E5D8086-4FCA-5C66-1A8A-98E2AD1F5848}"/>
+              </a:ext>
+            </a:extLst>
+          </p:cNvPr>
+          <p:cNvSpPr/>
+          <p:nvPr/>
+        </p:nvSpPr>
+        <p:spPr>
+          <a:xfrm>
+            <a:off x="10625890" y="2288540"/>
+            <a:ext cx="1371600" cy="2926080"/>
+          </a:xfrm>
+          <a:prstGeom prst="roundRect">
+            <a:avLst/>
+          </a:prstGeom>
+          <a:solidFill>
+            <a:schemeClr val="bg1"/>
+          </a:solidFill>
+          <a:ln>
+            <a:solidFill>
+              <a:schemeClr val="bg1"/>
+            </a:solidFill>
+          </a:ln>
+        </p:spPr>
+        <p:style>
+          <a:lnRef idx="2">
+            <a:schemeClr val="accent1">
+              <a:shade val="15000"/>
+            </a:schemeClr>
+          </a:lnRef>
+          <a:fillRef idx="1">
+            <a:schemeClr val="accent1"/>
+          </a:fillRef>
+          <a:effectRef idx="0">
+            <a:schemeClr val="accent1"/>
+          </a:effectRef>
+          <a:fontRef idx="minor">
+            <a:schemeClr val="lt1"/>
+          </a:fontRef>
+        </p:style>
+        <p:txBody>
+          <a:bodyPr rtlCol="0" anchor="ctr"/>
+          <a:lstStyle/>
+          <a:p>
+            <a:pPr algn="ctr"/>
+            <a:endParaRPr lang="hu-HU"/>
+          </a:p>
+        </p:txBody>
+      </p:sp>
+      <p:sp>
+        <p:nvSpPr>
+          <p:cNvPr id="42" name="Téglalap: lekerekített 41">
+            <a:extLst>
+              <a:ext uri="{FF2B5EF4-FFF2-40B4-BE49-F238E27FC236}">
+                <a16:creationId xmlns:a16="http://schemas.microsoft.com/office/drawing/2014/main" id="{7FE8872C-7F4A-9AAD-980C-CEDD41E819AB}"/>
+              </a:ext>
+            </a:extLst>
+          </p:cNvPr>
+          <p:cNvSpPr/>
+          <p:nvPr/>
+        </p:nvSpPr>
+        <p:spPr>
+          <a:xfrm>
+            <a:off x="6535360" y="4131734"/>
+            <a:ext cx="786677" cy="1113366"/>
+          </a:xfrm>
+          <a:prstGeom prst="roundRect">
+            <a:avLst/>
+          </a:prstGeom>
+          <a:solidFill>
+            <a:schemeClr val="bg1"/>
+          </a:solidFill>
+          <a:ln>
+            <a:solidFill>
+              <a:schemeClr val="bg1"/>
+            </a:solidFill>
+          </a:ln>
+        </p:spPr>
+        <p:style>
+          <a:lnRef idx="2">
+            <a:schemeClr val="accent1">
+              <a:shade val="15000"/>
+            </a:schemeClr>
+          </a:lnRef>
+          <a:fillRef idx="1">
+            <a:schemeClr val="accent1"/>
+          </a:fillRef>
+          <a:effectRef idx="0">
+            <a:schemeClr val="accent1"/>
+          </a:effectRef>
+          <a:fontRef idx="minor">
+            <a:schemeClr val="lt1"/>
+          </a:fontRef>
+        </p:style>
+        <p:txBody>
+          <a:bodyPr rtlCol="0" anchor="ctr"/>
+          <a:lstStyle/>
+          <a:p>
+            <a:pPr algn="ctr"/>
+            <a:endParaRPr lang="hu-HU"/>
+          </a:p>
+        </p:txBody>
+      </p:sp>
+      <p:sp>
+        <p:nvSpPr>
+          <p:cNvPr id="43" name="Téglalap: lekerekített 42">
+            <a:extLst>
+              <a:ext uri="{FF2B5EF4-FFF2-40B4-BE49-F238E27FC236}">
+                <a16:creationId xmlns:a16="http://schemas.microsoft.com/office/drawing/2014/main" id="{2609A359-393D-A3A0-2A55-2D23E2E8AB1E}"/>
+              </a:ext>
+            </a:extLst>
+          </p:cNvPr>
+          <p:cNvSpPr/>
+          <p:nvPr/>
+        </p:nvSpPr>
+        <p:spPr>
+          <a:xfrm flipH="1">
+            <a:off x="6394035" y="4319577"/>
+            <a:ext cx="299152" cy="925523"/>
+          </a:xfrm>
+          <a:prstGeom prst="roundRect">
+            <a:avLst/>
+          </a:prstGeom>
+          <a:solidFill>
+            <a:schemeClr val="bg1"/>
+          </a:solidFill>
+          <a:ln>
+            <a:solidFill>
+              <a:schemeClr val="bg1"/>
+            </a:solidFill>
+          </a:ln>
+        </p:spPr>
+        <p:style>
+          <a:lnRef idx="2">
+            <a:schemeClr val="accent1">
+              <a:shade val="15000"/>
+            </a:schemeClr>
+          </a:lnRef>
+          <a:fillRef idx="1">
+            <a:schemeClr val="accent1"/>
+          </a:fillRef>
+          <a:effectRef idx="0">
+            <a:schemeClr val="accent1"/>
+          </a:effectRef>
+          <a:fontRef idx="minor">
+            <a:schemeClr val="lt1"/>
+          </a:fontRef>
+        </p:style>
+        <p:txBody>
+          <a:bodyPr rtlCol="0" anchor="ctr"/>
+          <a:lstStyle/>
+          <a:p>
+            <a:pPr algn="ctr"/>
+            <a:r>
+              <a:rPr lang="hu-HU" dirty="0"/>
+              <a:t>VV</a:t>
+            </a:r>
+          </a:p>
+        </p:txBody>
+      </p:sp>
+      <p:sp>
+        <p:nvSpPr>
+          <p:cNvPr id="44" name="Téglalap: lekerekített 43">
+            <a:extLst>
+              <a:ext uri="{FF2B5EF4-FFF2-40B4-BE49-F238E27FC236}">
+                <a16:creationId xmlns:a16="http://schemas.microsoft.com/office/drawing/2014/main" id="{C821293C-07D8-53C9-5D4E-C71D28DE83BC}"/>
+              </a:ext>
+            </a:extLst>
+          </p:cNvPr>
+          <p:cNvSpPr/>
+          <p:nvPr/>
+        </p:nvSpPr>
+        <p:spPr>
+          <a:xfrm flipH="1">
+            <a:off x="6477592" y="4272617"/>
+            <a:ext cx="206312" cy="70441"/>
+          </a:xfrm>
+          <a:prstGeom prst="roundRect">
+            <a:avLst/>
+          </a:prstGeom>
+          <a:solidFill>
+            <a:schemeClr val="bg1"/>
+          </a:solidFill>
+          <a:ln>
+            <a:solidFill>
+              <a:schemeClr val="bg1"/>
+            </a:solidFill>
+          </a:ln>
+        </p:spPr>
+        <p:style>
+          <a:lnRef idx="2">
+            <a:schemeClr val="accent1">
+              <a:shade val="15000"/>
+            </a:schemeClr>
+          </a:lnRef>
+          <a:fillRef idx="1">
+            <a:schemeClr val="accent1"/>
+          </a:fillRef>
+          <a:effectRef idx="0">
+            <a:schemeClr val="accent1"/>
+          </a:effectRef>
+          <a:fontRef idx="minor">
+            <a:schemeClr val="lt1"/>
+          </a:fontRef>
+        </p:style>
+        <p:txBody>
+          <a:bodyPr rtlCol="0" anchor="ctr"/>
+          <a:lstStyle/>
+          <a:p>
+            <a:pPr algn="ctr"/>
+            <a:endParaRPr lang="hu-HU"/>
+          </a:p>
+        </p:txBody>
+      </p:sp>
+      <p:sp>
+        <p:nvSpPr>
+          <p:cNvPr id="38" name="Téglalap: lekerekített 37">
+            <a:extLst>
+              <a:ext uri="{FF2B5EF4-FFF2-40B4-BE49-F238E27FC236}">
+                <a16:creationId xmlns:a16="http://schemas.microsoft.com/office/drawing/2014/main" id="{01286121-44A1-EAAA-C0B1-36062EAE81AC}"/>
+              </a:ext>
+            </a:extLst>
+          </p:cNvPr>
+          <p:cNvSpPr/>
+          <p:nvPr/>
+        </p:nvSpPr>
+        <p:spPr>
+          <a:xfrm>
+            <a:off x="4482370" y="4131734"/>
+            <a:ext cx="773576" cy="1113366"/>
+          </a:xfrm>
+          <a:prstGeom prst="roundRect">
+            <a:avLst/>
+          </a:prstGeom>
+          <a:solidFill>
+            <a:schemeClr val="bg1"/>
+          </a:solidFill>
+          <a:ln>
+            <a:solidFill>
+              <a:schemeClr val="bg1"/>
+            </a:solidFill>
+          </a:ln>
+        </p:spPr>
+        <p:style>
+          <a:lnRef idx="2">
+            <a:schemeClr val="accent1">
+              <a:shade val="15000"/>
+            </a:schemeClr>
+          </a:lnRef>
+          <a:fillRef idx="1">
+            <a:schemeClr val="accent1"/>
+          </a:fillRef>
+          <a:effectRef idx="0">
+            <a:schemeClr val="accent1"/>
+          </a:effectRef>
+          <a:fontRef idx="minor">
+            <a:schemeClr val="lt1"/>
+          </a:fontRef>
+        </p:style>
+        <p:txBody>
+          <a:bodyPr rtlCol="0" anchor="ctr"/>
+          <a:lstStyle/>
+          <a:p>
+            <a:pPr algn="ctr"/>
+            <a:endParaRPr lang="hu-HU"/>
+          </a:p>
+        </p:txBody>
+      </p:sp>
+      <p:sp>
+        <p:nvSpPr>
+          <p:cNvPr id="39" name="Téglalap: lekerekített 38">
+            <a:extLst>
+              <a:ext uri="{FF2B5EF4-FFF2-40B4-BE49-F238E27FC236}">
+                <a16:creationId xmlns:a16="http://schemas.microsoft.com/office/drawing/2014/main" id="{048B89F2-A989-C212-0310-5A84CF9D8ACE}"/>
+              </a:ext>
+            </a:extLst>
+          </p:cNvPr>
+          <p:cNvSpPr/>
+          <p:nvPr/>
+        </p:nvSpPr>
+        <p:spPr>
+          <a:xfrm flipH="1">
+            <a:off x="4343399" y="4319577"/>
+            <a:ext cx="294170" cy="925523"/>
+          </a:xfrm>
+          <a:prstGeom prst="roundRect">
+            <a:avLst/>
+          </a:prstGeom>
+          <a:solidFill>
+            <a:schemeClr val="bg1"/>
+          </a:solidFill>
+          <a:ln>
+            <a:solidFill>
+              <a:schemeClr val="bg1"/>
+            </a:solidFill>
+          </a:ln>
+        </p:spPr>
+        <p:style>
+          <a:lnRef idx="2">
+            <a:schemeClr val="accent1">
+              <a:shade val="15000"/>
+            </a:schemeClr>
+          </a:lnRef>
+          <a:fillRef idx="1">
+            <a:schemeClr val="accent1"/>
+          </a:fillRef>
+          <a:effectRef idx="0">
+            <a:schemeClr val="accent1"/>
+          </a:effectRef>
+          <a:fontRef idx="minor">
+            <a:schemeClr val="lt1"/>
+          </a:fontRef>
+        </p:style>
+        <p:txBody>
+          <a:bodyPr rtlCol="0" anchor="ctr"/>
+          <a:lstStyle/>
+          <a:p>
+            <a:pPr algn="ctr"/>
+            <a:r>
+              <a:rPr lang="hu-HU" dirty="0"/>
+              <a:t>VV</a:t>
+            </a:r>
+          </a:p>
+        </p:txBody>
+      </p:sp>
+      <p:sp>
+        <p:nvSpPr>
+          <p:cNvPr id="40" name="Téglalap: lekerekített 39">
+            <a:extLst>
+              <a:ext uri="{FF2B5EF4-FFF2-40B4-BE49-F238E27FC236}">
+                <a16:creationId xmlns:a16="http://schemas.microsoft.com/office/drawing/2014/main" id="{3D75E0D2-768D-01C3-948D-DBC8367577EE}"/>
+              </a:ext>
+            </a:extLst>
+          </p:cNvPr>
+          <p:cNvSpPr/>
+          <p:nvPr/>
+        </p:nvSpPr>
+        <p:spPr>
+          <a:xfrm flipH="1">
+            <a:off x="4425565" y="4272617"/>
+            <a:ext cx="202876" cy="70441"/>
+          </a:xfrm>
+          <a:prstGeom prst="roundRect">
+            <a:avLst/>
+          </a:prstGeom>
+          <a:solidFill>
+            <a:schemeClr val="bg1"/>
+          </a:solidFill>
+          <a:ln>
+            <a:solidFill>
+              <a:schemeClr val="bg1"/>
+            </a:solidFill>
+          </a:ln>
+        </p:spPr>
+        <p:style>
+          <a:lnRef idx="2">
+            <a:schemeClr val="accent1">
+              <a:shade val="15000"/>
+            </a:schemeClr>
+          </a:lnRef>
+          <a:fillRef idx="1">
+            <a:schemeClr val="accent1"/>
+          </a:fillRef>
+          <a:effectRef idx="0">
+            <a:schemeClr val="accent1"/>
+          </a:effectRef>
+          <a:fontRef idx="minor">
+            <a:schemeClr val="lt1"/>
+          </a:fontRef>
+        </p:style>
+        <p:txBody>
+          <a:bodyPr rtlCol="0" anchor="ctr"/>
+          <a:lstStyle/>
+          <a:p>
+            <a:pPr algn="ctr"/>
+            <a:endParaRPr lang="hu-HU"/>
+          </a:p>
+        </p:txBody>
+      </p:sp>
+      <p:pic>
+        <p:nvPicPr>
+          <p:cNvPr id="19" name="Kép 18">
+            <a:extLst>
+              <a:ext uri="{FF2B5EF4-FFF2-40B4-BE49-F238E27FC236}">
+                <a16:creationId xmlns:a16="http://schemas.microsoft.com/office/drawing/2014/main" id="{8214BB86-3A0B-766D-40DD-28668C2E5612}"/>
+              </a:ext>
+            </a:extLst>
+          </p:cNvPr>
+          <p:cNvPicPr>
+            <a:picLocks noChangeAspect="1"/>
+          </p:cNvPicPr>
+          <p:nvPr/>
+        </p:nvPicPr>
+        <p:blipFill>
+          <a:blip r:embed="rId3"/>
+          <a:stretch>
+            <a:fillRect/>
+          </a:stretch>
+        </p:blipFill>
+        <p:spPr>
+          <a:xfrm>
+            <a:off x="0" y="511350"/>
+            <a:ext cx="12192000" cy="5149498"/>
+          </a:xfrm>
+          <a:prstGeom prst="rect">
+            <a:avLst/>
+          </a:prstGeom>
+        </p:spPr>
+      </p:pic>
+      <p:sp>
+        <p:nvSpPr>
+          <p:cNvPr id="46" name="Téglalap: lekerekített 45">
+            <a:extLst>
+              <a:ext uri="{FF2B5EF4-FFF2-40B4-BE49-F238E27FC236}">
+                <a16:creationId xmlns:a16="http://schemas.microsoft.com/office/drawing/2014/main" id="{F9E11F13-4D6D-0AF1-F691-BFEC6AA770B8}"/>
+              </a:ext>
+            </a:extLst>
+          </p:cNvPr>
+          <p:cNvSpPr/>
+          <p:nvPr/>
+        </p:nvSpPr>
+        <p:spPr>
+          <a:xfrm>
+            <a:off x="1257300" y="3143250"/>
+            <a:ext cx="2137781" cy="1073150"/>
+          </a:xfrm>
+          <a:prstGeom prst="roundRect">
+            <a:avLst/>
+          </a:prstGeom>
+          <a:solidFill>
+            <a:schemeClr val="tx1"/>
+          </a:solidFill>
+          <a:ln>
+            <a:solidFill>
+              <a:schemeClr val="tx1"/>
+            </a:solidFill>
+          </a:ln>
+        </p:spPr>
+        <p:style>
+          <a:lnRef idx="2">
+            <a:schemeClr val="accent1">
+              <a:shade val="15000"/>
+            </a:schemeClr>
+          </a:lnRef>
+          <a:fillRef idx="1">
+            <a:schemeClr val="accent1"/>
+          </a:fillRef>
+          <a:effectRef idx="0">
+            <a:schemeClr val="accent1"/>
+          </a:effectRef>
+          <a:fontRef idx="minor">
+            <a:schemeClr val="lt1"/>
+          </a:fontRef>
+        </p:style>
+        <p:txBody>
+          <a:bodyPr rtlCol="0" anchor="ctr"/>
+          <a:lstStyle/>
+          <a:p>
+            <a:pPr algn="ctr"/>
+            <a:endParaRPr lang="hu-HU"/>
+          </a:p>
+        </p:txBody>
+      </p:sp>
+      <p:pic>
+        <p:nvPicPr>
+          <p:cNvPr id="45" name="Kép 44" descr="A képen szöveg, Grafika, Betűtípus, szimbólum látható&#10;&#10;Automatikusan generált leírás">
+            <a:extLst>
+              <a:ext uri="{FF2B5EF4-FFF2-40B4-BE49-F238E27FC236}">
+                <a16:creationId xmlns:a16="http://schemas.microsoft.com/office/drawing/2014/main" id="{D6BA5601-0DDC-3B9E-2765-CC25462568E3}"/>
+              </a:ext>
+            </a:extLst>
+          </p:cNvPr>
+          <p:cNvPicPr>
+            <a:picLocks noChangeAspect="1"/>
+          </p:cNvPicPr>
+          <p:nvPr/>
+        </p:nvPicPr>
+        <p:blipFill>
+          <a:blip r:embed="rId4">
+            <a:extLst>
+              <a:ext uri="{28A0092B-C50C-407E-A947-70E740481C1C}">
+                <a14:useLocalDpi xmlns:a14="http://schemas.microsoft.com/office/drawing/2010/main" val="0"/>
+              </a:ext>
+            </a:extLst>
+          </a:blip>
+          <a:stretch>
+            <a:fillRect/>
+          </a:stretch>
+        </p:blipFill>
+        <p:spPr>
+          <a:xfrm>
+            <a:off x="1084507" y="3003994"/>
+            <a:ext cx="2522617" cy="1418972"/>
+          </a:xfrm>
+          <a:prstGeom prst="rect">
+            <a:avLst/>
+          </a:prstGeom>
+        </p:spPr>
+      </p:pic>
+      <p:pic>
+        <p:nvPicPr>
+          <p:cNvPr id="54" name="Kép 53" descr="A képen Betűtípus, Grafika, embléma, Grafikus tervezés látható&#10;&#10;Automatikusan generált leírás">
+            <a:extLst>
+              <a:ext uri="{FF2B5EF4-FFF2-40B4-BE49-F238E27FC236}">
+                <a16:creationId xmlns:a16="http://schemas.microsoft.com/office/drawing/2014/main" id="{E7B3E0B7-16EA-923F-C575-AD1406461C29}"/>
+              </a:ext>
+            </a:extLst>
+          </p:cNvPr>
+          <p:cNvPicPr>
+            <a:picLocks noChangeAspect="1"/>
+          </p:cNvPicPr>
+          <p:nvPr/>
+        </p:nvPicPr>
+        <p:blipFill>
+          <a:blip r:embed="rId5">
+            <a:extLst>
+              <a:ext uri="{28A0092B-C50C-407E-A947-70E740481C1C}">
+                <a14:useLocalDpi xmlns:a14="http://schemas.microsoft.com/office/drawing/2010/main" val="0"/>
+              </a:ext>
+            </a:extLst>
+          </a:blip>
+          <a:stretch>
+            <a:fillRect/>
+          </a:stretch>
+        </p:blipFill>
+        <p:spPr>
+          <a:xfrm>
+            <a:off x="8915306" y="3143250"/>
+            <a:ext cx="1841688" cy="1167899"/>
+          </a:xfrm>
+          <a:prstGeom prst="rect">
+            <a:avLst/>
+          </a:prstGeom>
+        </p:spPr>
+      </p:pic>
+      <p:sp>
+        <p:nvSpPr>
+          <p:cNvPr id="4" name="Szövegdoboz 3">
+            <a:extLst>
+              <a:ext uri="{FF2B5EF4-FFF2-40B4-BE49-F238E27FC236}">
+                <a16:creationId xmlns:a16="http://schemas.microsoft.com/office/drawing/2014/main" id="{8662EA4C-F8B0-24EF-1471-4F3CC63F8C7A}"/>
+              </a:ext>
+            </a:extLst>
+          </p:cNvPr>
+          <p:cNvSpPr txBox="1"/>
+          <p:nvPr/>
+        </p:nvSpPr>
+        <p:spPr>
+          <a:xfrm>
+            <a:off x="4277286" y="4614952"/>
+            <a:ext cx="986006" cy="677108"/>
+          </a:xfrm>
+          <a:prstGeom prst="rect">
+            <a:avLst/>
+          </a:prstGeom>
+          <a:noFill/>
+          <a:effectLst>
+            <a:outerShdw blurRad="50800" dist="38100" dir="2700000" algn="tl" rotWithShape="0">
+              <a:prstClr val="black">
+                <a:alpha val="40000"/>
+              </a:prstClr>
+            </a:outerShdw>
+          </a:effectLst>
+        </p:spPr>
+        <p:txBody>
+          <a:bodyPr wrap="square" rtlCol="0">
+            <a:spAutoFit/>
+          </a:bodyPr>
+          <a:lstStyle/>
+          <a:p>
+            <a:pPr algn="ctr"/>
+            <a:r>
+              <a:rPr lang="hu-HU" sz="1200" dirty="0"/>
+              <a:t>I. Workshop óta</a:t>
+            </a:r>
+            <a:br>
+              <a:rPr lang="hu-HU" sz="1400" dirty="0"/>
+            </a:br>
+            <a:endParaRPr lang="hu-HU" sz="1400" dirty="0"/>
+          </a:p>
+        </p:txBody>
+      </p:sp>
+      <p:sp>
+        <p:nvSpPr>
+          <p:cNvPr id="5" name="Szövegdoboz 4">
+            <a:extLst>
+              <a:ext uri="{FF2B5EF4-FFF2-40B4-BE49-F238E27FC236}">
+                <a16:creationId xmlns:a16="http://schemas.microsoft.com/office/drawing/2014/main" id="{7E3F05ED-21A9-A898-0538-D5095D5D2265}"/>
+              </a:ext>
+            </a:extLst>
+          </p:cNvPr>
+          <p:cNvSpPr txBox="1"/>
+          <p:nvPr/>
+        </p:nvSpPr>
+        <p:spPr>
+          <a:xfrm>
+            <a:off x="6096000" y="4574589"/>
+            <a:ext cx="1522716" cy="415498"/>
+          </a:xfrm>
+          <a:prstGeom prst="rect">
+            <a:avLst/>
+          </a:prstGeom>
+          <a:noFill/>
+          <a:effectLst>
+            <a:glow rad="1905000">
+              <a:schemeClr val="accent3">
+                <a:satMod val="175000"/>
+                <a:alpha val="40000"/>
+              </a:schemeClr>
+            </a:glow>
+            <a:outerShdw blurRad="50800" dist="38100" dir="2700000" algn="tl" rotWithShape="0">
+              <a:prstClr val="black">
+                <a:alpha val="40000"/>
+              </a:prstClr>
+            </a:outerShdw>
+          </a:effectLst>
+        </p:spPr>
+        <p:txBody>
+          <a:bodyPr wrap="square" rtlCol="0">
+            <a:spAutoFit/>
+          </a:bodyPr>
+          <a:lstStyle/>
+          <a:p>
+            <a:pPr algn="ctr"/>
+            <a:r>
+              <a:rPr lang="hu-HU" sz="1050" dirty="0"/>
+              <a:t>Tervek a </a:t>
+            </a:r>
+          </a:p>
+          <a:p>
+            <a:pPr algn="ctr"/>
+            <a:r>
+              <a:rPr lang="hu-HU" sz="1050" dirty="0"/>
+              <a:t>II. Workshopra</a:t>
+            </a:r>
+          </a:p>
+        </p:txBody>
+      </p:sp>
+      <p:sp>
+        <p:nvSpPr>
+          <p:cNvPr id="6" name="Szövegdoboz 5">
+            <a:extLst>
+              <a:ext uri="{FF2B5EF4-FFF2-40B4-BE49-F238E27FC236}">
+                <a16:creationId xmlns:a16="http://schemas.microsoft.com/office/drawing/2014/main" id="{BF453E42-D0C4-2F7C-C8BB-C2CF4757450D}"/>
+              </a:ext>
+            </a:extLst>
+          </p:cNvPr>
+          <p:cNvSpPr txBox="1"/>
+          <p:nvPr/>
+        </p:nvSpPr>
+        <p:spPr>
+          <a:xfrm>
+            <a:off x="5715203" y="2528358"/>
+            <a:ext cx="777229" cy="307777"/>
+          </a:xfrm>
+          <a:prstGeom prst="rect">
+            <a:avLst/>
+          </a:prstGeom>
+          <a:noFill/>
+          <a:effectLst>
+            <a:glow rad="1905000">
+              <a:schemeClr val="accent3">
+                <a:satMod val="175000"/>
+                <a:alpha val="40000"/>
+              </a:schemeClr>
+            </a:glow>
+            <a:outerShdw blurRad="50800" dist="38100" dir="2700000" algn="tl" rotWithShape="0">
+              <a:prstClr val="black">
+                <a:alpha val="40000"/>
+              </a:prstClr>
+            </a:outerShdw>
+          </a:effectLst>
+        </p:spPr>
+        <p:txBody>
+          <a:bodyPr wrap="square" rtlCol="0">
+            <a:spAutoFit/>
+          </a:bodyPr>
+          <a:lstStyle/>
+          <a:p>
+            <a:r>
+              <a:rPr lang="hu-HU" sz="1400" dirty="0"/>
+              <a:t>Jelenleg</a:t>
+            </a:r>
+          </a:p>
+        </p:txBody>
+      </p:sp>
+    </p:spTree>
+    <p:extLst>
+      <p:ext uri="{BB962C8B-B14F-4D97-AF65-F5344CB8AC3E}">
+        <p14:creationId xmlns:p14="http://schemas.microsoft.com/office/powerpoint/2010/main" val="1017726895"/>
+      </p:ext>
+    </p:extLst>
+  </p:cSld>
+  <p:clrMapOvr>
+    <a:masterClrMapping/>
+  </p:clrMapOvr>
+  <mc:AlternateContent xmlns:mc="http://schemas.openxmlformats.org/markup-compatibility/2006" xmlns:p159="http://schemas.microsoft.com/office/powerpoint/2015/09/main">
+    <mc:Choice Requires="p159">
+      <p:transition xmlns:p14="http://schemas.microsoft.com/office/powerpoint/2010/main" spd="slow" p14:dur="2000">
+        <p159:morph option="byObject"/>
+      </p:transition>
+    </mc:Choice>
+    <mc:Fallback xmlns="">
+      <p:transition spd="slow">
+        <p:fade/>
+      </p:transition>
+    </mc:Fallback>
+  </mc:AlternateContent>
+</p:sld>
+</file>
+
+<file path=ppt/slides/slide11.xml><?xml version="1.0" encoding="utf-8"?>
+<p:sld xmlns:a="http://schemas.openxmlformats.org/drawingml/2006/main" xmlns:r="http://schemas.openxmlformats.org/officeDocument/2006/relationships" xmlns:p="http://schemas.openxmlformats.org/presentationml/2006/main">
+  <p:cSld>
+    <p:bg>
+      <p:bgPr>
+        <a:solidFill>
+          <a:schemeClr val="bg1"/>
+        </a:solidFill>
+        <a:effectLst/>
+      </p:bgPr>
+    </p:bg>
+    <p:spTree>
+      <p:nvGrpSpPr>
+        <p:cNvPr id="1" name=""/>
+        <p:cNvGrpSpPr/>
+        <p:nvPr/>
+      </p:nvGrpSpPr>
+      <p:grpSpPr>
+        <a:xfrm>
+          <a:off x="0" y="0"/>
+          <a:ext cx="0" cy="0"/>
+          <a:chOff x="0" y="0"/>
+          <a:chExt cx="0" cy="0"/>
+        </a:xfrm>
+      </p:grpSpPr>
+      <p:sp>
+        <p:nvSpPr>
+          <p:cNvPr id="14" name="Rectangle 13">
+            <a:extLst>
+              <a:ext uri="{FF2B5EF4-FFF2-40B4-BE49-F238E27FC236}">
+                <a16:creationId xmlns:a16="http://schemas.microsoft.com/office/drawing/2014/main" id="{42A4FC2C-047E-45A5-965D-8E1E3BF09BC6}"/>
+              </a:ext>
+              <a:ext uri="{C183D7F6-B498-43B3-948B-1728B52AA6E4}">
+                <adec:decorative xmlns:adec="http://schemas.microsoft.com/office/drawing/2017/decorative" val="1"/>
+              </a:ext>
+            </a:extLst>
+          </p:cNvPr>
+          <p:cNvSpPr>
+            <a:spLocks noGrp="1" noRot="1" noChangeAspect="1" noMove="1" noResize="1" noEditPoints="1" noAdjustHandles="1" noChangeArrowheads="1" noChangeShapeType="1" noTextEdit="1"/>
+          </p:cNvSpPr>
+          <p:nvPr>
+            <p:extLst>
+              <p:ext uri="{386F3935-93C4-4BCD-93E2-E3B085C9AB24}">
+                <p16:designElem xmlns:p16="http://schemas.microsoft.com/office/powerpoint/2015/main" val="1"/>
+              </p:ext>
+            </p:extLst>
+          </p:nvPr>
+        </p:nvSpPr>
+        <p:spPr bwMode="white">
+          <a:xfrm>
+            <a:off x="1524" y="0"/>
+            <a:ext cx="12188952" cy="6858000"/>
+          </a:xfrm>
+          <a:prstGeom prst="rect">
+            <a:avLst/>
+          </a:prstGeom>
+          <a:noFill/>
+          <a:ln>
+            <a:noFill/>
+          </a:ln>
+        </p:spPr>
+        <p:style>
+          <a:lnRef idx="2">
+            <a:schemeClr val="accent1">
+              <a:shade val="50000"/>
+            </a:schemeClr>
+          </a:lnRef>
+          <a:fillRef idx="1">
+            <a:schemeClr val="accent1"/>
+          </a:fillRef>
+          <a:effectRef idx="0">
+            <a:schemeClr val="accent1"/>
+          </a:effectRef>
+          <a:fontRef idx="minor">
+            <a:schemeClr val="lt1"/>
+          </a:fontRef>
+        </p:style>
+        <p:txBody>
+          <a:bodyPr rtlCol="0" anchor="ctr"/>
+          <a:lstStyle>
+            <a:defPPr>
+              <a:defRPr lang="en-US"/>
+            </a:defPPr>
+            <a:lvl1pPr marL="0" algn="l" defTabSz="914400" rtl="0" eaLnBrk="1" latinLnBrk="0" hangingPunct="1">
+              <a:defRPr sz="1800" kern="1200">
+                <a:solidFill>
+                  <a:schemeClr val="lt1"/>
+                </a:solidFill>
+                <a:latin typeface="+mn-lt"/>
+                <a:ea typeface="+mn-ea"/>
+                <a:cs typeface="+mn-cs"/>
+              </a:defRPr>
+            </a:lvl1pPr>
+            <a:lvl2pPr marL="457200" algn="l" defTabSz="914400" rtl="0" eaLnBrk="1" latinLnBrk="0" hangingPunct="1">
+              <a:defRPr sz="1800" kern="1200">
+                <a:solidFill>
+                  <a:schemeClr val="lt1"/>
+                </a:solidFill>
+                <a:latin typeface="+mn-lt"/>
+                <a:ea typeface="+mn-ea"/>
+                <a:cs typeface="+mn-cs"/>
+              </a:defRPr>
+            </a:lvl2pPr>
+            <a:lvl3pPr marL="914400" algn="l" defTabSz="914400" rtl="0" eaLnBrk="1" latinLnBrk="0" hangingPunct="1">
+              <a:defRPr sz="1800" kern="1200">
+                <a:solidFill>
+                  <a:schemeClr val="lt1"/>
+                </a:solidFill>
+                <a:latin typeface="+mn-lt"/>
+                <a:ea typeface="+mn-ea"/>
+                <a:cs typeface="+mn-cs"/>
+              </a:defRPr>
+            </a:lvl3pPr>
+            <a:lvl4pPr marL="1371600" algn="l" defTabSz="914400" rtl="0" eaLnBrk="1" latinLnBrk="0" hangingPunct="1">
+              <a:defRPr sz="1800" kern="1200">
+                <a:solidFill>
+                  <a:schemeClr val="lt1"/>
+                </a:solidFill>
+                <a:latin typeface="+mn-lt"/>
+                <a:ea typeface="+mn-ea"/>
+                <a:cs typeface="+mn-cs"/>
+              </a:defRPr>
+            </a:lvl4pPr>
+            <a:lvl5pPr marL="1828800" algn="l" defTabSz="914400" rtl="0" eaLnBrk="1" latinLnBrk="0" hangingPunct="1">
+              <a:defRPr sz="1800" kern="1200">
+                <a:solidFill>
+                  <a:schemeClr val="lt1"/>
+                </a:solidFill>
+                <a:latin typeface="+mn-lt"/>
+                <a:ea typeface="+mn-ea"/>
+                <a:cs typeface="+mn-cs"/>
+              </a:defRPr>
+            </a:lvl5pPr>
+            <a:lvl6pPr marL="2286000" algn="l" defTabSz="914400" rtl="0" eaLnBrk="1" latinLnBrk="0" hangingPunct="1">
+              <a:defRPr sz="1800" kern="1200">
+                <a:solidFill>
+                  <a:schemeClr val="lt1"/>
+                </a:solidFill>
+                <a:latin typeface="+mn-lt"/>
+                <a:ea typeface="+mn-ea"/>
+                <a:cs typeface="+mn-cs"/>
+              </a:defRPr>
+            </a:lvl6pPr>
+            <a:lvl7pPr marL="2743200" algn="l" defTabSz="914400" rtl="0" eaLnBrk="1" latinLnBrk="0" hangingPunct="1">
+              <a:defRPr sz="1800" kern="1200">
+                <a:solidFill>
+                  <a:schemeClr val="lt1"/>
+                </a:solidFill>
+                <a:latin typeface="+mn-lt"/>
+                <a:ea typeface="+mn-ea"/>
+                <a:cs typeface="+mn-cs"/>
+              </a:defRPr>
+            </a:lvl7pPr>
+            <a:lvl8pPr marL="3200400" algn="l" defTabSz="914400" rtl="0" eaLnBrk="1" latinLnBrk="0" hangingPunct="1">
+              <a:defRPr sz="1800" kern="1200">
+                <a:solidFill>
+                  <a:schemeClr val="lt1"/>
+                </a:solidFill>
+                <a:latin typeface="+mn-lt"/>
+                <a:ea typeface="+mn-ea"/>
+                <a:cs typeface="+mn-cs"/>
+              </a:defRPr>
+            </a:lvl8pPr>
+            <a:lvl9pPr marL="3657600" algn="l" defTabSz="914400" rtl="0" eaLnBrk="1" latinLnBrk="0" hangingPunct="1">
+              <a:defRPr sz="1800" kern="1200">
+                <a:solidFill>
+                  <a:schemeClr val="lt1"/>
+                </a:solidFill>
+                <a:latin typeface="+mn-lt"/>
+                <a:ea typeface="+mn-ea"/>
+                <a:cs typeface="+mn-cs"/>
+              </a:defRPr>
+            </a:lvl9pPr>
+          </a:lstStyle>
+          <a:p>
+            <a:pPr algn="ctr"/>
+            <a:endParaRPr lang="en-US"/>
+          </a:p>
+        </p:txBody>
+      </p:sp>
+      <p:pic>
+        <p:nvPicPr>
+          <p:cNvPr id="9" name="Kép 8" descr="A képen szöveg, minta, fekete-fehér, levél látható&#10;&#10;Automatikusan generált leírás">
+            <a:extLst>
+              <a:ext uri="{FF2B5EF4-FFF2-40B4-BE49-F238E27FC236}">
+                <a16:creationId xmlns:a16="http://schemas.microsoft.com/office/drawing/2014/main" id="{2F03E499-D232-0253-779B-525F1D2FF9B0}"/>
+              </a:ext>
+            </a:extLst>
+          </p:cNvPr>
+          <p:cNvPicPr>
+            <a:picLocks noChangeAspect="1"/>
+          </p:cNvPicPr>
+          <p:nvPr/>
+        </p:nvPicPr>
+        <p:blipFill rotWithShape="1">
+          <a:blip r:embed="rId2">
+            <a:extLst>
+              <a:ext uri="{28A0092B-C50C-407E-A947-70E740481C1C}">
+                <a14:useLocalDpi xmlns:a14="http://schemas.microsoft.com/office/drawing/2010/main" val="0"/>
+              </a:ext>
+            </a:extLst>
+          </a:blip>
+          <a:srcRect b="19"/>
+          <a:stretch/>
+        </p:blipFill>
+        <p:spPr>
+          <a:xfrm>
+            <a:off x="20" y="1282"/>
+            <a:ext cx="12191980" cy="6856718"/>
+          </a:xfrm>
+          <a:prstGeom prst="rect">
+            <a:avLst/>
+          </a:prstGeom>
+        </p:spPr>
+      </p:pic>
+      <p:sp>
+        <p:nvSpPr>
+          <p:cNvPr id="10" name="Szövegdoboz 9">
+            <a:extLst>
+              <a:ext uri="{FF2B5EF4-FFF2-40B4-BE49-F238E27FC236}">
+                <a16:creationId xmlns:a16="http://schemas.microsoft.com/office/drawing/2014/main" id="{2EC4B015-CFF9-C67A-C06F-A34C219810E0}"/>
+              </a:ext>
+            </a:extLst>
+          </p:cNvPr>
+          <p:cNvSpPr txBox="1"/>
+          <p:nvPr/>
+        </p:nvSpPr>
+        <p:spPr>
+          <a:xfrm>
+            <a:off x="2366113" y="1905506"/>
+            <a:ext cx="7459774" cy="3046988"/>
+          </a:xfrm>
+          <a:prstGeom prst="rect">
+            <a:avLst/>
+          </a:prstGeom>
+          <a:noFill/>
+          <a:effectLst>
+            <a:glow rad="1905000">
+              <a:schemeClr val="accent3">
+                <a:satMod val="175000"/>
+                <a:alpha val="40000"/>
+              </a:schemeClr>
+            </a:glow>
+            <a:outerShdw blurRad="50800" dist="38100" dir="2700000" algn="tl" rotWithShape="0">
+              <a:prstClr val="black">
+                <a:alpha val="40000"/>
+              </a:prstClr>
+            </a:outerShdw>
+          </a:effectLst>
+        </p:spPr>
+        <p:txBody>
+          <a:bodyPr wrap="square" rtlCol="0">
+            <a:spAutoFit/>
+          </a:bodyPr>
+          <a:lstStyle/>
+          <a:p>
+            <a:pPr algn="ctr"/>
+            <a:r>
+              <a:rPr lang="hu-HU" sz="9600" dirty="0"/>
+              <a:t>Tervek a </a:t>
+            </a:r>
+          </a:p>
+          <a:p>
+            <a:pPr algn="ctr"/>
+            <a:r>
+              <a:rPr lang="hu-HU" sz="9600" dirty="0"/>
+              <a:t>II. Workshopra</a:t>
+            </a:r>
+          </a:p>
+        </p:txBody>
+      </p:sp>
+    </p:spTree>
+    <p:extLst>
+      <p:ext uri="{BB962C8B-B14F-4D97-AF65-F5344CB8AC3E}">
+        <p14:creationId xmlns:p14="http://schemas.microsoft.com/office/powerpoint/2010/main" val="2716707978"/>
+      </p:ext>
+    </p:extLst>
+  </p:cSld>
+  <p:clrMapOvr>
+    <a:masterClrMapping/>
+  </p:clrMapOvr>
+  <mc:AlternateContent xmlns:mc="http://schemas.openxmlformats.org/markup-compatibility/2006">
+    <mc:Choice xmlns:p159="http://schemas.microsoft.com/office/powerpoint/2015/09/main" Requires="p159">
+      <p:transition xmlns:p14="http://schemas.microsoft.com/office/powerpoint/2010/main" spd="slow" p14:dur="2000">
+        <p159:morph option="byObject"/>
+      </p:transition>
+    </mc:Choice>
+    <mc:Fallback>
+      <p:transition spd="slow">
+        <p:fade/>
+      </p:transition>
+    </mc:Fallback>
+  </mc:AlternateContent>
+</p:sld>
+</file>
+
+<file path=ppt/slides/slide12.xml><?xml version="1.0" encoding="utf-8"?>
+<p:sld xmlns:a="http://schemas.openxmlformats.org/drawingml/2006/main" xmlns:r="http://schemas.openxmlformats.org/officeDocument/2006/relationships" xmlns:p="http://schemas.openxmlformats.org/presentationml/2006/main">
+  <p:cSld>
+    <p:spTree>
+      <p:nvGrpSpPr>
+        <p:cNvPr id="1" name=""/>
+        <p:cNvGrpSpPr/>
+        <p:nvPr/>
+      </p:nvGrpSpPr>
+      <p:grpSpPr>
+        <a:xfrm>
+          <a:off x="0" y="0"/>
+          <a:ext cx="0" cy="0"/>
+          <a:chOff x="0" y="0"/>
+          <a:chExt cx="0" cy="0"/>
+        </a:xfrm>
+      </p:grpSpPr>
+      <p:pic>
+        <p:nvPicPr>
+          <p:cNvPr id="13" name="Kép 12" descr="A képen szöveg, minta, fekete-fehér, levél látható&#10;&#10;Automatikusan generált leírás">
+            <a:extLst>
+              <a:ext uri="{FF2B5EF4-FFF2-40B4-BE49-F238E27FC236}">
+                <a16:creationId xmlns:a16="http://schemas.microsoft.com/office/drawing/2014/main" id="{371EAB3B-9347-B1D2-80B3-079B27A28BFC}"/>
+              </a:ext>
+            </a:extLst>
+          </p:cNvPr>
+          <p:cNvPicPr>
+            <a:picLocks noChangeAspect="1"/>
+          </p:cNvPicPr>
+          <p:nvPr/>
+        </p:nvPicPr>
+        <p:blipFill>
+          <a:blip r:embed="rId2">
+            <a:extLst>
+              <a:ext uri="{28A0092B-C50C-407E-A947-70E740481C1C}">
+                <a14:useLocalDpi xmlns:a14="http://schemas.microsoft.com/office/drawing/2010/main" val="0"/>
+              </a:ext>
+            </a:extLst>
+          </a:blip>
+          <a:stretch>
+            <a:fillRect/>
+          </a:stretch>
+        </p:blipFill>
+        <p:spPr>
+          <a:xfrm>
+            <a:off x="0" y="-1"/>
+            <a:ext cx="12192000" cy="6858001"/>
+          </a:xfrm>
+          <a:prstGeom prst="rect">
+            <a:avLst/>
+          </a:prstGeom>
+        </p:spPr>
+      </p:pic>
+      <p:sp>
+        <p:nvSpPr>
+          <p:cNvPr id="14" name="Téglalap: lekerekített 13">
+            <a:extLst>
+              <a:ext uri="{FF2B5EF4-FFF2-40B4-BE49-F238E27FC236}">
+                <a16:creationId xmlns:a16="http://schemas.microsoft.com/office/drawing/2014/main" id="{5AF23941-6343-3D5A-6C6A-D831B87BEB5B}"/>
+              </a:ext>
+            </a:extLst>
+          </p:cNvPr>
+          <p:cNvSpPr/>
+          <p:nvPr/>
+        </p:nvSpPr>
+        <p:spPr>
+          <a:xfrm>
+            <a:off x="1079500" y="2946400"/>
+            <a:ext cx="2552700" cy="1841500"/>
+          </a:xfrm>
+          <a:prstGeom prst="roundRect">
+            <a:avLst/>
+          </a:prstGeom>
+          <a:solidFill>
+            <a:schemeClr val="bg1"/>
+          </a:solidFill>
+        </p:spPr>
+        <p:style>
+          <a:lnRef idx="2">
+            <a:schemeClr val="accent1">
+              <a:shade val="15000"/>
+            </a:schemeClr>
+          </a:lnRef>
+          <a:fillRef idx="1">
+            <a:schemeClr val="accent1"/>
+          </a:fillRef>
+          <a:effectRef idx="0">
+            <a:schemeClr val="accent1"/>
+          </a:effectRef>
+          <a:fontRef idx="minor">
+            <a:schemeClr val="lt1"/>
+          </a:fontRef>
+        </p:style>
+        <p:txBody>
+          <a:bodyPr rtlCol="0" anchor="ctr"/>
+          <a:lstStyle/>
+          <a:p>
+            <a:pPr algn="ctr"/>
+            <a:endParaRPr lang="hu-HU"/>
+          </a:p>
+        </p:txBody>
+      </p:sp>
+      <p:sp>
+        <p:nvSpPr>
+          <p:cNvPr id="15" name="Téglalap: lekerekített 14">
+            <a:extLst>
+              <a:ext uri="{FF2B5EF4-FFF2-40B4-BE49-F238E27FC236}">
+                <a16:creationId xmlns:a16="http://schemas.microsoft.com/office/drawing/2014/main" id="{392AD08D-EBB5-1646-BF4F-FCBA81A8E0A6}"/>
+              </a:ext>
+            </a:extLst>
+          </p:cNvPr>
+          <p:cNvSpPr/>
+          <p:nvPr/>
+        </p:nvSpPr>
+        <p:spPr>
+          <a:xfrm>
+            <a:off x="8559800" y="2946400"/>
+            <a:ext cx="2552700" cy="1841500"/>
+          </a:xfrm>
+          <a:prstGeom prst="roundRect">
+            <a:avLst/>
+          </a:prstGeom>
+          <a:solidFill>
+            <a:schemeClr val="bg1"/>
+          </a:solidFill>
+        </p:spPr>
+        <p:style>
+          <a:lnRef idx="2">
+            <a:schemeClr val="accent1">
+              <a:shade val="15000"/>
+            </a:schemeClr>
+          </a:lnRef>
+          <a:fillRef idx="1">
+            <a:schemeClr val="accent1"/>
+          </a:fillRef>
+          <a:effectRef idx="0">
+            <a:schemeClr val="accent1"/>
+          </a:effectRef>
+          <a:fontRef idx="minor">
+            <a:schemeClr val="lt1"/>
+          </a:fontRef>
+        </p:style>
+        <p:txBody>
+          <a:bodyPr rtlCol="0" anchor="ctr"/>
+          <a:lstStyle/>
+          <a:p>
+            <a:pPr algn="ctr"/>
+            <a:endParaRPr lang="hu-HU"/>
+          </a:p>
+        </p:txBody>
+      </p:sp>
+      <p:sp>
+        <p:nvSpPr>
+          <p:cNvPr id="21" name="Téglalap: lekerekített 20">
+            <a:extLst>
+              <a:ext uri="{FF2B5EF4-FFF2-40B4-BE49-F238E27FC236}">
+                <a16:creationId xmlns:a16="http://schemas.microsoft.com/office/drawing/2014/main" id="{78B59292-8ADC-603E-7965-06355D68A9B0}"/>
+              </a:ext>
+            </a:extLst>
+          </p:cNvPr>
+          <p:cNvSpPr/>
+          <p:nvPr/>
+        </p:nvSpPr>
+        <p:spPr>
+          <a:xfrm>
+            <a:off x="175260" y="2288540"/>
+            <a:ext cx="1371600" cy="2926080"/>
+          </a:xfrm>
+          <a:prstGeom prst="roundRect">
+            <a:avLst/>
+          </a:prstGeom>
+          <a:solidFill>
+            <a:schemeClr val="bg1"/>
+          </a:solidFill>
+          <a:ln>
+            <a:solidFill>
+              <a:schemeClr val="bg1"/>
+            </a:solidFill>
+          </a:ln>
+        </p:spPr>
+        <p:style>
+          <a:lnRef idx="2">
+            <a:schemeClr val="accent1">
+              <a:shade val="15000"/>
+            </a:schemeClr>
+          </a:lnRef>
+          <a:fillRef idx="1">
+            <a:schemeClr val="accent1"/>
+          </a:fillRef>
+          <a:effectRef idx="0">
+            <a:schemeClr val="accent1"/>
+          </a:effectRef>
+          <a:fontRef idx="minor">
+            <a:schemeClr val="lt1"/>
+          </a:fontRef>
+        </p:style>
+        <p:txBody>
+          <a:bodyPr rtlCol="0" anchor="ctr"/>
+          <a:lstStyle/>
+          <a:p>
+            <a:pPr algn="ctr"/>
+            <a:endParaRPr lang="hu-HU"/>
+          </a:p>
+        </p:txBody>
+      </p:sp>
+      <p:sp>
+        <p:nvSpPr>
+          <p:cNvPr id="25" name="Téglalap: lekerekített 24">
+            <a:extLst>
+              <a:ext uri="{FF2B5EF4-FFF2-40B4-BE49-F238E27FC236}">
+                <a16:creationId xmlns:a16="http://schemas.microsoft.com/office/drawing/2014/main" id="{C619F1A5-FBC9-B1D5-5D84-B33D362E0F2B}"/>
+              </a:ext>
+            </a:extLst>
+          </p:cNvPr>
+          <p:cNvSpPr/>
+          <p:nvPr/>
+        </p:nvSpPr>
+        <p:spPr>
+          <a:xfrm>
+            <a:off x="5774470" y="1926167"/>
+            <a:ext cx="807096" cy="1204383"/>
+          </a:xfrm>
+          <a:prstGeom prst="roundRect">
+            <a:avLst/>
+          </a:prstGeom>
+          <a:solidFill>
+            <a:schemeClr val="bg1"/>
+          </a:solidFill>
+          <a:ln>
+            <a:solidFill>
+              <a:schemeClr val="bg1"/>
+            </a:solidFill>
+          </a:ln>
+        </p:spPr>
+        <p:style>
+          <a:lnRef idx="2">
+            <a:schemeClr val="accent1">
+              <a:shade val="15000"/>
+            </a:schemeClr>
+          </a:lnRef>
+          <a:fillRef idx="1">
+            <a:schemeClr val="accent1"/>
+          </a:fillRef>
+          <a:effectRef idx="0">
+            <a:schemeClr val="accent1"/>
+          </a:effectRef>
+          <a:fontRef idx="minor">
+            <a:schemeClr val="lt1"/>
+          </a:fontRef>
+        </p:style>
+        <p:txBody>
+          <a:bodyPr rtlCol="0" anchor="ctr"/>
+          <a:lstStyle/>
+          <a:p>
+            <a:pPr algn="ctr"/>
+            <a:endParaRPr lang="hu-HU"/>
+          </a:p>
+        </p:txBody>
+      </p:sp>
+      <p:sp>
+        <p:nvSpPr>
+          <p:cNvPr id="27" name="Téglalap: lekerekített 26">
+            <a:extLst>
+              <a:ext uri="{FF2B5EF4-FFF2-40B4-BE49-F238E27FC236}">
+                <a16:creationId xmlns:a16="http://schemas.microsoft.com/office/drawing/2014/main" id="{39D2D6E7-31CC-C60D-1998-FDCC093C9513}"/>
+              </a:ext>
+            </a:extLst>
+          </p:cNvPr>
+          <p:cNvSpPr/>
+          <p:nvPr/>
+        </p:nvSpPr>
+        <p:spPr>
+          <a:xfrm flipH="1">
+            <a:off x="5629477" y="2129366"/>
+            <a:ext cx="306917" cy="1001184"/>
+          </a:xfrm>
+          <a:prstGeom prst="roundRect">
+            <a:avLst/>
+          </a:prstGeom>
+          <a:solidFill>
+            <a:schemeClr val="bg1"/>
+          </a:solidFill>
+          <a:ln>
+            <a:solidFill>
+              <a:schemeClr val="bg1"/>
+            </a:solidFill>
+          </a:ln>
+        </p:spPr>
+        <p:style>
+          <a:lnRef idx="2">
+            <a:schemeClr val="accent1">
+              <a:shade val="15000"/>
+            </a:schemeClr>
+          </a:lnRef>
+          <a:fillRef idx="1">
+            <a:schemeClr val="accent1"/>
+          </a:fillRef>
+          <a:effectRef idx="0">
+            <a:schemeClr val="accent1"/>
+          </a:effectRef>
+          <a:fontRef idx="minor">
+            <a:schemeClr val="lt1"/>
+          </a:fontRef>
+        </p:style>
+        <p:txBody>
+          <a:bodyPr rtlCol="0" anchor="ctr"/>
+          <a:lstStyle/>
+          <a:p>
+            <a:pPr algn="ctr"/>
+            <a:r>
+              <a:rPr lang="hu-HU" dirty="0"/>
+              <a:t>VV</a:t>
+            </a:r>
+          </a:p>
+        </p:txBody>
+      </p:sp>
+      <p:sp>
+        <p:nvSpPr>
+          <p:cNvPr id="29" name="Téglalap: lekerekített 28">
+            <a:extLst>
+              <a:ext uri="{FF2B5EF4-FFF2-40B4-BE49-F238E27FC236}">
+                <a16:creationId xmlns:a16="http://schemas.microsoft.com/office/drawing/2014/main" id="{FAEF4909-E42B-1AC2-A778-4D63C3E5396C}"/>
+              </a:ext>
+            </a:extLst>
+          </p:cNvPr>
+          <p:cNvSpPr/>
+          <p:nvPr/>
+        </p:nvSpPr>
+        <p:spPr>
+          <a:xfrm flipH="1">
+            <a:off x="5715203" y="2078567"/>
+            <a:ext cx="211667" cy="76199"/>
+          </a:xfrm>
+          <a:prstGeom prst="roundRect">
+            <a:avLst/>
+          </a:prstGeom>
+          <a:solidFill>
+            <a:schemeClr val="bg1"/>
+          </a:solidFill>
+          <a:ln>
+            <a:solidFill>
+              <a:schemeClr val="bg1"/>
+            </a:solidFill>
+          </a:ln>
+        </p:spPr>
+        <p:style>
+          <a:lnRef idx="2">
+            <a:schemeClr val="accent1">
+              <a:shade val="15000"/>
+            </a:schemeClr>
+          </a:lnRef>
+          <a:fillRef idx="1">
+            <a:schemeClr val="accent1"/>
+          </a:fillRef>
+          <a:effectRef idx="0">
+            <a:schemeClr val="accent1"/>
+          </a:effectRef>
+          <a:fontRef idx="minor">
+            <a:schemeClr val="lt1"/>
+          </a:fontRef>
+        </p:style>
+        <p:txBody>
+          <a:bodyPr rtlCol="0" anchor="ctr"/>
+          <a:lstStyle/>
+          <a:p>
+            <a:pPr algn="ctr"/>
+            <a:endParaRPr lang="hu-HU"/>
+          </a:p>
+        </p:txBody>
+      </p:sp>
+      <p:sp>
+        <p:nvSpPr>
+          <p:cNvPr id="23" name="Téglalap: lekerekített 22">
+            <a:extLst>
+              <a:ext uri="{FF2B5EF4-FFF2-40B4-BE49-F238E27FC236}">
+                <a16:creationId xmlns:a16="http://schemas.microsoft.com/office/drawing/2014/main" id="{0E5D8086-4FCA-5C66-1A8A-98E2AD1F5848}"/>
+              </a:ext>
+            </a:extLst>
+          </p:cNvPr>
+          <p:cNvSpPr/>
+          <p:nvPr/>
+        </p:nvSpPr>
+        <p:spPr>
+          <a:xfrm>
+            <a:off x="10625890" y="2288540"/>
+            <a:ext cx="1371600" cy="2926080"/>
+          </a:xfrm>
+          <a:prstGeom prst="roundRect">
+            <a:avLst/>
+          </a:prstGeom>
+          <a:solidFill>
+            <a:schemeClr val="bg1"/>
+          </a:solidFill>
+          <a:ln>
+            <a:solidFill>
+              <a:schemeClr val="bg1"/>
+            </a:solidFill>
+          </a:ln>
+        </p:spPr>
+        <p:style>
+          <a:lnRef idx="2">
+            <a:schemeClr val="accent1">
+              <a:shade val="15000"/>
+            </a:schemeClr>
+          </a:lnRef>
+          <a:fillRef idx="1">
+            <a:schemeClr val="accent1"/>
+          </a:fillRef>
+          <a:effectRef idx="0">
+            <a:schemeClr val="accent1"/>
+          </a:effectRef>
+          <a:fontRef idx="minor">
+            <a:schemeClr val="lt1"/>
+          </a:fontRef>
+        </p:style>
+        <p:txBody>
+          <a:bodyPr rtlCol="0" anchor="ctr"/>
+          <a:lstStyle/>
+          <a:p>
+            <a:pPr algn="ctr"/>
+            <a:endParaRPr lang="hu-HU"/>
+          </a:p>
+        </p:txBody>
+      </p:sp>
+      <p:sp>
+        <p:nvSpPr>
+          <p:cNvPr id="42" name="Téglalap: lekerekített 41">
+            <a:extLst>
+              <a:ext uri="{FF2B5EF4-FFF2-40B4-BE49-F238E27FC236}">
+                <a16:creationId xmlns:a16="http://schemas.microsoft.com/office/drawing/2014/main" id="{7FE8872C-7F4A-9AAD-980C-CEDD41E819AB}"/>
+              </a:ext>
+            </a:extLst>
+          </p:cNvPr>
+          <p:cNvSpPr/>
+          <p:nvPr/>
+        </p:nvSpPr>
+        <p:spPr>
+          <a:xfrm>
+            <a:off x="6535360" y="4131734"/>
+            <a:ext cx="786677" cy="1113366"/>
+          </a:xfrm>
+          <a:prstGeom prst="roundRect">
+            <a:avLst/>
+          </a:prstGeom>
+          <a:solidFill>
+            <a:schemeClr val="bg1"/>
+          </a:solidFill>
+          <a:ln>
+            <a:solidFill>
+              <a:schemeClr val="bg1"/>
+            </a:solidFill>
+          </a:ln>
+        </p:spPr>
+        <p:style>
+          <a:lnRef idx="2">
+            <a:schemeClr val="accent1">
+              <a:shade val="15000"/>
+            </a:schemeClr>
+          </a:lnRef>
+          <a:fillRef idx="1">
+            <a:schemeClr val="accent1"/>
+          </a:fillRef>
+          <a:effectRef idx="0">
+            <a:schemeClr val="accent1"/>
+          </a:effectRef>
+          <a:fontRef idx="minor">
+            <a:schemeClr val="lt1"/>
+          </a:fontRef>
+        </p:style>
+        <p:txBody>
+          <a:bodyPr rtlCol="0" anchor="ctr"/>
+          <a:lstStyle/>
+          <a:p>
+            <a:pPr algn="ctr"/>
+            <a:endParaRPr lang="hu-HU"/>
+          </a:p>
+        </p:txBody>
+      </p:sp>
+      <p:sp>
+        <p:nvSpPr>
+          <p:cNvPr id="43" name="Téglalap: lekerekített 42">
+            <a:extLst>
+              <a:ext uri="{FF2B5EF4-FFF2-40B4-BE49-F238E27FC236}">
+                <a16:creationId xmlns:a16="http://schemas.microsoft.com/office/drawing/2014/main" id="{2609A359-393D-A3A0-2A55-2D23E2E8AB1E}"/>
+              </a:ext>
+            </a:extLst>
+          </p:cNvPr>
+          <p:cNvSpPr/>
+          <p:nvPr/>
+        </p:nvSpPr>
+        <p:spPr>
+          <a:xfrm flipH="1">
+            <a:off x="6394035" y="4319577"/>
+            <a:ext cx="299152" cy="925523"/>
+          </a:xfrm>
+          <a:prstGeom prst="roundRect">
+            <a:avLst/>
+          </a:prstGeom>
+          <a:solidFill>
+            <a:schemeClr val="bg1"/>
+          </a:solidFill>
+          <a:ln>
+            <a:solidFill>
+              <a:schemeClr val="bg1"/>
+            </a:solidFill>
+          </a:ln>
+        </p:spPr>
+        <p:style>
+          <a:lnRef idx="2">
+            <a:schemeClr val="accent1">
+              <a:shade val="15000"/>
+            </a:schemeClr>
+          </a:lnRef>
+          <a:fillRef idx="1">
+            <a:schemeClr val="accent1"/>
+          </a:fillRef>
+          <a:effectRef idx="0">
+            <a:schemeClr val="accent1"/>
+          </a:effectRef>
+          <a:fontRef idx="minor">
+            <a:schemeClr val="lt1"/>
+          </a:fontRef>
+        </p:style>
+        <p:txBody>
+          <a:bodyPr rtlCol="0" anchor="ctr"/>
+          <a:lstStyle/>
+          <a:p>
+            <a:pPr algn="ctr"/>
+            <a:r>
+              <a:rPr lang="hu-HU" dirty="0"/>
+              <a:t>VV</a:t>
+            </a:r>
+          </a:p>
+        </p:txBody>
+      </p:sp>
+      <p:sp>
+        <p:nvSpPr>
+          <p:cNvPr id="44" name="Téglalap: lekerekített 43">
+            <a:extLst>
+              <a:ext uri="{FF2B5EF4-FFF2-40B4-BE49-F238E27FC236}">
+                <a16:creationId xmlns:a16="http://schemas.microsoft.com/office/drawing/2014/main" id="{C821293C-07D8-53C9-5D4E-C71D28DE83BC}"/>
+              </a:ext>
+            </a:extLst>
+          </p:cNvPr>
+          <p:cNvSpPr/>
+          <p:nvPr/>
+        </p:nvSpPr>
+        <p:spPr>
+          <a:xfrm flipH="1">
+            <a:off x="6477592" y="4272617"/>
+            <a:ext cx="206312" cy="70441"/>
+          </a:xfrm>
+          <a:prstGeom prst="roundRect">
+            <a:avLst/>
+          </a:prstGeom>
+          <a:solidFill>
+            <a:schemeClr val="bg1"/>
+          </a:solidFill>
+          <a:ln>
+            <a:solidFill>
+              <a:schemeClr val="bg1"/>
+            </a:solidFill>
+          </a:ln>
+        </p:spPr>
+        <p:style>
+          <a:lnRef idx="2">
+            <a:schemeClr val="accent1">
+              <a:shade val="15000"/>
+            </a:schemeClr>
+          </a:lnRef>
+          <a:fillRef idx="1">
+            <a:schemeClr val="accent1"/>
+          </a:fillRef>
+          <a:effectRef idx="0">
+            <a:schemeClr val="accent1"/>
+          </a:effectRef>
+          <a:fontRef idx="minor">
+            <a:schemeClr val="lt1"/>
+          </a:fontRef>
+        </p:style>
+        <p:txBody>
+          <a:bodyPr rtlCol="0" anchor="ctr"/>
+          <a:lstStyle/>
+          <a:p>
+            <a:pPr algn="ctr"/>
+            <a:endParaRPr lang="hu-HU"/>
+          </a:p>
+        </p:txBody>
+      </p:sp>
+      <p:sp>
+        <p:nvSpPr>
+          <p:cNvPr id="38" name="Téglalap: lekerekített 37">
+            <a:extLst>
+              <a:ext uri="{FF2B5EF4-FFF2-40B4-BE49-F238E27FC236}">
+                <a16:creationId xmlns:a16="http://schemas.microsoft.com/office/drawing/2014/main" id="{01286121-44A1-EAAA-C0B1-36062EAE81AC}"/>
+              </a:ext>
+            </a:extLst>
+          </p:cNvPr>
+          <p:cNvSpPr/>
+          <p:nvPr/>
+        </p:nvSpPr>
+        <p:spPr>
+          <a:xfrm>
+            <a:off x="4482370" y="4131734"/>
+            <a:ext cx="773576" cy="1113366"/>
+          </a:xfrm>
+          <a:prstGeom prst="roundRect">
+            <a:avLst/>
+          </a:prstGeom>
+          <a:solidFill>
+            <a:schemeClr val="bg1"/>
+          </a:solidFill>
+          <a:ln>
+            <a:solidFill>
+              <a:schemeClr val="bg1"/>
+            </a:solidFill>
+          </a:ln>
+        </p:spPr>
+        <p:style>
+          <a:lnRef idx="2">
+            <a:schemeClr val="accent1">
+              <a:shade val="15000"/>
+            </a:schemeClr>
+          </a:lnRef>
+          <a:fillRef idx="1">
+            <a:schemeClr val="accent1"/>
+          </a:fillRef>
+          <a:effectRef idx="0">
+            <a:schemeClr val="accent1"/>
+          </a:effectRef>
+          <a:fontRef idx="minor">
+            <a:schemeClr val="lt1"/>
+          </a:fontRef>
+        </p:style>
+        <p:txBody>
+          <a:bodyPr rtlCol="0" anchor="ctr"/>
+          <a:lstStyle/>
+          <a:p>
+            <a:pPr algn="ctr"/>
+            <a:endParaRPr lang="hu-HU"/>
+          </a:p>
+        </p:txBody>
+      </p:sp>
+      <p:sp>
+        <p:nvSpPr>
+          <p:cNvPr id="39" name="Téglalap: lekerekített 38">
+            <a:extLst>
+              <a:ext uri="{FF2B5EF4-FFF2-40B4-BE49-F238E27FC236}">
+                <a16:creationId xmlns:a16="http://schemas.microsoft.com/office/drawing/2014/main" id="{048B89F2-A989-C212-0310-5A84CF9D8ACE}"/>
+              </a:ext>
+            </a:extLst>
+          </p:cNvPr>
+          <p:cNvSpPr/>
+          <p:nvPr/>
+        </p:nvSpPr>
+        <p:spPr>
+          <a:xfrm flipH="1">
+            <a:off x="4343399" y="4319577"/>
+            <a:ext cx="294170" cy="925523"/>
+          </a:xfrm>
+          <a:prstGeom prst="roundRect">
+            <a:avLst/>
+          </a:prstGeom>
+          <a:solidFill>
+            <a:schemeClr val="bg1"/>
+          </a:solidFill>
+          <a:ln>
+            <a:solidFill>
+              <a:schemeClr val="bg1"/>
+            </a:solidFill>
+          </a:ln>
+        </p:spPr>
+        <p:style>
+          <a:lnRef idx="2">
+            <a:schemeClr val="accent1">
+              <a:shade val="15000"/>
+            </a:schemeClr>
+          </a:lnRef>
+          <a:fillRef idx="1">
+            <a:schemeClr val="accent1"/>
+          </a:fillRef>
+          <a:effectRef idx="0">
+            <a:schemeClr val="accent1"/>
+          </a:effectRef>
+          <a:fontRef idx="minor">
+            <a:schemeClr val="lt1"/>
+          </a:fontRef>
+        </p:style>
+        <p:txBody>
+          <a:bodyPr rtlCol="0" anchor="ctr"/>
+          <a:lstStyle/>
+          <a:p>
+            <a:pPr algn="ctr"/>
+            <a:r>
+              <a:rPr lang="hu-HU" dirty="0"/>
+              <a:t>VV</a:t>
+            </a:r>
+          </a:p>
+        </p:txBody>
+      </p:sp>
+      <p:sp>
+        <p:nvSpPr>
+          <p:cNvPr id="40" name="Téglalap: lekerekített 39">
+            <a:extLst>
+              <a:ext uri="{FF2B5EF4-FFF2-40B4-BE49-F238E27FC236}">
+                <a16:creationId xmlns:a16="http://schemas.microsoft.com/office/drawing/2014/main" id="{3D75E0D2-768D-01C3-948D-DBC8367577EE}"/>
+              </a:ext>
+            </a:extLst>
+          </p:cNvPr>
+          <p:cNvSpPr/>
+          <p:nvPr/>
+        </p:nvSpPr>
+        <p:spPr>
+          <a:xfrm flipH="1">
+            <a:off x="4425565" y="4272617"/>
+            <a:ext cx="202876" cy="70441"/>
+          </a:xfrm>
+          <a:prstGeom prst="roundRect">
+            <a:avLst/>
+          </a:prstGeom>
+          <a:solidFill>
+            <a:schemeClr val="bg1"/>
+          </a:solidFill>
+          <a:ln>
+            <a:solidFill>
+              <a:schemeClr val="bg1"/>
+            </a:solidFill>
+          </a:ln>
+        </p:spPr>
+        <p:style>
+          <a:lnRef idx="2">
+            <a:schemeClr val="accent1">
+              <a:shade val="15000"/>
+            </a:schemeClr>
+          </a:lnRef>
+          <a:fillRef idx="1">
+            <a:schemeClr val="accent1"/>
+          </a:fillRef>
+          <a:effectRef idx="0">
+            <a:schemeClr val="accent1"/>
+          </a:effectRef>
+          <a:fontRef idx="minor">
+            <a:schemeClr val="lt1"/>
+          </a:fontRef>
+        </p:style>
+        <p:txBody>
+          <a:bodyPr rtlCol="0" anchor="ctr"/>
+          <a:lstStyle/>
+          <a:p>
+            <a:pPr algn="ctr"/>
+            <a:endParaRPr lang="hu-HU"/>
+          </a:p>
+        </p:txBody>
+      </p:sp>
+      <p:pic>
+        <p:nvPicPr>
+          <p:cNvPr id="19" name="Kép 18">
+            <a:extLst>
+              <a:ext uri="{FF2B5EF4-FFF2-40B4-BE49-F238E27FC236}">
+                <a16:creationId xmlns:a16="http://schemas.microsoft.com/office/drawing/2014/main" id="{8214BB86-3A0B-766D-40DD-28668C2E5612}"/>
+              </a:ext>
+            </a:extLst>
+          </p:cNvPr>
+          <p:cNvPicPr>
+            <a:picLocks noChangeAspect="1"/>
+          </p:cNvPicPr>
+          <p:nvPr/>
+        </p:nvPicPr>
+        <p:blipFill>
+          <a:blip r:embed="rId3"/>
+          <a:stretch>
+            <a:fillRect/>
+          </a:stretch>
+        </p:blipFill>
+        <p:spPr>
+          <a:xfrm>
+            <a:off x="0" y="511350"/>
+            <a:ext cx="12192000" cy="5149498"/>
+          </a:xfrm>
+          <a:prstGeom prst="rect">
+            <a:avLst/>
+          </a:prstGeom>
+        </p:spPr>
+      </p:pic>
+      <p:sp>
+        <p:nvSpPr>
+          <p:cNvPr id="46" name="Téglalap: lekerekített 45">
+            <a:extLst>
+              <a:ext uri="{FF2B5EF4-FFF2-40B4-BE49-F238E27FC236}">
+                <a16:creationId xmlns:a16="http://schemas.microsoft.com/office/drawing/2014/main" id="{F9E11F13-4D6D-0AF1-F691-BFEC6AA770B8}"/>
+              </a:ext>
+            </a:extLst>
+          </p:cNvPr>
+          <p:cNvSpPr/>
+          <p:nvPr/>
+        </p:nvSpPr>
+        <p:spPr>
+          <a:xfrm>
+            <a:off x="1257300" y="3143250"/>
+            <a:ext cx="2137781" cy="1073150"/>
+          </a:xfrm>
+          <a:prstGeom prst="roundRect">
+            <a:avLst/>
+          </a:prstGeom>
+          <a:solidFill>
+            <a:schemeClr val="tx1"/>
+          </a:solidFill>
+          <a:ln>
+            <a:solidFill>
+              <a:schemeClr val="tx1"/>
+            </a:solidFill>
+          </a:ln>
+        </p:spPr>
+        <p:style>
+          <a:lnRef idx="2">
+            <a:schemeClr val="accent1">
+              <a:shade val="15000"/>
+            </a:schemeClr>
+          </a:lnRef>
+          <a:fillRef idx="1">
+            <a:schemeClr val="accent1"/>
+          </a:fillRef>
+          <a:effectRef idx="0">
+            <a:schemeClr val="accent1"/>
+          </a:effectRef>
+          <a:fontRef idx="minor">
+            <a:schemeClr val="lt1"/>
+          </a:fontRef>
+        </p:style>
+        <p:txBody>
+          <a:bodyPr rtlCol="0" anchor="ctr"/>
+          <a:lstStyle/>
+          <a:p>
+            <a:pPr algn="ctr"/>
+            <a:endParaRPr lang="hu-HU"/>
+          </a:p>
+        </p:txBody>
+      </p:sp>
+      <p:pic>
+        <p:nvPicPr>
+          <p:cNvPr id="45" name="Kép 44" descr="A képen szöveg, Grafika, Betűtípus, szimbólum látható&#10;&#10;Automatikusan generált leírás">
+            <a:extLst>
+              <a:ext uri="{FF2B5EF4-FFF2-40B4-BE49-F238E27FC236}">
+                <a16:creationId xmlns:a16="http://schemas.microsoft.com/office/drawing/2014/main" id="{D6BA5601-0DDC-3B9E-2765-CC25462568E3}"/>
+              </a:ext>
+            </a:extLst>
+          </p:cNvPr>
+          <p:cNvPicPr>
+            <a:picLocks noChangeAspect="1"/>
+          </p:cNvPicPr>
+          <p:nvPr/>
+        </p:nvPicPr>
+        <p:blipFill>
+          <a:blip r:embed="rId4">
+            <a:extLst>
+              <a:ext uri="{28A0092B-C50C-407E-A947-70E740481C1C}">
+                <a14:useLocalDpi xmlns:a14="http://schemas.microsoft.com/office/drawing/2010/main" val="0"/>
+              </a:ext>
+            </a:extLst>
+          </a:blip>
+          <a:stretch>
+            <a:fillRect/>
+          </a:stretch>
+        </p:blipFill>
+        <p:spPr>
+          <a:xfrm>
+            <a:off x="1084507" y="3003994"/>
+            <a:ext cx="2522617" cy="1418972"/>
+          </a:xfrm>
+          <a:prstGeom prst="rect">
+            <a:avLst/>
+          </a:prstGeom>
+        </p:spPr>
+      </p:pic>
+      <p:pic>
+        <p:nvPicPr>
+          <p:cNvPr id="54" name="Kép 53" descr="A képen Betűtípus, Grafika, embléma, Grafikus tervezés látható&#10;&#10;Automatikusan generált leírás">
+            <a:extLst>
+              <a:ext uri="{FF2B5EF4-FFF2-40B4-BE49-F238E27FC236}">
+                <a16:creationId xmlns:a16="http://schemas.microsoft.com/office/drawing/2014/main" id="{E7B3E0B7-16EA-923F-C575-AD1406461C29}"/>
+              </a:ext>
+            </a:extLst>
+          </p:cNvPr>
+          <p:cNvPicPr>
+            <a:picLocks noChangeAspect="1"/>
+          </p:cNvPicPr>
+          <p:nvPr/>
+        </p:nvPicPr>
+        <p:blipFill>
+          <a:blip r:embed="rId5">
+            <a:extLst>
+              <a:ext uri="{28A0092B-C50C-407E-A947-70E740481C1C}">
+                <a14:useLocalDpi xmlns:a14="http://schemas.microsoft.com/office/drawing/2010/main" val="0"/>
+              </a:ext>
+            </a:extLst>
+          </a:blip>
+          <a:stretch>
+            <a:fillRect/>
+          </a:stretch>
+        </p:blipFill>
+        <p:spPr>
+          <a:xfrm>
+            <a:off x="8915306" y="3143250"/>
+            <a:ext cx="1841688" cy="1167899"/>
+          </a:xfrm>
+          <a:prstGeom prst="rect">
+            <a:avLst/>
+          </a:prstGeom>
+        </p:spPr>
+      </p:pic>
+      <p:sp>
+        <p:nvSpPr>
+          <p:cNvPr id="2" name="Szövegdoboz 1">
+            <a:extLst>
+              <a:ext uri="{FF2B5EF4-FFF2-40B4-BE49-F238E27FC236}">
+                <a16:creationId xmlns:a16="http://schemas.microsoft.com/office/drawing/2014/main" id="{655FCEC1-449F-636A-2545-99DC9486B9C5}"/>
+              </a:ext>
+            </a:extLst>
+          </p:cNvPr>
+          <p:cNvSpPr txBox="1"/>
+          <p:nvPr/>
+        </p:nvSpPr>
+        <p:spPr>
+          <a:xfrm>
+            <a:off x="6096000" y="4574589"/>
+            <a:ext cx="1522716" cy="415498"/>
+          </a:xfrm>
+          <a:prstGeom prst="rect">
+            <a:avLst/>
+          </a:prstGeom>
+          <a:noFill/>
+          <a:effectLst>
+            <a:glow rad="1905000">
+              <a:schemeClr val="accent3">
+                <a:satMod val="175000"/>
+                <a:alpha val="40000"/>
+              </a:schemeClr>
+            </a:glow>
+            <a:outerShdw blurRad="50800" dist="38100" dir="2700000" algn="tl" rotWithShape="0">
+              <a:prstClr val="black">
+                <a:alpha val="40000"/>
+              </a:prstClr>
+            </a:outerShdw>
+          </a:effectLst>
+        </p:spPr>
+        <p:txBody>
+          <a:bodyPr wrap="square" rtlCol="0">
+            <a:spAutoFit/>
+          </a:bodyPr>
+          <a:lstStyle/>
+          <a:p>
+            <a:pPr algn="ctr"/>
+            <a:r>
+              <a:rPr lang="hu-HU" sz="1050" dirty="0"/>
+              <a:t>Tervek a </a:t>
+            </a:r>
+          </a:p>
+          <a:p>
+            <a:pPr algn="ctr"/>
+            <a:r>
+              <a:rPr lang="hu-HU" sz="1050" dirty="0"/>
+              <a:t>II. Workshopra</a:t>
+            </a:r>
+          </a:p>
+        </p:txBody>
+      </p:sp>
+      <p:sp>
+        <p:nvSpPr>
+          <p:cNvPr id="3" name="Szövegdoboz 2">
+            <a:extLst>
+              <a:ext uri="{FF2B5EF4-FFF2-40B4-BE49-F238E27FC236}">
+                <a16:creationId xmlns:a16="http://schemas.microsoft.com/office/drawing/2014/main" id="{9872E0D2-62D0-F28A-8569-263491C90D9D}"/>
+              </a:ext>
+            </a:extLst>
+          </p:cNvPr>
+          <p:cNvSpPr txBox="1"/>
+          <p:nvPr/>
+        </p:nvSpPr>
+        <p:spPr>
+          <a:xfrm>
+            <a:off x="4277286" y="4614952"/>
+            <a:ext cx="986006" cy="677108"/>
+          </a:xfrm>
+          <a:prstGeom prst="rect">
+            <a:avLst/>
+          </a:prstGeom>
+          <a:noFill/>
+          <a:effectLst>
+            <a:outerShdw blurRad="50800" dist="38100" dir="2700000" algn="tl" rotWithShape="0">
+              <a:prstClr val="black">
+                <a:alpha val="40000"/>
+              </a:prstClr>
+            </a:outerShdw>
+          </a:effectLst>
+        </p:spPr>
+        <p:txBody>
+          <a:bodyPr wrap="square" rtlCol="0">
+            <a:spAutoFit/>
+          </a:bodyPr>
+          <a:lstStyle/>
+          <a:p>
+            <a:pPr algn="ctr"/>
+            <a:r>
+              <a:rPr lang="hu-HU" sz="1200" dirty="0"/>
+              <a:t>I. Workshop óta</a:t>
+            </a:r>
+            <a:br>
+              <a:rPr lang="hu-HU" sz="1400" dirty="0"/>
+            </a:br>
+            <a:endParaRPr lang="hu-HU" sz="1400" dirty="0"/>
+          </a:p>
+        </p:txBody>
+      </p:sp>
+      <p:sp>
+        <p:nvSpPr>
+          <p:cNvPr id="6" name="Szövegdoboz 5">
+            <a:extLst>
+              <a:ext uri="{FF2B5EF4-FFF2-40B4-BE49-F238E27FC236}">
+                <a16:creationId xmlns:a16="http://schemas.microsoft.com/office/drawing/2014/main" id="{A1E931FC-6D9A-F994-B8C7-0E591E0C785E}"/>
+              </a:ext>
+            </a:extLst>
+          </p:cNvPr>
+          <p:cNvSpPr txBox="1"/>
+          <p:nvPr/>
+        </p:nvSpPr>
+        <p:spPr>
+          <a:xfrm>
+            <a:off x="5715203" y="2528358"/>
+            <a:ext cx="777229" cy="307777"/>
+          </a:xfrm>
+          <a:prstGeom prst="rect">
+            <a:avLst/>
+          </a:prstGeom>
+          <a:noFill/>
+          <a:effectLst>
+            <a:glow rad="1905000">
+              <a:schemeClr val="accent3">
+                <a:satMod val="175000"/>
+                <a:alpha val="40000"/>
+              </a:schemeClr>
+            </a:glow>
+            <a:outerShdw blurRad="50800" dist="38100" dir="2700000" algn="tl" rotWithShape="0">
+              <a:prstClr val="black">
+                <a:alpha val="40000"/>
+              </a:prstClr>
+            </a:outerShdw>
+          </a:effectLst>
+        </p:spPr>
+        <p:txBody>
+          <a:bodyPr wrap="square" rtlCol="0">
+            <a:spAutoFit/>
+          </a:bodyPr>
+          <a:lstStyle/>
+          <a:p>
+            <a:r>
+              <a:rPr lang="hu-HU" sz="1400" dirty="0"/>
+              <a:t>Jelenleg</a:t>
+            </a:r>
+          </a:p>
+        </p:txBody>
+      </p:sp>
+    </p:spTree>
+    <p:extLst>
+      <p:ext uri="{BB962C8B-B14F-4D97-AF65-F5344CB8AC3E}">
+        <p14:creationId xmlns:p14="http://schemas.microsoft.com/office/powerpoint/2010/main" val="1631172969"/>
+      </p:ext>
+    </p:extLst>
+  </p:cSld>
+  <p:clrMapOvr>
+    <a:masterClrMapping/>
+  </p:clrMapOvr>
+  <mc:AlternateContent xmlns:mc="http://schemas.openxmlformats.org/markup-compatibility/2006" xmlns:p159="http://schemas.microsoft.com/office/powerpoint/2015/09/main">
+    <mc:Choice Requires="p159">
+      <p:transition xmlns:p14="http://schemas.microsoft.com/office/powerpoint/2010/main" spd="slow" p14:dur="2000">
+        <p159:morph option="byObject"/>
+      </p:transition>
+    </mc:Choice>
+    <mc:Fallback xmlns="">
+      <p:transition spd="slow">
+        <p:fade/>
+      </p:transition>
+    </mc:Fallback>
+  </mc:AlternateContent>
+</p:sld>
+</file>
+
+<file path=ppt/slides/slide13.xml><?xml version="1.0" encoding="utf-8"?>
+<p:sld xmlns:a="http://schemas.openxmlformats.org/drawingml/2006/main" xmlns:r="http://schemas.openxmlformats.org/officeDocument/2006/relationships" xmlns:p="http://schemas.openxmlformats.org/presentationml/2006/main">
+  <p:cSld>
+    <p:spTree>
+      <p:nvGrpSpPr>
+        <p:cNvPr id="1" name=""/>
+        <p:cNvGrpSpPr/>
+        <p:nvPr/>
+      </p:nvGrpSpPr>
+      <p:grpSpPr>
+        <a:xfrm>
+          <a:off x="0" y="0"/>
+          <a:ext cx="0" cy="0"/>
+          <a:chOff x="0" y="0"/>
+          <a:chExt cx="0" cy="0"/>
+        </a:xfrm>
+      </p:grpSpPr>
+      <p:pic>
+        <p:nvPicPr>
+          <p:cNvPr id="4" name="Kép 3" descr="A képen Betűtípus, Grafika, embléma, Grafikus tervezés látható&#10;&#10;Automatikusan generált leírás">
+            <a:extLst>
+              <a:ext uri="{FF2B5EF4-FFF2-40B4-BE49-F238E27FC236}">
+                <a16:creationId xmlns:a16="http://schemas.microsoft.com/office/drawing/2014/main" id="{B4DD2B9D-A3E4-3A41-6EF9-030CDF5D7C84}"/>
+              </a:ext>
+            </a:extLst>
+          </p:cNvPr>
+          <p:cNvPicPr>
+            <a:picLocks noChangeAspect="1"/>
+          </p:cNvPicPr>
+          <p:nvPr/>
+        </p:nvPicPr>
+        <p:blipFill>
+          <a:blip r:embed="rId2">
+            <a:extLst>
+              <a:ext uri="{28A0092B-C50C-407E-A947-70E740481C1C}">
+                <a14:useLocalDpi xmlns:a14="http://schemas.microsoft.com/office/drawing/2010/main" val="0"/>
+              </a:ext>
+            </a:extLst>
+          </a:blip>
+          <a:stretch>
+            <a:fillRect/>
+          </a:stretch>
+        </p:blipFill>
+        <p:spPr>
+          <a:xfrm>
+            <a:off x="2336800" y="1175237"/>
+            <a:ext cx="7313211" cy="4637643"/>
+          </a:xfrm>
+          <a:prstGeom prst="rect">
+            <a:avLst/>
+          </a:prstGeom>
+        </p:spPr>
+      </p:pic>
+    </p:spTree>
+    <p:extLst>
+      <p:ext uri="{BB962C8B-B14F-4D97-AF65-F5344CB8AC3E}">
+        <p14:creationId xmlns:p14="http://schemas.microsoft.com/office/powerpoint/2010/main" val="1840334672"/>
+      </p:ext>
+    </p:extLst>
+  </p:cSld>
+  <p:clrMapOvr>
+    <a:masterClrMapping/>
+  </p:clrMapOvr>
+  <mc:AlternateContent xmlns:mc="http://schemas.openxmlformats.org/markup-compatibility/2006" xmlns:p159="http://schemas.microsoft.com/office/powerpoint/2015/09/main">
+    <mc:Choice Requires="p159">
+      <p:transition xmlns:p14="http://schemas.microsoft.com/office/powerpoint/2010/main" spd="slow" p14:dur="2000">
+        <p159:morph option="byObject"/>
+      </p:transition>
+    </mc:Choice>
+    <mc:Fallback xmlns="">
+      <p:transition spd="slow">
+        <p:fade/>
+      </p:transition>
+    </mc:Fallback>
+  </mc:AlternateContent>
+</p:sld>
+</file>
+
 <file path=ppt/slides/slide2.xml><?xml version="1.0" encoding="utf-8"?>
 <p:sld xmlns:a="http://schemas.openxmlformats.org/drawingml/2006/main" xmlns:r="http://schemas.openxmlformats.org/officeDocument/2006/relationships" xmlns:p="http://schemas.openxmlformats.org/presentationml/2006/main">
   <p:cSld>
@@ -3451,7 +6008,7 @@
         </p:nvSpPr>
         <p:spPr>
           <a:xfrm>
-            <a:off x="1079500" y="3289300"/>
+            <a:off x="1079500" y="2946400"/>
             <a:ext cx="2552700" cy="1841500"/>
           </a:xfrm>
           <a:prstGeom prst="roundRect">
@@ -3500,7 +6057,7 @@
         </p:nvSpPr>
         <p:spPr>
           <a:xfrm>
-            <a:off x="8559800" y="3289300"/>
+            <a:off x="8559800" y="2946400"/>
             <a:ext cx="2552700" cy="1841500"/>
           </a:xfrm>
           <a:prstGeom prst="roundRect">
@@ -3549,7 +6106,7 @@
         </p:nvSpPr>
         <p:spPr>
           <a:xfrm>
-            <a:off x="175260" y="2631440"/>
+            <a:off x="175260" y="2288540"/>
             <a:ext cx="1371600" cy="2926080"/>
           </a:xfrm>
           <a:prstGeom prst="roundRect">
@@ -3589,198 +6146,12 @@
           </a:p>
         </p:txBody>
       </p:sp>
-      <p:grpSp>
-        <p:nvGrpSpPr>
-          <p:cNvPr id="30" name="Csoportba foglalás 29">
-            <a:extLst>
-              <a:ext uri="{FF2B5EF4-FFF2-40B4-BE49-F238E27FC236}">
-                <a16:creationId xmlns:a16="http://schemas.microsoft.com/office/drawing/2014/main" id="{0E06A687-341B-D909-7633-C44D44DB5181}"/>
-              </a:ext>
-            </a:extLst>
-          </p:cNvPr>
-          <p:cNvGrpSpPr/>
-          <p:nvPr/>
-        </p:nvGrpSpPr>
-        <p:grpSpPr>
-          <a:xfrm>
-            <a:off x="5629477" y="2269067"/>
-            <a:ext cx="952089" cy="1204383"/>
-            <a:chOff x="5635624" y="2264834"/>
-            <a:chExt cx="952089" cy="1204383"/>
-          </a:xfrm>
-        </p:grpSpPr>
-        <p:sp>
-          <p:nvSpPr>
-            <p:cNvPr id="25" name="Téglalap: lekerekített 24">
-              <a:extLst>
-                <a:ext uri="{FF2B5EF4-FFF2-40B4-BE49-F238E27FC236}">
-                  <a16:creationId xmlns:a16="http://schemas.microsoft.com/office/drawing/2014/main" id="{C619F1A5-FBC9-B1D5-5D84-B33D362E0F2B}"/>
-                </a:ext>
-              </a:extLst>
-            </p:cNvPr>
-            <p:cNvSpPr/>
-            <p:nvPr/>
-          </p:nvSpPr>
-          <p:spPr>
-            <a:xfrm>
-              <a:off x="5780617" y="2264834"/>
-              <a:ext cx="807096" cy="1204383"/>
-            </a:xfrm>
-            <a:prstGeom prst="roundRect">
-              <a:avLst/>
-            </a:prstGeom>
-            <a:solidFill>
-              <a:schemeClr val="bg1"/>
-            </a:solidFill>
-            <a:ln>
-              <a:solidFill>
-                <a:schemeClr val="bg1"/>
-              </a:solidFill>
-            </a:ln>
-          </p:spPr>
-          <p:style>
-            <a:lnRef idx="2">
-              <a:schemeClr val="accent1">
-                <a:shade val="15000"/>
-              </a:schemeClr>
-            </a:lnRef>
-            <a:fillRef idx="1">
-              <a:schemeClr val="accent1"/>
-            </a:fillRef>
-            <a:effectRef idx="0">
-              <a:schemeClr val="accent1"/>
-            </a:effectRef>
-            <a:fontRef idx="minor">
-              <a:schemeClr val="lt1"/>
-            </a:fontRef>
-          </p:style>
-          <p:txBody>
-            <a:bodyPr rtlCol="0" anchor="ctr"/>
-            <a:lstStyle/>
-            <a:p>
-              <a:pPr algn="ctr"/>
-              <a:endParaRPr lang="hu-HU"/>
-            </a:p>
-          </p:txBody>
-        </p:sp>
-        <p:sp>
-          <p:nvSpPr>
-            <p:cNvPr id="27" name="Téglalap: lekerekített 26">
-              <a:extLst>
-                <a:ext uri="{FF2B5EF4-FFF2-40B4-BE49-F238E27FC236}">
-                  <a16:creationId xmlns:a16="http://schemas.microsoft.com/office/drawing/2014/main" id="{39D2D6E7-31CC-C60D-1998-FDCC093C9513}"/>
-                </a:ext>
-              </a:extLst>
-            </p:cNvPr>
-            <p:cNvSpPr/>
-            <p:nvPr/>
-          </p:nvSpPr>
-          <p:spPr>
-            <a:xfrm flipH="1">
-              <a:off x="5635624" y="2468033"/>
-              <a:ext cx="306917" cy="1001184"/>
-            </a:xfrm>
-            <a:prstGeom prst="roundRect">
-              <a:avLst/>
-            </a:prstGeom>
-            <a:solidFill>
-              <a:schemeClr val="bg1"/>
-            </a:solidFill>
-            <a:ln>
-              <a:solidFill>
-                <a:schemeClr val="bg1"/>
-              </a:solidFill>
-            </a:ln>
-          </p:spPr>
-          <p:style>
-            <a:lnRef idx="2">
-              <a:schemeClr val="accent1">
-                <a:shade val="15000"/>
-              </a:schemeClr>
-            </a:lnRef>
-            <a:fillRef idx="1">
-              <a:schemeClr val="accent1"/>
-            </a:fillRef>
-            <a:effectRef idx="0">
-              <a:schemeClr val="accent1"/>
-            </a:effectRef>
-            <a:fontRef idx="minor">
-              <a:schemeClr val="lt1"/>
-            </a:fontRef>
-          </p:style>
-          <p:txBody>
-            <a:bodyPr rtlCol="0" anchor="ctr"/>
-            <a:lstStyle/>
-            <a:p>
-              <a:pPr algn="ctr"/>
-              <a:r>
-                <a:rPr lang="hu-HU" dirty="0"/>
-                <a:t>VV</a:t>
-              </a:r>
-            </a:p>
-          </p:txBody>
-        </p:sp>
-        <p:sp>
-          <p:nvSpPr>
-            <p:cNvPr id="29" name="Téglalap: lekerekített 28">
-              <a:extLst>
-                <a:ext uri="{FF2B5EF4-FFF2-40B4-BE49-F238E27FC236}">
-                  <a16:creationId xmlns:a16="http://schemas.microsoft.com/office/drawing/2014/main" id="{FAEF4909-E42B-1AC2-A778-4D63C3E5396C}"/>
-                </a:ext>
-              </a:extLst>
-            </p:cNvPr>
-            <p:cNvSpPr/>
-            <p:nvPr/>
-          </p:nvSpPr>
-          <p:spPr>
-            <a:xfrm flipH="1">
-              <a:off x="5721350" y="2417234"/>
-              <a:ext cx="211667" cy="76199"/>
-            </a:xfrm>
-            <a:prstGeom prst="roundRect">
-              <a:avLst/>
-            </a:prstGeom>
-            <a:solidFill>
-              <a:schemeClr val="bg1"/>
-            </a:solidFill>
-            <a:ln>
-              <a:solidFill>
-                <a:schemeClr val="bg1"/>
-              </a:solidFill>
-            </a:ln>
-          </p:spPr>
-          <p:style>
-            <a:lnRef idx="2">
-              <a:schemeClr val="accent1">
-                <a:shade val="15000"/>
-              </a:schemeClr>
-            </a:lnRef>
-            <a:fillRef idx="1">
-              <a:schemeClr val="accent1"/>
-            </a:fillRef>
-            <a:effectRef idx="0">
-              <a:schemeClr val="accent1"/>
-            </a:effectRef>
-            <a:fontRef idx="minor">
-              <a:schemeClr val="lt1"/>
-            </a:fontRef>
-          </p:style>
-          <p:txBody>
-            <a:bodyPr rtlCol="0" anchor="ctr"/>
-            <a:lstStyle/>
-            <a:p>
-              <a:pPr algn="ctr"/>
-              <a:endParaRPr lang="hu-HU"/>
-            </a:p>
-          </p:txBody>
-        </p:sp>
-      </p:grpSp>
-      <p:sp>
-        <p:nvSpPr>
-          <p:cNvPr id="23" name="Téglalap: lekerekített 22">
-            <a:extLst>
-              <a:ext uri="{FF2B5EF4-FFF2-40B4-BE49-F238E27FC236}">
-                <a16:creationId xmlns:a16="http://schemas.microsoft.com/office/drawing/2014/main" id="{0E5D8086-4FCA-5C66-1A8A-98E2AD1F5848}"/>
+      <p:sp>
+        <p:nvSpPr>
+          <p:cNvPr id="25" name="Téglalap: lekerekített 24">
+            <a:extLst>
+              <a:ext uri="{FF2B5EF4-FFF2-40B4-BE49-F238E27FC236}">
+                <a16:creationId xmlns:a16="http://schemas.microsoft.com/office/drawing/2014/main" id="{C619F1A5-FBC9-B1D5-5D84-B33D362E0F2B}"/>
               </a:ext>
             </a:extLst>
           </p:cNvPr>
@@ -3789,8 +6160,8 @@
         </p:nvSpPr>
         <p:spPr>
           <a:xfrm>
-            <a:off x="10625890" y="2631440"/>
-            <a:ext cx="1371600" cy="2926080"/>
+            <a:off x="5774470" y="1926167"/>
+            <a:ext cx="807096" cy="1204383"/>
           </a:xfrm>
           <a:prstGeom prst="roundRect">
             <a:avLst/>
@@ -3829,378 +6200,501 @@
           </a:p>
         </p:txBody>
       </p:sp>
-      <p:grpSp>
-        <p:nvGrpSpPr>
-          <p:cNvPr id="41" name="Csoportba foglalás 40">
-            <a:extLst>
-              <a:ext uri="{FF2B5EF4-FFF2-40B4-BE49-F238E27FC236}">
-                <a16:creationId xmlns:a16="http://schemas.microsoft.com/office/drawing/2014/main" id="{5E57A555-310C-F493-BD12-131D29470C9F}"/>
-              </a:ext>
-            </a:extLst>
-          </p:cNvPr>
-          <p:cNvGrpSpPr/>
-          <p:nvPr/>
-        </p:nvGrpSpPr>
-        <p:grpSpPr>
-          <a:xfrm>
-            <a:off x="6394035" y="4474634"/>
-            <a:ext cx="928002" cy="1113366"/>
-            <a:chOff x="5635624" y="2264834"/>
-            <a:chExt cx="952089" cy="1204383"/>
-          </a:xfrm>
-        </p:grpSpPr>
-        <p:sp>
-          <p:nvSpPr>
-            <p:cNvPr id="42" name="Téglalap: lekerekített 41">
-              <a:extLst>
-                <a:ext uri="{FF2B5EF4-FFF2-40B4-BE49-F238E27FC236}">
-                  <a16:creationId xmlns:a16="http://schemas.microsoft.com/office/drawing/2014/main" id="{7FE8872C-7F4A-9AAD-980C-CEDD41E819AB}"/>
-                </a:ext>
-              </a:extLst>
-            </p:cNvPr>
-            <p:cNvSpPr/>
-            <p:nvPr/>
-          </p:nvSpPr>
-          <p:spPr>
-            <a:xfrm>
-              <a:off x="5780617" y="2264834"/>
-              <a:ext cx="807096" cy="1204383"/>
-            </a:xfrm>
-            <a:prstGeom prst="roundRect">
-              <a:avLst/>
-            </a:prstGeom>
+      <p:sp>
+        <p:nvSpPr>
+          <p:cNvPr id="27" name="Téglalap: lekerekített 26">
+            <a:extLst>
+              <a:ext uri="{FF2B5EF4-FFF2-40B4-BE49-F238E27FC236}">
+                <a16:creationId xmlns:a16="http://schemas.microsoft.com/office/drawing/2014/main" id="{39D2D6E7-31CC-C60D-1998-FDCC093C9513}"/>
+              </a:ext>
+            </a:extLst>
+          </p:cNvPr>
+          <p:cNvSpPr/>
+          <p:nvPr/>
+        </p:nvSpPr>
+        <p:spPr>
+          <a:xfrm flipH="1">
+            <a:off x="5629477" y="2129366"/>
+            <a:ext cx="306917" cy="1001184"/>
+          </a:xfrm>
+          <a:prstGeom prst="roundRect">
+            <a:avLst/>
+          </a:prstGeom>
+          <a:solidFill>
+            <a:schemeClr val="bg1"/>
+          </a:solidFill>
+          <a:ln>
             <a:solidFill>
               <a:schemeClr val="bg1"/>
             </a:solidFill>
-            <a:ln>
-              <a:solidFill>
-                <a:schemeClr val="bg1"/>
-              </a:solidFill>
-            </a:ln>
-          </p:spPr>
-          <p:style>
-            <a:lnRef idx="2">
-              <a:schemeClr val="accent1">
-                <a:shade val="15000"/>
-              </a:schemeClr>
-            </a:lnRef>
-            <a:fillRef idx="1">
-              <a:schemeClr val="accent1"/>
-            </a:fillRef>
-            <a:effectRef idx="0">
-              <a:schemeClr val="accent1"/>
-            </a:effectRef>
-            <a:fontRef idx="minor">
-              <a:schemeClr val="lt1"/>
-            </a:fontRef>
-          </p:style>
-          <p:txBody>
-            <a:bodyPr rtlCol="0" anchor="ctr"/>
-            <a:lstStyle/>
-            <a:p>
-              <a:pPr algn="ctr"/>
-              <a:endParaRPr lang="hu-HU"/>
-            </a:p>
-          </p:txBody>
-        </p:sp>
-        <p:sp>
-          <p:nvSpPr>
-            <p:cNvPr id="43" name="Téglalap: lekerekített 42">
-              <a:extLst>
-                <a:ext uri="{FF2B5EF4-FFF2-40B4-BE49-F238E27FC236}">
-                  <a16:creationId xmlns:a16="http://schemas.microsoft.com/office/drawing/2014/main" id="{2609A359-393D-A3A0-2A55-2D23E2E8AB1E}"/>
-                </a:ext>
-              </a:extLst>
-            </p:cNvPr>
-            <p:cNvSpPr/>
-            <p:nvPr/>
-          </p:nvSpPr>
-          <p:spPr>
-            <a:xfrm flipH="1">
-              <a:off x="5635624" y="2468033"/>
-              <a:ext cx="306917" cy="1001184"/>
-            </a:xfrm>
-            <a:prstGeom prst="roundRect">
-              <a:avLst/>
-            </a:prstGeom>
+          </a:ln>
+        </p:spPr>
+        <p:style>
+          <a:lnRef idx="2">
+            <a:schemeClr val="accent1">
+              <a:shade val="15000"/>
+            </a:schemeClr>
+          </a:lnRef>
+          <a:fillRef idx="1">
+            <a:schemeClr val="accent1"/>
+          </a:fillRef>
+          <a:effectRef idx="0">
+            <a:schemeClr val="accent1"/>
+          </a:effectRef>
+          <a:fontRef idx="minor">
+            <a:schemeClr val="lt1"/>
+          </a:fontRef>
+        </p:style>
+        <p:txBody>
+          <a:bodyPr rtlCol="0" anchor="ctr"/>
+          <a:lstStyle/>
+          <a:p>
+            <a:pPr algn="ctr"/>
+            <a:r>
+              <a:rPr lang="hu-HU" dirty="0"/>
+              <a:t>VV</a:t>
+            </a:r>
+          </a:p>
+        </p:txBody>
+      </p:sp>
+      <p:sp>
+        <p:nvSpPr>
+          <p:cNvPr id="29" name="Téglalap: lekerekített 28">
+            <a:extLst>
+              <a:ext uri="{FF2B5EF4-FFF2-40B4-BE49-F238E27FC236}">
+                <a16:creationId xmlns:a16="http://schemas.microsoft.com/office/drawing/2014/main" id="{FAEF4909-E42B-1AC2-A778-4D63C3E5396C}"/>
+              </a:ext>
+            </a:extLst>
+          </p:cNvPr>
+          <p:cNvSpPr/>
+          <p:nvPr/>
+        </p:nvSpPr>
+        <p:spPr>
+          <a:xfrm flipH="1">
+            <a:off x="5715203" y="2078567"/>
+            <a:ext cx="211667" cy="76199"/>
+          </a:xfrm>
+          <a:prstGeom prst="roundRect">
+            <a:avLst/>
+          </a:prstGeom>
+          <a:solidFill>
+            <a:schemeClr val="bg1"/>
+          </a:solidFill>
+          <a:ln>
             <a:solidFill>
               <a:schemeClr val="bg1"/>
             </a:solidFill>
-            <a:ln>
-              <a:solidFill>
-                <a:schemeClr val="bg1"/>
-              </a:solidFill>
-            </a:ln>
-          </p:spPr>
-          <p:style>
-            <a:lnRef idx="2">
-              <a:schemeClr val="accent1">
-                <a:shade val="15000"/>
-              </a:schemeClr>
-            </a:lnRef>
-            <a:fillRef idx="1">
-              <a:schemeClr val="accent1"/>
-            </a:fillRef>
-            <a:effectRef idx="0">
-              <a:schemeClr val="accent1"/>
-            </a:effectRef>
-            <a:fontRef idx="minor">
-              <a:schemeClr val="lt1"/>
-            </a:fontRef>
-          </p:style>
-          <p:txBody>
-            <a:bodyPr rtlCol="0" anchor="ctr"/>
-            <a:lstStyle/>
-            <a:p>
-              <a:pPr algn="ctr"/>
-              <a:r>
-                <a:rPr lang="hu-HU" dirty="0"/>
-                <a:t>VV</a:t>
-              </a:r>
-            </a:p>
-          </p:txBody>
-        </p:sp>
-        <p:sp>
-          <p:nvSpPr>
-            <p:cNvPr id="44" name="Téglalap: lekerekített 43">
-              <a:extLst>
-                <a:ext uri="{FF2B5EF4-FFF2-40B4-BE49-F238E27FC236}">
-                  <a16:creationId xmlns:a16="http://schemas.microsoft.com/office/drawing/2014/main" id="{C821293C-07D8-53C9-5D4E-C71D28DE83BC}"/>
-                </a:ext>
-              </a:extLst>
-            </p:cNvPr>
-            <p:cNvSpPr/>
-            <p:nvPr/>
-          </p:nvSpPr>
-          <p:spPr>
-            <a:xfrm flipH="1">
-              <a:off x="5721350" y="2417234"/>
-              <a:ext cx="211667" cy="76199"/>
-            </a:xfrm>
-            <a:prstGeom prst="roundRect">
-              <a:avLst/>
-            </a:prstGeom>
+          </a:ln>
+        </p:spPr>
+        <p:style>
+          <a:lnRef idx="2">
+            <a:schemeClr val="accent1">
+              <a:shade val="15000"/>
+            </a:schemeClr>
+          </a:lnRef>
+          <a:fillRef idx="1">
+            <a:schemeClr val="accent1"/>
+          </a:fillRef>
+          <a:effectRef idx="0">
+            <a:schemeClr val="accent1"/>
+          </a:effectRef>
+          <a:fontRef idx="minor">
+            <a:schemeClr val="lt1"/>
+          </a:fontRef>
+        </p:style>
+        <p:txBody>
+          <a:bodyPr rtlCol="0" anchor="ctr"/>
+          <a:lstStyle/>
+          <a:p>
+            <a:pPr algn="ctr"/>
+            <a:endParaRPr lang="hu-HU"/>
+          </a:p>
+        </p:txBody>
+      </p:sp>
+      <p:sp>
+        <p:nvSpPr>
+          <p:cNvPr id="23" name="Téglalap: lekerekített 22">
+            <a:extLst>
+              <a:ext uri="{FF2B5EF4-FFF2-40B4-BE49-F238E27FC236}">
+                <a16:creationId xmlns:a16="http://schemas.microsoft.com/office/drawing/2014/main" id="{0E5D8086-4FCA-5C66-1A8A-98E2AD1F5848}"/>
+              </a:ext>
+            </a:extLst>
+          </p:cNvPr>
+          <p:cNvSpPr/>
+          <p:nvPr/>
+        </p:nvSpPr>
+        <p:spPr>
+          <a:xfrm>
+            <a:off x="10625890" y="2288540"/>
+            <a:ext cx="1371600" cy="2926080"/>
+          </a:xfrm>
+          <a:prstGeom prst="roundRect">
+            <a:avLst/>
+          </a:prstGeom>
+          <a:solidFill>
+            <a:schemeClr val="bg1"/>
+          </a:solidFill>
+          <a:ln>
             <a:solidFill>
               <a:schemeClr val="bg1"/>
             </a:solidFill>
-            <a:ln>
-              <a:solidFill>
-                <a:schemeClr val="bg1"/>
-              </a:solidFill>
-            </a:ln>
-          </p:spPr>
-          <p:style>
-            <a:lnRef idx="2">
-              <a:schemeClr val="accent1">
-                <a:shade val="15000"/>
-              </a:schemeClr>
-            </a:lnRef>
-            <a:fillRef idx="1">
-              <a:schemeClr val="accent1"/>
-            </a:fillRef>
-            <a:effectRef idx="0">
-              <a:schemeClr val="accent1"/>
-            </a:effectRef>
-            <a:fontRef idx="minor">
-              <a:schemeClr val="lt1"/>
-            </a:fontRef>
-          </p:style>
-          <p:txBody>
-            <a:bodyPr rtlCol="0" anchor="ctr"/>
-            <a:lstStyle/>
-            <a:p>
-              <a:pPr algn="ctr"/>
-              <a:endParaRPr lang="hu-HU"/>
-            </a:p>
-          </p:txBody>
-        </p:sp>
-      </p:grpSp>
-      <p:grpSp>
-        <p:nvGrpSpPr>
-          <p:cNvPr id="37" name="Csoportba foglalás 36">
-            <a:extLst>
-              <a:ext uri="{FF2B5EF4-FFF2-40B4-BE49-F238E27FC236}">
-                <a16:creationId xmlns:a16="http://schemas.microsoft.com/office/drawing/2014/main" id="{2DDF6EB1-A1E2-781C-ED5A-3E7AED0DC89C}"/>
-              </a:ext>
-            </a:extLst>
-          </p:cNvPr>
-          <p:cNvGrpSpPr/>
-          <p:nvPr/>
-        </p:nvGrpSpPr>
-        <p:grpSpPr>
-          <a:xfrm>
-            <a:off x="4343399" y="4474634"/>
-            <a:ext cx="912547" cy="1113366"/>
-            <a:chOff x="5635624" y="2264834"/>
-            <a:chExt cx="952089" cy="1204383"/>
-          </a:xfrm>
-        </p:grpSpPr>
-        <p:sp>
-          <p:nvSpPr>
-            <p:cNvPr id="38" name="Téglalap: lekerekített 37">
-              <a:extLst>
-                <a:ext uri="{FF2B5EF4-FFF2-40B4-BE49-F238E27FC236}">
-                  <a16:creationId xmlns:a16="http://schemas.microsoft.com/office/drawing/2014/main" id="{01286121-44A1-EAAA-C0B1-36062EAE81AC}"/>
-                </a:ext>
-              </a:extLst>
-            </p:cNvPr>
-            <p:cNvSpPr/>
-            <p:nvPr/>
-          </p:nvSpPr>
-          <p:spPr>
-            <a:xfrm>
-              <a:off x="5780617" y="2264834"/>
-              <a:ext cx="807096" cy="1204383"/>
-            </a:xfrm>
-            <a:prstGeom prst="roundRect">
-              <a:avLst/>
-            </a:prstGeom>
+          </a:ln>
+        </p:spPr>
+        <p:style>
+          <a:lnRef idx="2">
+            <a:schemeClr val="accent1">
+              <a:shade val="15000"/>
+            </a:schemeClr>
+          </a:lnRef>
+          <a:fillRef idx="1">
+            <a:schemeClr val="accent1"/>
+          </a:fillRef>
+          <a:effectRef idx="0">
+            <a:schemeClr val="accent1"/>
+          </a:effectRef>
+          <a:fontRef idx="minor">
+            <a:schemeClr val="lt1"/>
+          </a:fontRef>
+        </p:style>
+        <p:txBody>
+          <a:bodyPr rtlCol="0" anchor="ctr"/>
+          <a:lstStyle/>
+          <a:p>
+            <a:pPr algn="ctr"/>
+            <a:endParaRPr lang="hu-HU"/>
+          </a:p>
+        </p:txBody>
+      </p:sp>
+      <p:sp>
+        <p:nvSpPr>
+          <p:cNvPr id="42" name="Téglalap: lekerekített 41">
+            <a:extLst>
+              <a:ext uri="{FF2B5EF4-FFF2-40B4-BE49-F238E27FC236}">
+                <a16:creationId xmlns:a16="http://schemas.microsoft.com/office/drawing/2014/main" id="{7FE8872C-7F4A-9AAD-980C-CEDD41E819AB}"/>
+              </a:ext>
+            </a:extLst>
+          </p:cNvPr>
+          <p:cNvSpPr/>
+          <p:nvPr/>
+        </p:nvSpPr>
+        <p:spPr>
+          <a:xfrm>
+            <a:off x="6535360" y="4131734"/>
+            <a:ext cx="786677" cy="1113366"/>
+          </a:xfrm>
+          <a:prstGeom prst="roundRect">
+            <a:avLst/>
+          </a:prstGeom>
+          <a:solidFill>
+            <a:schemeClr val="bg1"/>
+          </a:solidFill>
+          <a:ln>
             <a:solidFill>
               <a:schemeClr val="bg1"/>
             </a:solidFill>
-            <a:ln>
-              <a:solidFill>
-                <a:schemeClr val="bg1"/>
-              </a:solidFill>
-            </a:ln>
-          </p:spPr>
-          <p:style>
-            <a:lnRef idx="2">
-              <a:schemeClr val="accent1">
-                <a:shade val="15000"/>
-              </a:schemeClr>
-            </a:lnRef>
-            <a:fillRef idx="1">
-              <a:schemeClr val="accent1"/>
-            </a:fillRef>
-            <a:effectRef idx="0">
-              <a:schemeClr val="accent1"/>
-            </a:effectRef>
-            <a:fontRef idx="minor">
-              <a:schemeClr val="lt1"/>
-            </a:fontRef>
-          </p:style>
-          <p:txBody>
-            <a:bodyPr rtlCol="0" anchor="ctr"/>
-            <a:lstStyle/>
-            <a:p>
-              <a:pPr algn="ctr"/>
-              <a:endParaRPr lang="hu-HU"/>
-            </a:p>
-          </p:txBody>
-        </p:sp>
-        <p:sp>
-          <p:nvSpPr>
-            <p:cNvPr id="39" name="Téglalap: lekerekített 38">
-              <a:extLst>
-                <a:ext uri="{FF2B5EF4-FFF2-40B4-BE49-F238E27FC236}">
-                  <a16:creationId xmlns:a16="http://schemas.microsoft.com/office/drawing/2014/main" id="{048B89F2-A989-C212-0310-5A84CF9D8ACE}"/>
-                </a:ext>
-              </a:extLst>
-            </p:cNvPr>
-            <p:cNvSpPr/>
-            <p:nvPr/>
-          </p:nvSpPr>
-          <p:spPr>
-            <a:xfrm flipH="1">
-              <a:off x="5635624" y="2468033"/>
-              <a:ext cx="306917" cy="1001184"/>
-            </a:xfrm>
-            <a:prstGeom prst="roundRect">
-              <a:avLst/>
-            </a:prstGeom>
+          </a:ln>
+        </p:spPr>
+        <p:style>
+          <a:lnRef idx="2">
+            <a:schemeClr val="accent1">
+              <a:shade val="15000"/>
+            </a:schemeClr>
+          </a:lnRef>
+          <a:fillRef idx="1">
+            <a:schemeClr val="accent1"/>
+          </a:fillRef>
+          <a:effectRef idx="0">
+            <a:schemeClr val="accent1"/>
+          </a:effectRef>
+          <a:fontRef idx="minor">
+            <a:schemeClr val="lt1"/>
+          </a:fontRef>
+        </p:style>
+        <p:txBody>
+          <a:bodyPr rtlCol="0" anchor="ctr"/>
+          <a:lstStyle/>
+          <a:p>
+            <a:pPr algn="ctr"/>
+            <a:endParaRPr lang="hu-HU"/>
+          </a:p>
+        </p:txBody>
+      </p:sp>
+      <p:sp>
+        <p:nvSpPr>
+          <p:cNvPr id="43" name="Téglalap: lekerekített 42">
+            <a:extLst>
+              <a:ext uri="{FF2B5EF4-FFF2-40B4-BE49-F238E27FC236}">
+                <a16:creationId xmlns:a16="http://schemas.microsoft.com/office/drawing/2014/main" id="{2609A359-393D-A3A0-2A55-2D23E2E8AB1E}"/>
+              </a:ext>
+            </a:extLst>
+          </p:cNvPr>
+          <p:cNvSpPr/>
+          <p:nvPr/>
+        </p:nvSpPr>
+        <p:spPr>
+          <a:xfrm flipH="1">
+            <a:off x="6394035" y="4319577"/>
+            <a:ext cx="299152" cy="925523"/>
+          </a:xfrm>
+          <a:prstGeom prst="roundRect">
+            <a:avLst/>
+          </a:prstGeom>
+          <a:solidFill>
+            <a:schemeClr val="bg1"/>
+          </a:solidFill>
+          <a:ln>
             <a:solidFill>
               <a:schemeClr val="bg1"/>
             </a:solidFill>
-            <a:ln>
-              <a:solidFill>
-                <a:schemeClr val="bg1"/>
-              </a:solidFill>
-            </a:ln>
-          </p:spPr>
-          <p:style>
-            <a:lnRef idx="2">
-              <a:schemeClr val="accent1">
-                <a:shade val="15000"/>
-              </a:schemeClr>
-            </a:lnRef>
-            <a:fillRef idx="1">
-              <a:schemeClr val="accent1"/>
-            </a:fillRef>
-            <a:effectRef idx="0">
-              <a:schemeClr val="accent1"/>
-            </a:effectRef>
-            <a:fontRef idx="minor">
-              <a:schemeClr val="lt1"/>
-            </a:fontRef>
-          </p:style>
-          <p:txBody>
-            <a:bodyPr rtlCol="0" anchor="ctr"/>
-            <a:lstStyle/>
-            <a:p>
-              <a:pPr algn="ctr"/>
-              <a:r>
-                <a:rPr lang="hu-HU" dirty="0"/>
-                <a:t>VV</a:t>
-              </a:r>
-            </a:p>
-          </p:txBody>
-        </p:sp>
-        <p:sp>
-          <p:nvSpPr>
-            <p:cNvPr id="40" name="Téglalap: lekerekített 39">
-              <a:extLst>
-                <a:ext uri="{FF2B5EF4-FFF2-40B4-BE49-F238E27FC236}">
-                  <a16:creationId xmlns:a16="http://schemas.microsoft.com/office/drawing/2014/main" id="{3D75E0D2-768D-01C3-948D-DBC8367577EE}"/>
-                </a:ext>
-              </a:extLst>
-            </p:cNvPr>
-            <p:cNvSpPr/>
-            <p:nvPr/>
-          </p:nvSpPr>
-          <p:spPr>
-            <a:xfrm flipH="1">
-              <a:off x="5721350" y="2417234"/>
-              <a:ext cx="211667" cy="76199"/>
-            </a:xfrm>
-            <a:prstGeom prst="roundRect">
-              <a:avLst/>
-            </a:prstGeom>
+          </a:ln>
+        </p:spPr>
+        <p:style>
+          <a:lnRef idx="2">
+            <a:schemeClr val="accent1">
+              <a:shade val="15000"/>
+            </a:schemeClr>
+          </a:lnRef>
+          <a:fillRef idx="1">
+            <a:schemeClr val="accent1"/>
+          </a:fillRef>
+          <a:effectRef idx="0">
+            <a:schemeClr val="accent1"/>
+          </a:effectRef>
+          <a:fontRef idx="minor">
+            <a:schemeClr val="lt1"/>
+          </a:fontRef>
+        </p:style>
+        <p:txBody>
+          <a:bodyPr rtlCol="0" anchor="ctr"/>
+          <a:lstStyle/>
+          <a:p>
+            <a:pPr algn="ctr"/>
+            <a:r>
+              <a:rPr lang="hu-HU" dirty="0"/>
+              <a:t>VV</a:t>
+            </a:r>
+          </a:p>
+        </p:txBody>
+      </p:sp>
+      <p:sp>
+        <p:nvSpPr>
+          <p:cNvPr id="44" name="Téglalap: lekerekített 43">
+            <a:extLst>
+              <a:ext uri="{FF2B5EF4-FFF2-40B4-BE49-F238E27FC236}">
+                <a16:creationId xmlns:a16="http://schemas.microsoft.com/office/drawing/2014/main" id="{C821293C-07D8-53C9-5D4E-C71D28DE83BC}"/>
+              </a:ext>
+            </a:extLst>
+          </p:cNvPr>
+          <p:cNvSpPr/>
+          <p:nvPr/>
+        </p:nvSpPr>
+        <p:spPr>
+          <a:xfrm flipH="1">
+            <a:off x="6477592" y="4272617"/>
+            <a:ext cx="206312" cy="70441"/>
+          </a:xfrm>
+          <a:prstGeom prst="roundRect">
+            <a:avLst/>
+          </a:prstGeom>
+          <a:solidFill>
+            <a:schemeClr val="bg1"/>
+          </a:solidFill>
+          <a:ln>
             <a:solidFill>
               <a:schemeClr val="bg1"/>
             </a:solidFill>
-            <a:ln>
-              <a:solidFill>
-                <a:schemeClr val="bg1"/>
-              </a:solidFill>
-            </a:ln>
-          </p:spPr>
-          <p:style>
-            <a:lnRef idx="2">
-              <a:schemeClr val="accent1">
-                <a:shade val="15000"/>
-              </a:schemeClr>
-            </a:lnRef>
-            <a:fillRef idx="1">
-              <a:schemeClr val="accent1"/>
-            </a:fillRef>
-            <a:effectRef idx="0">
-              <a:schemeClr val="accent1"/>
-            </a:effectRef>
-            <a:fontRef idx="minor">
-              <a:schemeClr val="lt1"/>
-            </a:fontRef>
-          </p:style>
-          <p:txBody>
-            <a:bodyPr rtlCol="0" anchor="ctr"/>
-            <a:lstStyle/>
-            <a:p>
-              <a:pPr algn="ctr"/>
-              <a:endParaRPr lang="hu-HU"/>
-            </a:p>
-          </p:txBody>
-        </p:sp>
-      </p:grpSp>
+          </a:ln>
+        </p:spPr>
+        <p:style>
+          <a:lnRef idx="2">
+            <a:schemeClr val="accent1">
+              <a:shade val="15000"/>
+            </a:schemeClr>
+          </a:lnRef>
+          <a:fillRef idx="1">
+            <a:schemeClr val="accent1"/>
+          </a:fillRef>
+          <a:effectRef idx="0">
+            <a:schemeClr val="accent1"/>
+          </a:effectRef>
+          <a:fontRef idx="minor">
+            <a:schemeClr val="lt1"/>
+          </a:fontRef>
+        </p:style>
+        <p:txBody>
+          <a:bodyPr rtlCol="0" anchor="ctr"/>
+          <a:lstStyle/>
+          <a:p>
+            <a:pPr algn="ctr"/>
+            <a:endParaRPr lang="hu-HU"/>
+          </a:p>
+        </p:txBody>
+      </p:sp>
+      <p:sp>
+        <p:nvSpPr>
+          <p:cNvPr id="38" name="Téglalap: lekerekített 37">
+            <a:extLst>
+              <a:ext uri="{FF2B5EF4-FFF2-40B4-BE49-F238E27FC236}">
+                <a16:creationId xmlns:a16="http://schemas.microsoft.com/office/drawing/2014/main" id="{01286121-44A1-EAAA-C0B1-36062EAE81AC}"/>
+              </a:ext>
+            </a:extLst>
+          </p:cNvPr>
+          <p:cNvSpPr/>
+          <p:nvPr/>
+        </p:nvSpPr>
+        <p:spPr>
+          <a:xfrm>
+            <a:off x="4482370" y="4131734"/>
+            <a:ext cx="773576" cy="1113366"/>
+          </a:xfrm>
+          <a:prstGeom prst="roundRect">
+            <a:avLst/>
+          </a:prstGeom>
+          <a:solidFill>
+            <a:schemeClr val="bg1"/>
+          </a:solidFill>
+          <a:ln>
+            <a:solidFill>
+              <a:schemeClr val="bg1"/>
+            </a:solidFill>
+          </a:ln>
+        </p:spPr>
+        <p:style>
+          <a:lnRef idx="2">
+            <a:schemeClr val="accent1">
+              <a:shade val="15000"/>
+            </a:schemeClr>
+          </a:lnRef>
+          <a:fillRef idx="1">
+            <a:schemeClr val="accent1"/>
+          </a:fillRef>
+          <a:effectRef idx="0">
+            <a:schemeClr val="accent1"/>
+          </a:effectRef>
+          <a:fontRef idx="minor">
+            <a:schemeClr val="lt1"/>
+          </a:fontRef>
+        </p:style>
+        <p:txBody>
+          <a:bodyPr rtlCol="0" anchor="ctr"/>
+          <a:lstStyle/>
+          <a:p>
+            <a:pPr algn="ctr"/>
+            <a:endParaRPr lang="hu-HU"/>
+          </a:p>
+        </p:txBody>
+      </p:sp>
+      <p:sp>
+        <p:nvSpPr>
+          <p:cNvPr id="39" name="Téglalap: lekerekített 38">
+            <a:extLst>
+              <a:ext uri="{FF2B5EF4-FFF2-40B4-BE49-F238E27FC236}">
+                <a16:creationId xmlns:a16="http://schemas.microsoft.com/office/drawing/2014/main" id="{048B89F2-A989-C212-0310-5A84CF9D8ACE}"/>
+              </a:ext>
+            </a:extLst>
+          </p:cNvPr>
+          <p:cNvSpPr/>
+          <p:nvPr/>
+        </p:nvSpPr>
+        <p:spPr>
+          <a:xfrm flipH="1">
+            <a:off x="4343399" y="4319577"/>
+            <a:ext cx="294170" cy="925523"/>
+          </a:xfrm>
+          <a:prstGeom prst="roundRect">
+            <a:avLst/>
+          </a:prstGeom>
+          <a:solidFill>
+            <a:schemeClr val="bg1"/>
+          </a:solidFill>
+          <a:ln>
+            <a:solidFill>
+              <a:schemeClr val="bg1"/>
+            </a:solidFill>
+          </a:ln>
+        </p:spPr>
+        <p:style>
+          <a:lnRef idx="2">
+            <a:schemeClr val="accent1">
+              <a:shade val="15000"/>
+            </a:schemeClr>
+          </a:lnRef>
+          <a:fillRef idx="1">
+            <a:schemeClr val="accent1"/>
+          </a:fillRef>
+          <a:effectRef idx="0">
+            <a:schemeClr val="accent1"/>
+          </a:effectRef>
+          <a:fontRef idx="minor">
+            <a:schemeClr val="lt1"/>
+          </a:fontRef>
+        </p:style>
+        <p:txBody>
+          <a:bodyPr rtlCol="0" anchor="ctr"/>
+          <a:lstStyle/>
+          <a:p>
+            <a:pPr algn="ctr"/>
+            <a:r>
+              <a:rPr lang="hu-HU" dirty="0"/>
+              <a:t>VV</a:t>
+            </a:r>
+          </a:p>
+        </p:txBody>
+      </p:sp>
+      <p:sp>
+        <p:nvSpPr>
+          <p:cNvPr id="40" name="Téglalap: lekerekített 39">
+            <a:extLst>
+              <a:ext uri="{FF2B5EF4-FFF2-40B4-BE49-F238E27FC236}">
+                <a16:creationId xmlns:a16="http://schemas.microsoft.com/office/drawing/2014/main" id="{3D75E0D2-768D-01C3-948D-DBC8367577EE}"/>
+              </a:ext>
+            </a:extLst>
+          </p:cNvPr>
+          <p:cNvSpPr/>
+          <p:nvPr/>
+        </p:nvSpPr>
+        <p:spPr>
+          <a:xfrm flipH="1">
+            <a:off x="4425565" y="4272617"/>
+            <a:ext cx="202876" cy="70441"/>
+          </a:xfrm>
+          <a:prstGeom prst="roundRect">
+            <a:avLst/>
+          </a:prstGeom>
+          <a:solidFill>
+            <a:schemeClr val="bg1"/>
+          </a:solidFill>
+          <a:ln>
+            <a:solidFill>
+              <a:schemeClr val="bg1"/>
+            </a:solidFill>
+          </a:ln>
+        </p:spPr>
+        <p:style>
+          <a:lnRef idx="2">
+            <a:schemeClr val="accent1">
+              <a:shade val="15000"/>
+            </a:schemeClr>
+          </a:lnRef>
+          <a:fillRef idx="1">
+            <a:schemeClr val="accent1"/>
+          </a:fillRef>
+          <a:effectRef idx="0">
+            <a:schemeClr val="accent1"/>
+          </a:effectRef>
+          <a:fontRef idx="minor">
+            <a:schemeClr val="lt1"/>
+          </a:fontRef>
+        </p:style>
+        <p:txBody>
+          <a:bodyPr rtlCol="0" anchor="ctr"/>
+          <a:lstStyle/>
+          <a:p>
+            <a:pPr algn="ctr"/>
+            <a:endParaRPr lang="hu-HU"/>
+          </a:p>
+        </p:txBody>
+      </p:sp>
       <p:pic>
         <p:nvPicPr>
           <p:cNvPr id="19" name="Kép 18">
@@ -4223,7 +6717,7 @@
         </p:blipFill>
         <p:spPr>
           <a:xfrm>
-            <a:off x="0" y="854250"/>
+            <a:off x="0" y="511350"/>
             <a:ext cx="12192000" cy="5149498"/>
           </a:xfrm>
           <a:prstGeom prst="rect">
@@ -4245,7 +6739,7 @@
         </p:nvSpPr>
         <p:spPr>
           <a:xfrm>
-            <a:off x="1257300" y="3486150"/>
+            <a:off x="1257300" y="3143250"/>
             <a:ext cx="2137781" cy="1073150"/>
           </a:xfrm>
           <a:prstGeom prst="roundRect">
@@ -4313,7 +6807,7 @@
         </p:blipFill>
         <p:spPr>
           <a:xfrm>
-            <a:off x="1084507" y="3346894"/>
+            <a:off x="1084507" y="3003994"/>
             <a:ext cx="2522617" cy="1418972"/>
           </a:xfrm>
           <a:prstGeom prst="rect">
@@ -4323,10 +6817,10 @@
       </p:pic>
       <p:pic>
         <p:nvPicPr>
-          <p:cNvPr id="48" name="Kép 47" descr="A képen Betűtípus, Grafika, embléma, Grafikus tervezés látható&#10;&#10;Automatikusan generált leírás">
-            <a:extLst>
-              <a:ext uri="{FF2B5EF4-FFF2-40B4-BE49-F238E27FC236}">
-                <a16:creationId xmlns:a16="http://schemas.microsoft.com/office/drawing/2014/main" id="{E1AEC571-0F7B-62A9-0636-EFE0234FE2F7}"/>
+          <p:cNvPr id="54" name="Kép 53" descr="A képen Betűtípus, Grafika, embléma, Grafikus tervezés látható&#10;&#10;Automatikusan generált leírás">
+            <a:extLst>
+              <a:ext uri="{FF2B5EF4-FFF2-40B4-BE49-F238E27FC236}">
+                <a16:creationId xmlns:a16="http://schemas.microsoft.com/office/drawing/2014/main" id="{E7B3E0B7-16EA-923F-C575-AD1406461C29}"/>
               </a:ext>
             </a:extLst>
           </p:cNvPr>
@@ -4349,20 +6843,376 @@
         </p:blipFill>
         <p:spPr>
           <a:xfrm>
-            <a:off x="4408928" y="84177"/>
-            <a:ext cx="3374143" cy="2139700"/>
+            <a:off x="8915306" y="3143250"/>
+            <a:ext cx="1841688" cy="1167899"/>
           </a:xfrm>
           <a:prstGeom prst="rect">
             <a:avLst/>
           </a:prstGeom>
         </p:spPr>
       </p:pic>
+      <p:sp>
+        <p:nvSpPr>
+          <p:cNvPr id="5" name="Szövegdoboz 4">
+            <a:extLst>
+              <a:ext uri="{FF2B5EF4-FFF2-40B4-BE49-F238E27FC236}">
+                <a16:creationId xmlns:a16="http://schemas.microsoft.com/office/drawing/2014/main" id="{96D93693-073F-0CF9-F47A-1A447BBD645D}"/>
+              </a:ext>
+            </a:extLst>
+          </p:cNvPr>
+          <p:cNvSpPr txBox="1"/>
+          <p:nvPr/>
+        </p:nvSpPr>
+        <p:spPr>
+          <a:xfrm>
+            <a:off x="4277286" y="4614952"/>
+            <a:ext cx="986006" cy="677108"/>
+          </a:xfrm>
+          <a:prstGeom prst="rect">
+            <a:avLst/>
+          </a:prstGeom>
+          <a:noFill/>
+          <a:effectLst>
+            <a:outerShdw blurRad="50800" dist="38100" dir="2700000" algn="tl" rotWithShape="0">
+              <a:prstClr val="black">
+                <a:alpha val="40000"/>
+              </a:prstClr>
+            </a:outerShdw>
+          </a:effectLst>
+        </p:spPr>
+        <p:txBody>
+          <a:bodyPr wrap="square" rtlCol="0">
+            <a:spAutoFit/>
+          </a:bodyPr>
+          <a:lstStyle/>
+          <a:p>
+            <a:pPr algn="ctr"/>
+            <a:r>
+              <a:rPr lang="hu-HU" sz="1200" dirty="0"/>
+              <a:t>I. Workshop óta</a:t>
+            </a:r>
+            <a:br>
+              <a:rPr lang="hu-HU" sz="1400" dirty="0"/>
+            </a:br>
+            <a:endParaRPr lang="hu-HU" sz="1400" dirty="0"/>
+          </a:p>
+        </p:txBody>
+      </p:sp>
+      <p:sp>
+        <p:nvSpPr>
+          <p:cNvPr id="6" name="Szövegdoboz 5">
+            <a:extLst>
+              <a:ext uri="{FF2B5EF4-FFF2-40B4-BE49-F238E27FC236}">
+                <a16:creationId xmlns:a16="http://schemas.microsoft.com/office/drawing/2014/main" id="{4C6639A1-B513-47AC-60BB-E0F9209D7145}"/>
+              </a:ext>
+            </a:extLst>
+          </p:cNvPr>
+          <p:cNvSpPr txBox="1"/>
+          <p:nvPr/>
+        </p:nvSpPr>
+        <p:spPr>
+          <a:xfrm>
+            <a:off x="6096000" y="4574589"/>
+            <a:ext cx="1522716" cy="415498"/>
+          </a:xfrm>
+          <a:prstGeom prst="rect">
+            <a:avLst/>
+          </a:prstGeom>
+          <a:noFill/>
+          <a:effectLst>
+            <a:glow rad="1905000">
+              <a:schemeClr val="accent3">
+                <a:satMod val="175000"/>
+                <a:alpha val="40000"/>
+              </a:schemeClr>
+            </a:glow>
+            <a:outerShdw blurRad="50800" dist="38100" dir="2700000" algn="tl" rotWithShape="0">
+              <a:prstClr val="black">
+                <a:alpha val="40000"/>
+              </a:prstClr>
+            </a:outerShdw>
+          </a:effectLst>
+        </p:spPr>
+        <p:txBody>
+          <a:bodyPr wrap="square" rtlCol="0">
+            <a:spAutoFit/>
+          </a:bodyPr>
+          <a:lstStyle/>
+          <a:p>
+            <a:pPr algn="ctr"/>
+            <a:r>
+              <a:rPr lang="hu-HU" sz="1050" dirty="0"/>
+              <a:t>Tervek a </a:t>
+            </a:r>
+          </a:p>
+          <a:p>
+            <a:pPr algn="ctr"/>
+            <a:r>
+              <a:rPr lang="hu-HU" sz="1050" dirty="0"/>
+              <a:t>II. Workshopra</a:t>
+            </a:r>
+          </a:p>
+        </p:txBody>
+      </p:sp>
+      <p:sp>
+        <p:nvSpPr>
+          <p:cNvPr id="7" name="Szövegdoboz 6">
+            <a:extLst>
+              <a:ext uri="{FF2B5EF4-FFF2-40B4-BE49-F238E27FC236}">
+                <a16:creationId xmlns:a16="http://schemas.microsoft.com/office/drawing/2014/main" id="{F6A2216C-077C-6D7F-DC92-F7D1EDC5FE33}"/>
+              </a:ext>
+            </a:extLst>
+          </p:cNvPr>
+          <p:cNvSpPr txBox="1"/>
+          <p:nvPr/>
+        </p:nvSpPr>
+        <p:spPr>
+          <a:xfrm>
+            <a:off x="5715203" y="2528358"/>
+            <a:ext cx="777229" cy="307777"/>
+          </a:xfrm>
+          <a:prstGeom prst="rect">
+            <a:avLst/>
+          </a:prstGeom>
+          <a:noFill/>
+          <a:effectLst>
+            <a:glow rad="1905000">
+              <a:schemeClr val="accent3">
+                <a:satMod val="175000"/>
+                <a:alpha val="40000"/>
+              </a:schemeClr>
+            </a:glow>
+            <a:outerShdw blurRad="50800" dist="38100" dir="2700000" algn="tl" rotWithShape="0">
+              <a:prstClr val="black">
+                <a:alpha val="40000"/>
+              </a:prstClr>
+            </a:outerShdw>
+          </a:effectLst>
+        </p:spPr>
+        <p:txBody>
+          <a:bodyPr wrap="square" rtlCol="0">
+            <a:spAutoFit/>
+          </a:bodyPr>
+          <a:lstStyle/>
+          <a:p>
+            <a:r>
+              <a:rPr lang="hu-HU" sz="1400" dirty="0"/>
+              <a:t>Jelenleg</a:t>
+            </a:r>
+          </a:p>
+        </p:txBody>
+      </p:sp>
+    </p:spTree>
+    <p:extLst>
+      <p:ext uri="{BB962C8B-B14F-4D97-AF65-F5344CB8AC3E}">
+        <p14:creationId xmlns:p14="http://schemas.microsoft.com/office/powerpoint/2010/main" val="2463480344"/>
+      </p:ext>
+    </p:extLst>
+  </p:cSld>
+  <p:clrMapOvr>
+    <a:masterClrMapping/>
+  </p:clrMapOvr>
+  <mc:AlternateContent xmlns:mc="http://schemas.openxmlformats.org/markup-compatibility/2006" xmlns:p159="http://schemas.microsoft.com/office/powerpoint/2015/09/main">
+    <mc:Choice Requires="p159">
+      <p:transition xmlns:p14="http://schemas.microsoft.com/office/powerpoint/2010/main" spd="slow" p14:dur="2000">
+        <p159:morph option="byObject"/>
+      </p:transition>
+    </mc:Choice>
+    <mc:Fallback xmlns="">
+      <p:transition spd="slow">
+        <p:fade/>
+      </p:transition>
+    </mc:Fallback>
+  </mc:AlternateContent>
+</p:sld>
+</file>
+
+<file path=ppt/slides/slide3.xml><?xml version="1.0" encoding="utf-8"?>
+<p:sld xmlns:a="http://schemas.openxmlformats.org/drawingml/2006/main" xmlns:r="http://schemas.openxmlformats.org/officeDocument/2006/relationships" xmlns:p="http://schemas.openxmlformats.org/presentationml/2006/main">
+  <p:cSld>
+    <p:bg>
+      <p:bgPr>
+        <a:solidFill>
+          <a:schemeClr val="bg1"/>
+        </a:solidFill>
+        <a:effectLst/>
+      </p:bgPr>
+    </p:bg>
+    <p:spTree>
+      <p:nvGrpSpPr>
+        <p:cNvPr id="1" name=""/>
+        <p:cNvGrpSpPr/>
+        <p:nvPr/>
+      </p:nvGrpSpPr>
+      <p:grpSpPr>
+        <a:xfrm>
+          <a:off x="0" y="0"/>
+          <a:ext cx="0" cy="0"/>
+          <a:chOff x="0" y="0"/>
+          <a:chExt cx="0" cy="0"/>
+        </a:xfrm>
+      </p:grpSpPr>
+      <p:sp>
+        <p:nvSpPr>
+          <p:cNvPr id="7" name="Rectangle 6">
+            <a:extLst>
+              <a:ext uri="{FF2B5EF4-FFF2-40B4-BE49-F238E27FC236}">
+                <a16:creationId xmlns:a16="http://schemas.microsoft.com/office/drawing/2014/main" id="{42A4FC2C-047E-45A5-965D-8E1E3BF09BC6}"/>
+              </a:ext>
+              <a:ext uri="{C183D7F6-B498-43B3-948B-1728B52AA6E4}">
+                <adec:decorative xmlns:adec="http://schemas.microsoft.com/office/drawing/2017/decorative" val="1"/>
+              </a:ext>
+            </a:extLst>
+          </p:cNvPr>
+          <p:cNvSpPr>
+            <a:spLocks noGrp="1" noRot="1" noChangeAspect="1" noMove="1" noResize="1" noEditPoints="1" noAdjustHandles="1" noChangeArrowheads="1" noChangeShapeType="1" noTextEdit="1"/>
+          </p:cNvSpPr>
+          <p:nvPr>
+            <p:extLst>
+              <p:ext uri="{386F3935-93C4-4BCD-93E2-E3B085C9AB24}">
+                <p16:designElem xmlns:p16="http://schemas.microsoft.com/office/powerpoint/2015/main" val="1"/>
+              </p:ext>
+            </p:extLst>
+          </p:nvPr>
+        </p:nvSpPr>
+        <p:spPr bwMode="white">
+          <a:xfrm>
+            <a:off x="1524" y="0"/>
+            <a:ext cx="12188952" cy="6858000"/>
+          </a:xfrm>
+          <a:prstGeom prst="rect">
+            <a:avLst/>
+          </a:prstGeom>
+          <a:noFill/>
+          <a:ln>
+            <a:noFill/>
+          </a:ln>
+        </p:spPr>
+        <p:style>
+          <a:lnRef idx="2">
+            <a:schemeClr val="accent1">
+              <a:shade val="50000"/>
+            </a:schemeClr>
+          </a:lnRef>
+          <a:fillRef idx="1">
+            <a:schemeClr val="accent1"/>
+          </a:fillRef>
+          <a:effectRef idx="0">
+            <a:schemeClr val="accent1"/>
+          </a:effectRef>
+          <a:fontRef idx="minor">
+            <a:schemeClr val="lt1"/>
+          </a:fontRef>
+        </p:style>
+        <p:txBody>
+          <a:bodyPr rtlCol="0" anchor="ctr"/>
+          <a:lstStyle>
+            <a:defPPr>
+              <a:defRPr lang="en-US"/>
+            </a:defPPr>
+            <a:lvl1pPr marL="0" algn="l" defTabSz="914400" rtl="0" eaLnBrk="1" latinLnBrk="0" hangingPunct="1">
+              <a:defRPr sz="1800" kern="1200">
+                <a:solidFill>
+                  <a:schemeClr val="lt1"/>
+                </a:solidFill>
+                <a:latin typeface="+mn-lt"/>
+                <a:ea typeface="+mn-ea"/>
+                <a:cs typeface="+mn-cs"/>
+              </a:defRPr>
+            </a:lvl1pPr>
+            <a:lvl2pPr marL="457200" algn="l" defTabSz="914400" rtl="0" eaLnBrk="1" latinLnBrk="0" hangingPunct="1">
+              <a:defRPr sz="1800" kern="1200">
+                <a:solidFill>
+                  <a:schemeClr val="lt1"/>
+                </a:solidFill>
+                <a:latin typeface="+mn-lt"/>
+                <a:ea typeface="+mn-ea"/>
+                <a:cs typeface="+mn-cs"/>
+              </a:defRPr>
+            </a:lvl2pPr>
+            <a:lvl3pPr marL="914400" algn="l" defTabSz="914400" rtl="0" eaLnBrk="1" latinLnBrk="0" hangingPunct="1">
+              <a:defRPr sz="1800" kern="1200">
+                <a:solidFill>
+                  <a:schemeClr val="lt1"/>
+                </a:solidFill>
+                <a:latin typeface="+mn-lt"/>
+                <a:ea typeface="+mn-ea"/>
+                <a:cs typeface="+mn-cs"/>
+              </a:defRPr>
+            </a:lvl3pPr>
+            <a:lvl4pPr marL="1371600" algn="l" defTabSz="914400" rtl="0" eaLnBrk="1" latinLnBrk="0" hangingPunct="1">
+              <a:defRPr sz="1800" kern="1200">
+                <a:solidFill>
+                  <a:schemeClr val="lt1"/>
+                </a:solidFill>
+                <a:latin typeface="+mn-lt"/>
+                <a:ea typeface="+mn-ea"/>
+                <a:cs typeface="+mn-cs"/>
+              </a:defRPr>
+            </a:lvl4pPr>
+            <a:lvl5pPr marL="1828800" algn="l" defTabSz="914400" rtl="0" eaLnBrk="1" latinLnBrk="0" hangingPunct="1">
+              <a:defRPr sz="1800" kern="1200">
+                <a:solidFill>
+                  <a:schemeClr val="lt1"/>
+                </a:solidFill>
+                <a:latin typeface="+mn-lt"/>
+                <a:ea typeface="+mn-ea"/>
+                <a:cs typeface="+mn-cs"/>
+              </a:defRPr>
+            </a:lvl5pPr>
+            <a:lvl6pPr marL="2286000" algn="l" defTabSz="914400" rtl="0" eaLnBrk="1" latinLnBrk="0" hangingPunct="1">
+              <a:defRPr sz="1800" kern="1200">
+                <a:solidFill>
+                  <a:schemeClr val="lt1"/>
+                </a:solidFill>
+                <a:latin typeface="+mn-lt"/>
+                <a:ea typeface="+mn-ea"/>
+                <a:cs typeface="+mn-cs"/>
+              </a:defRPr>
+            </a:lvl6pPr>
+            <a:lvl7pPr marL="2743200" algn="l" defTabSz="914400" rtl="0" eaLnBrk="1" latinLnBrk="0" hangingPunct="1">
+              <a:defRPr sz="1800" kern="1200">
+                <a:solidFill>
+                  <a:schemeClr val="lt1"/>
+                </a:solidFill>
+                <a:latin typeface="+mn-lt"/>
+                <a:ea typeface="+mn-ea"/>
+                <a:cs typeface="+mn-cs"/>
+              </a:defRPr>
+            </a:lvl7pPr>
+            <a:lvl8pPr marL="3200400" algn="l" defTabSz="914400" rtl="0" eaLnBrk="1" latinLnBrk="0" hangingPunct="1">
+              <a:defRPr sz="1800" kern="1200">
+                <a:solidFill>
+                  <a:schemeClr val="lt1"/>
+                </a:solidFill>
+                <a:latin typeface="+mn-lt"/>
+                <a:ea typeface="+mn-ea"/>
+                <a:cs typeface="+mn-cs"/>
+              </a:defRPr>
+            </a:lvl8pPr>
+            <a:lvl9pPr marL="3657600" algn="l" defTabSz="914400" rtl="0" eaLnBrk="1" latinLnBrk="0" hangingPunct="1">
+              <a:defRPr sz="1800" kern="1200">
+                <a:solidFill>
+                  <a:schemeClr val="lt1"/>
+                </a:solidFill>
+                <a:latin typeface="+mn-lt"/>
+                <a:ea typeface="+mn-ea"/>
+                <a:cs typeface="+mn-cs"/>
+              </a:defRPr>
+            </a:lvl9pPr>
+          </a:lstStyle>
+          <a:p>
+            <a:pPr algn="ctr"/>
+            <a:endParaRPr lang="en-US"/>
+          </a:p>
+        </p:txBody>
+      </p:sp>
       <p:pic>
         <p:nvPicPr>
-          <p:cNvPr id="54" name="Kép 53" descr="A képen Betűtípus, Grafika, embléma, Grafikus tervezés látható&#10;&#10;Automatikusan generált leírás">
-            <a:extLst>
-              <a:ext uri="{FF2B5EF4-FFF2-40B4-BE49-F238E27FC236}">
-                <a16:creationId xmlns:a16="http://schemas.microsoft.com/office/drawing/2014/main" id="{E7B3E0B7-16EA-923F-C575-AD1406461C29}"/>
+          <p:cNvPr id="2" name="Kép 1" descr="A képen szöveg, minta, fekete-fehér, levél látható&#10;&#10;Automatikusan generált leírás">
+            <a:extLst>
+              <a:ext uri="{FF2B5EF4-FFF2-40B4-BE49-F238E27FC236}">
+                <a16:creationId xmlns:a16="http://schemas.microsoft.com/office/drawing/2014/main" id="{D2BF74D3-9630-74BC-B459-5594957B97AF}"/>
               </a:ext>
             </a:extLst>
           </p:cNvPr>
@@ -4371,32 +7221,235 @@
           </p:cNvPicPr>
           <p:nvPr/>
         </p:nvPicPr>
-        <p:blipFill>
-          <a:blip r:embed="rId5">
+        <p:blipFill rotWithShape="1">
+          <a:blip r:embed="rId2">
             <a:extLst>
               <a:ext uri="{28A0092B-C50C-407E-A947-70E740481C1C}">
                 <a14:useLocalDpi xmlns:a14="http://schemas.microsoft.com/office/drawing/2010/main" val="0"/>
               </a:ext>
             </a:extLst>
           </a:blip>
+          <a:srcRect b="19"/>
+          <a:stretch/>
+        </p:blipFill>
+        <p:spPr>
+          <a:xfrm>
+            <a:off x="20" y="1282"/>
+            <a:ext cx="12191980" cy="6856718"/>
+          </a:xfrm>
+          <a:prstGeom prst="rect">
+            <a:avLst/>
+          </a:prstGeom>
+        </p:spPr>
+      </p:pic>
+      <p:sp>
+        <p:nvSpPr>
+          <p:cNvPr id="3" name="Szövegdoboz 2">
+            <a:extLst>
+              <a:ext uri="{FF2B5EF4-FFF2-40B4-BE49-F238E27FC236}">
+                <a16:creationId xmlns:a16="http://schemas.microsoft.com/office/drawing/2014/main" id="{B8D2D5AC-AB70-70B4-1CB7-BCE62E1481D2}"/>
+              </a:ext>
+            </a:extLst>
+          </p:cNvPr>
+          <p:cNvSpPr txBox="1"/>
+          <p:nvPr/>
+        </p:nvSpPr>
+        <p:spPr>
+          <a:xfrm>
+            <a:off x="3179160" y="351234"/>
+            <a:ext cx="5833680" cy="3077766"/>
+          </a:xfrm>
+          <a:prstGeom prst="rect">
+            <a:avLst/>
+          </a:prstGeom>
+          <a:noFill/>
+          <a:effectLst>
+            <a:outerShdw blurRad="50800" dist="38100" dir="2700000" algn="tl" rotWithShape="0">
+              <a:prstClr val="black">
+                <a:alpha val="40000"/>
+              </a:prstClr>
+            </a:outerShdw>
+          </a:effectLst>
+        </p:spPr>
+        <p:txBody>
+          <a:bodyPr wrap="square" rtlCol="0">
+            <a:spAutoFit/>
+          </a:bodyPr>
+          <a:lstStyle/>
+          <a:p>
+            <a:pPr algn="ctr"/>
+            <a:r>
+              <a:rPr lang="hu-HU" sz="8800" dirty="0"/>
+              <a:t>I. Workshop óta</a:t>
+            </a:r>
+            <a:br>
+              <a:rPr lang="hu-HU" dirty="0"/>
+            </a:br>
+            <a:endParaRPr lang="hu-HU" dirty="0"/>
+          </a:p>
+        </p:txBody>
+      </p:sp>
+      <p:pic>
+        <p:nvPicPr>
+          <p:cNvPr id="5" name="Kép 4">
+            <a:extLst>
+              <a:ext uri="{FF2B5EF4-FFF2-40B4-BE49-F238E27FC236}">
+                <a16:creationId xmlns:a16="http://schemas.microsoft.com/office/drawing/2014/main" id="{690E3C10-B62D-0826-DE42-04D0C088A77E}"/>
+              </a:ext>
+            </a:extLst>
+          </p:cNvPr>
+          <p:cNvPicPr>
+            <a:picLocks noChangeAspect="1"/>
+          </p:cNvPicPr>
+          <p:nvPr/>
+        </p:nvPicPr>
+        <p:blipFill>
+          <a:blip r:embed="rId3"/>
           <a:stretch>
             <a:fillRect/>
           </a:stretch>
         </p:blipFill>
         <p:spPr>
           <a:xfrm>
-            <a:off x="8964575" y="3447618"/>
-            <a:ext cx="1841688" cy="1167899"/>
+            <a:off x="-777765" y="1203392"/>
+            <a:ext cx="12192000" cy="5151120"/>
           </a:xfrm>
           <a:prstGeom prst="rect">
             <a:avLst/>
           </a:prstGeom>
         </p:spPr>
       </p:pic>
+      <p:sp>
+        <p:nvSpPr>
+          <p:cNvPr id="6" name="Szövegdoboz 5">
+            <a:extLst>
+              <a:ext uri="{FF2B5EF4-FFF2-40B4-BE49-F238E27FC236}">
+                <a16:creationId xmlns:a16="http://schemas.microsoft.com/office/drawing/2014/main" id="{67965464-28BA-DE65-DB80-B2762214D84C}"/>
+              </a:ext>
+            </a:extLst>
+          </p:cNvPr>
+          <p:cNvSpPr txBox="1"/>
+          <p:nvPr/>
+        </p:nvSpPr>
+        <p:spPr>
+          <a:xfrm>
+            <a:off x="0" y="3363454"/>
+            <a:ext cx="2247900" cy="1754326"/>
+          </a:xfrm>
+          <a:prstGeom prst="rect">
+            <a:avLst/>
+          </a:prstGeom>
+          <a:noFill/>
+          <a:effectLst>
+            <a:outerShdw blurRad="50800" dist="38100" dir="2700000" algn="tl" rotWithShape="0">
+              <a:prstClr val="black">
+                <a:alpha val="40000"/>
+              </a:prstClr>
+            </a:outerShdw>
+          </a:effectLst>
+        </p:spPr>
+        <p:txBody>
+          <a:bodyPr wrap="square" rtlCol="0">
+            <a:spAutoFit/>
+          </a:bodyPr>
+          <a:lstStyle/>
+          <a:p>
+            <a:r>
+              <a:rPr lang="hu-HU" sz="5400" dirty="0" err="1"/>
+              <a:t>Teknológiák</a:t>
+            </a:r>
+            <a:endParaRPr lang="hu-HU" sz="5400" dirty="0"/>
+          </a:p>
+        </p:txBody>
+      </p:sp>
+      <p:sp>
+        <p:nvSpPr>
+          <p:cNvPr id="9" name="Szövegdoboz 8">
+            <a:extLst>
+              <a:ext uri="{FF2B5EF4-FFF2-40B4-BE49-F238E27FC236}">
+                <a16:creationId xmlns:a16="http://schemas.microsoft.com/office/drawing/2014/main" id="{A1726785-17D7-31F2-DDDE-50AADCDD50D0}"/>
+              </a:ext>
+            </a:extLst>
+          </p:cNvPr>
+          <p:cNvSpPr txBox="1"/>
+          <p:nvPr/>
+        </p:nvSpPr>
+        <p:spPr>
+          <a:xfrm>
+            <a:off x="5054600" y="5654608"/>
+            <a:ext cx="2306583" cy="923330"/>
+          </a:xfrm>
+          <a:prstGeom prst="rect">
+            <a:avLst/>
+          </a:prstGeom>
+          <a:noFill/>
+          <a:effectLst>
+            <a:outerShdw blurRad="50800" dist="38100" dir="2700000" algn="tl" rotWithShape="0">
+              <a:prstClr val="black">
+                <a:alpha val="40000"/>
+              </a:prstClr>
+            </a:outerShdw>
+          </a:effectLst>
+        </p:spPr>
+        <p:txBody>
+          <a:bodyPr wrap="square" rtlCol="0">
+            <a:spAutoFit/>
+          </a:bodyPr>
+          <a:lstStyle/>
+          <a:p>
+            <a:r>
+              <a:rPr lang="hu-HU" sz="5400" dirty="0"/>
+              <a:t>ilyenek</a:t>
+            </a:r>
+          </a:p>
+        </p:txBody>
+      </p:sp>
+      <p:sp>
+        <p:nvSpPr>
+          <p:cNvPr id="10" name="Szövegdoboz 9">
+            <a:extLst>
+              <a:ext uri="{FF2B5EF4-FFF2-40B4-BE49-F238E27FC236}">
+                <a16:creationId xmlns:a16="http://schemas.microsoft.com/office/drawing/2014/main" id="{F379114F-E353-D2FC-52B8-A0B584F0C65D}"/>
+              </a:ext>
+            </a:extLst>
+          </p:cNvPr>
+          <p:cNvSpPr txBox="1"/>
+          <p:nvPr/>
+        </p:nvSpPr>
+        <p:spPr>
+          <a:xfrm>
+            <a:off x="10086845" y="3778952"/>
+            <a:ext cx="2460735" cy="923330"/>
+          </a:xfrm>
+          <a:prstGeom prst="rect">
+            <a:avLst/>
+          </a:prstGeom>
+          <a:noFill/>
+          <a:effectLst>
+            <a:outerShdw blurRad="50800" dist="38100" dir="2700000" algn="tl" rotWithShape="0">
+              <a:prstClr val="black">
+                <a:alpha val="40000"/>
+              </a:prstClr>
+            </a:outerShdw>
+          </a:effectLst>
+        </p:spPr>
+        <p:txBody>
+          <a:bodyPr wrap="square" rtlCol="0">
+            <a:spAutoFit/>
+          </a:bodyPr>
+          <a:lstStyle/>
+          <a:p>
+            <a:r>
+              <a:rPr lang="hu-HU" sz="5400" dirty="0"/>
+              <a:t>fejlődés</a:t>
+            </a:r>
+          </a:p>
+        </p:txBody>
+      </p:sp>
     </p:spTree>
     <p:extLst>
       <p:ext uri="{BB962C8B-B14F-4D97-AF65-F5344CB8AC3E}">
-        <p14:creationId xmlns:p14="http://schemas.microsoft.com/office/powerpoint/2010/main" val="2463480344"/>
+        <p14:creationId xmlns:p14="http://schemas.microsoft.com/office/powerpoint/2010/main" val="3523773982"/>
       </p:ext>
     </p:extLst>
   </p:cSld>
@@ -4410,6 +7463,2126 @@
       </p:transition>
     </mc:Choice>
     <mc:Fallback>
+      <p:transition spd="slow">
+        <p:fade/>
+      </p:transition>
+    </mc:Fallback>
+  </mc:AlternateContent>
+</p:sld>
+</file>
+
+<file path=ppt/slides/slide4.xml><?xml version="1.0" encoding="utf-8"?>
+<p:sld xmlns:a="http://schemas.openxmlformats.org/drawingml/2006/main" xmlns:r="http://schemas.openxmlformats.org/officeDocument/2006/relationships" xmlns:p="http://schemas.openxmlformats.org/presentationml/2006/main">
+  <p:cSld>
+    <p:spTree>
+      <p:nvGrpSpPr>
+        <p:cNvPr id="1" name=""/>
+        <p:cNvGrpSpPr/>
+        <p:nvPr/>
+      </p:nvGrpSpPr>
+      <p:grpSpPr>
+        <a:xfrm>
+          <a:off x="0" y="0"/>
+          <a:ext cx="0" cy="0"/>
+          <a:chOff x="0" y="0"/>
+          <a:chExt cx="0" cy="0"/>
+        </a:xfrm>
+      </p:grpSpPr>
+      <p:sp>
+        <p:nvSpPr>
+          <p:cNvPr id="2" name="Cím 1">
+            <a:extLst>
+              <a:ext uri="{FF2B5EF4-FFF2-40B4-BE49-F238E27FC236}">
+                <a16:creationId xmlns:a16="http://schemas.microsoft.com/office/drawing/2014/main" id="{1A9EAB10-6D87-7A7A-10EE-AFFF5BDA918C}"/>
+              </a:ext>
+            </a:extLst>
+          </p:cNvPr>
+          <p:cNvSpPr>
+            <a:spLocks noGrp="1"/>
+          </p:cNvSpPr>
+          <p:nvPr>
+            <p:ph type="title"/>
+          </p:nvPr>
+        </p:nvSpPr>
+        <p:spPr/>
+        <p:txBody>
+          <a:bodyPr/>
+          <a:lstStyle/>
+          <a:p>
+            <a:endParaRPr lang="hu-HU"/>
+          </a:p>
+        </p:txBody>
+      </p:sp>
+      <p:sp>
+        <p:nvSpPr>
+          <p:cNvPr id="3" name="Tartalom helye 2">
+            <a:extLst>
+              <a:ext uri="{FF2B5EF4-FFF2-40B4-BE49-F238E27FC236}">
+                <a16:creationId xmlns:a16="http://schemas.microsoft.com/office/drawing/2014/main" id="{A62FF697-3A13-A1C7-9B03-F3A440F3C8E3}"/>
+              </a:ext>
+            </a:extLst>
+          </p:cNvPr>
+          <p:cNvSpPr>
+            <a:spLocks noGrp="1"/>
+          </p:cNvSpPr>
+          <p:nvPr>
+            <p:ph idx="1"/>
+          </p:nvPr>
+        </p:nvSpPr>
+        <p:spPr/>
+        <p:txBody>
+          <a:bodyPr/>
+          <a:lstStyle/>
+          <a:p>
+            <a:endParaRPr lang="hu-HU"/>
+          </a:p>
+        </p:txBody>
+      </p:sp>
+      <p:pic>
+        <p:nvPicPr>
+          <p:cNvPr id="5" name="Kép 4">
+            <a:extLst>
+              <a:ext uri="{FF2B5EF4-FFF2-40B4-BE49-F238E27FC236}">
+                <a16:creationId xmlns:a16="http://schemas.microsoft.com/office/drawing/2014/main" id="{B4A6F224-F213-D1B5-7D1A-FA40337B22FE}"/>
+              </a:ext>
+            </a:extLst>
+          </p:cNvPr>
+          <p:cNvPicPr>
+            <a:picLocks noChangeAspect="1"/>
+          </p:cNvPicPr>
+          <p:nvPr/>
+        </p:nvPicPr>
+        <p:blipFill>
+          <a:blip r:embed="rId2"/>
+          <a:stretch>
+            <a:fillRect/>
+          </a:stretch>
+        </p:blipFill>
+        <p:spPr>
+          <a:xfrm>
+            <a:off x="1" y="0"/>
+            <a:ext cx="12192000" cy="6858000"/>
+          </a:xfrm>
+          <a:prstGeom prst="rect">
+            <a:avLst/>
+          </a:prstGeom>
+        </p:spPr>
+      </p:pic>
+    </p:spTree>
+    <p:extLst>
+      <p:ext uri="{BB962C8B-B14F-4D97-AF65-F5344CB8AC3E}">
+        <p14:creationId xmlns:p14="http://schemas.microsoft.com/office/powerpoint/2010/main" val="1180249363"/>
+      </p:ext>
+    </p:extLst>
+  </p:cSld>
+  <p:clrMapOvr>
+    <a:masterClrMapping/>
+  </p:clrMapOvr>
+  <p:transition spd="slow">
+    <p:push dir="r"/>
+  </p:transition>
+</p:sld>
+</file>
+
+<file path=ppt/slides/slide5.xml><?xml version="1.0" encoding="utf-8"?>
+<p:sld xmlns:a="http://schemas.openxmlformats.org/drawingml/2006/main" xmlns:r="http://schemas.openxmlformats.org/officeDocument/2006/relationships" xmlns:p="http://schemas.openxmlformats.org/presentationml/2006/main">
+  <p:cSld>
+    <p:spTree>
+      <p:nvGrpSpPr>
+        <p:cNvPr id="1" name=""/>
+        <p:cNvGrpSpPr/>
+        <p:nvPr/>
+      </p:nvGrpSpPr>
+      <p:grpSpPr>
+        <a:xfrm>
+          <a:off x="0" y="0"/>
+          <a:ext cx="0" cy="0"/>
+          <a:chOff x="0" y="0"/>
+          <a:chExt cx="0" cy="0"/>
+        </a:xfrm>
+      </p:grpSpPr>
+      <p:pic>
+        <p:nvPicPr>
+          <p:cNvPr id="2" name="Kép 1" descr="A képen szöveg, minta, fekete-fehér, levél látható&#10;&#10;Automatikusan generált leírás">
+            <a:extLst>
+              <a:ext uri="{FF2B5EF4-FFF2-40B4-BE49-F238E27FC236}">
+                <a16:creationId xmlns:a16="http://schemas.microsoft.com/office/drawing/2014/main" id="{D2BF74D3-9630-74BC-B459-5594957B97AF}"/>
+              </a:ext>
+            </a:extLst>
+          </p:cNvPr>
+          <p:cNvPicPr>
+            <a:picLocks noChangeAspect="1"/>
+          </p:cNvPicPr>
+          <p:nvPr/>
+        </p:nvPicPr>
+        <p:blipFill rotWithShape="1">
+          <a:blip r:embed="rId2">
+            <a:extLst>
+              <a:ext uri="{28A0092B-C50C-407E-A947-70E740481C1C}">
+                <a14:useLocalDpi xmlns:a14="http://schemas.microsoft.com/office/drawing/2010/main" val="0"/>
+              </a:ext>
+            </a:extLst>
+          </a:blip>
+          <a:srcRect b="19"/>
+          <a:stretch/>
+        </p:blipFill>
+        <p:spPr>
+          <a:xfrm>
+            <a:off x="20" y="1282"/>
+            <a:ext cx="12191980" cy="6856718"/>
+          </a:xfrm>
+          <a:prstGeom prst="rect">
+            <a:avLst/>
+          </a:prstGeom>
+        </p:spPr>
+      </p:pic>
+      <p:sp>
+        <p:nvSpPr>
+          <p:cNvPr id="3" name="Szövegdoboz 2">
+            <a:extLst>
+              <a:ext uri="{FF2B5EF4-FFF2-40B4-BE49-F238E27FC236}">
+                <a16:creationId xmlns:a16="http://schemas.microsoft.com/office/drawing/2014/main" id="{B8D2D5AC-AB70-70B4-1CB7-BCE62E1481D2}"/>
+              </a:ext>
+            </a:extLst>
+          </p:cNvPr>
+          <p:cNvSpPr txBox="1"/>
+          <p:nvPr/>
+        </p:nvSpPr>
+        <p:spPr>
+          <a:xfrm>
+            <a:off x="3179160" y="351234"/>
+            <a:ext cx="5833680" cy="3077766"/>
+          </a:xfrm>
+          <a:prstGeom prst="rect">
+            <a:avLst/>
+          </a:prstGeom>
+          <a:noFill/>
+          <a:effectLst>
+            <a:outerShdw blurRad="50800" dist="38100" dir="2700000" algn="tl" rotWithShape="0">
+              <a:prstClr val="black">
+                <a:alpha val="40000"/>
+              </a:prstClr>
+            </a:outerShdw>
+          </a:effectLst>
+        </p:spPr>
+        <p:txBody>
+          <a:bodyPr wrap="square" rtlCol="0">
+            <a:spAutoFit/>
+          </a:bodyPr>
+          <a:lstStyle/>
+          <a:p>
+            <a:pPr algn="ctr"/>
+            <a:r>
+              <a:rPr lang="hu-HU" sz="8800" dirty="0"/>
+              <a:t>I. Workshop óta</a:t>
+            </a:r>
+            <a:br>
+              <a:rPr lang="hu-HU" dirty="0"/>
+            </a:br>
+            <a:endParaRPr lang="hu-HU" dirty="0"/>
+          </a:p>
+        </p:txBody>
+      </p:sp>
+      <p:pic>
+        <p:nvPicPr>
+          <p:cNvPr id="5" name="Kép 4">
+            <a:extLst>
+              <a:ext uri="{FF2B5EF4-FFF2-40B4-BE49-F238E27FC236}">
+                <a16:creationId xmlns:a16="http://schemas.microsoft.com/office/drawing/2014/main" id="{690E3C10-B62D-0826-DE42-04D0C088A77E}"/>
+              </a:ext>
+            </a:extLst>
+          </p:cNvPr>
+          <p:cNvPicPr>
+            <a:picLocks noChangeAspect="1"/>
+          </p:cNvPicPr>
+          <p:nvPr/>
+        </p:nvPicPr>
+        <p:blipFill>
+          <a:blip r:embed="rId3"/>
+          <a:stretch>
+            <a:fillRect/>
+          </a:stretch>
+        </p:blipFill>
+        <p:spPr>
+          <a:xfrm>
+            <a:off x="-777765" y="1203392"/>
+            <a:ext cx="12192000" cy="5151120"/>
+          </a:xfrm>
+          <a:prstGeom prst="rect">
+            <a:avLst/>
+          </a:prstGeom>
+        </p:spPr>
+      </p:pic>
+      <p:sp>
+        <p:nvSpPr>
+          <p:cNvPr id="6" name="Szövegdoboz 5">
+            <a:extLst>
+              <a:ext uri="{FF2B5EF4-FFF2-40B4-BE49-F238E27FC236}">
+                <a16:creationId xmlns:a16="http://schemas.microsoft.com/office/drawing/2014/main" id="{67965464-28BA-DE65-DB80-B2762214D84C}"/>
+              </a:ext>
+            </a:extLst>
+          </p:cNvPr>
+          <p:cNvSpPr txBox="1"/>
+          <p:nvPr/>
+        </p:nvSpPr>
+        <p:spPr>
+          <a:xfrm>
+            <a:off x="355600" y="3778952"/>
+            <a:ext cx="1892300" cy="923330"/>
+          </a:xfrm>
+          <a:prstGeom prst="rect">
+            <a:avLst/>
+          </a:prstGeom>
+          <a:noFill/>
+          <a:effectLst>
+            <a:outerShdw blurRad="50800" dist="38100" dir="2700000" algn="tl" rotWithShape="0">
+              <a:prstClr val="black">
+                <a:alpha val="40000"/>
+              </a:prstClr>
+            </a:outerShdw>
+          </a:effectLst>
+        </p:spPr>
+        <p:txBody>
+          <a:bodyPr wrap="square" rtlCol="0">
+            <a:spAutoFit/>
+          </a:bodyPr>
+          <a:lstStyle/>
+          <a:p>
+            <a:r>
+              <a:rPr lang="hu-HU" sz="5400" dirty="0"/>
+              <a:t>Trello</a:t>
+            </a:r>
+          </a:p>
+        </p:txBody>
+      </p:sp>
+      <p:sp>
+        <p:nvSpPr>
+          <p:cNvPr id="4" name="Szövegdoboz 3">
+            <a:extLst>
+              <a:ext uri="{FF2B5EF4-FFF2-40B4-BE49-F238E27FC236}">
+                <a16:creationId xmlns:a16="http://schemas.microsoft.com/office/drawing/2014/main" id="{60BC2911-570C-4B4E-6CCD-E8DE875E20AE}"/>
+              </a:ext>
+            </a:extLst>
+          </p:cNvPr>
+          <p:cNvSpPr txBox="1"/>
+          <p:nvPr/>
+        </p:nvSpPr>
+        <p:spPr>
+          <a:xfrm>
+            <a:off x="10086845" y="3778952"/>
+            <a:ext cx="2460735" cy="923330"/>
+          </a:xfrm>
+          <a:prstGeom prst="rect">
+            <a:avLst/>
+          </a:prstGeom>
+          <a:noFill/>
+          <a:effectLst>
+            <a:outerShdw blurRad="50800" dist="38100" dir="2700000" algn="tl" rotWithShape="0">
+              <a:prstClr val="black">
+                <a:alpha val="40000"/>
+              </a:prstClr>
+            </a:outerShdw>
+          </a:effectLst>
+        </p:spPr>
+        <p:txBody>
+          <a:bodyPr wrap="square" rtlCol="0">
+            <a:spAutoFit/>
+          </a:bodyPr>
+          <a:lstStyle/>
+          <a:p>
+            <a:r>
+              <a:rPr lang="hu-HU" sz="5400" dirty="0"/>
+              <a:t>Github</a:t>
+            </a:r>
+          </a:p>
+        </p:txBody>
+      </p:sp>
+      <p:sp>
+        <p:nvSpPr>
+          <p:cNvPr id="8" name="Szövegdoboz 7">
+            <a:extLst>
+              <a:ext uri="{FF2B5EF4-FFF2-40B4-BE49-F238E27FC236}">
+                <a16:creationId xmlns:a16="http://schemas.microsoft.com/office/drawing/2014/main" id="{ED276B81-5170-5F94-6545-781EE853CF35}"/>
+              </a:ext>
+            </a:extLst>
+          </p:cNvPr>
+          <p:cNvSpPr txBox="1"/>
+          <p:nvPr/>
+        </p:nvSpPr>
+        <p:spPr>
+          <a:xfrm>
+            <a:off x="5430783" y="5583436"/>
+            <a:ext cx="1930400" cy="923330"/>
+          </a:xfrm>
+          <a:prstGeom prst="rect">
+            <a:avLst/>
+          </a:prstGeom>
+          <a:noFill/>
+          <a:effectLst>
+            <a:outerShdw blurRad="50800" dist="38100" dir="2700000" algn="tl" rotWithShape="0">
+              <a:prstClr val="black">
+                <a:alpha val="40000"/>
+              </a:prstClr>
+            </a:outerShdw>
+          </a:effectLst>
+        </p:spPr>
+        <p:txBody>
+          <a:bodyPr wrap="square" rtlCol="0">
+            <a:spAutoFit/>
+          </a:bodyPr>
+          <a:lstStyle/>
+          <a:p>
+            <a:r>
+              <a:rPr lang="hu-HU" sz="5400" dirty="0"/>
+              <a:t>PPT</a:t>
+            </a:r>
+          </a:p>
+        </p:txBody>
+      </p:sp>
+    </p:spTree>
+    <p:extLst>
+      <p:ext uri="{BB962C8B-B14F-4D97-AF65-F5344CB8AC3E}">
+        <p14:creationId xmlns:p14="http://schemas.microsoft.com/office/powerpoint/2010/main" val="640779257"/>
+      </p:ext>
+    </p:extLst>
+  </p:cSld>
+  <p:clrMapOvr>
+    <a:masterClrMapping/>
+  </p:clrMapOvr>
+  <p:transition spd="slow">
+    <p:push/>
+  </p:transition>
+</p:sld>
+</file>
+
+<file path=ppt/slides/slide6.xml><?xml version="1.0" encoding="utf-8"?>
+<p:sld xmlns:a="http://schemas.openxmlformats.org/drawingml/2006/main" xmlns:r="http://schemas.openxmlformats.org/officeDocument/2006/relationships" xmlns:p="http://schemas.openxmlformats.org/presentationml/2006/main">
+  <p:cSld>
+    <p:bg>
+      <p:bgPr>
+        <a:solidFill>
+          <a:schemeClr val="bg1"/>
+        </a:solidFill>
+        <a:effectLst/>
+      </p:bgPr>
+    </p:bg>
+    <p:spTree>
+      <p:nvGrpSpPr>
+        <p:cNvPr id="1" name=""/>
+        <p:cNvGrpSpPr/>
+        <p:nvPr/>
+      </p:nvGrpSpPr>
+      <p:grpSpPr>
+        <a:xfrm>
+          <a:off x="0" y="0"/>
+          <a:ext cx="0" cy="0"/>
+          <a:chOff x="0" y="0"/>
+          <a:chExt cx="0" cy="0"/>
+        </a:xfrm>
+      </p:grpSpPr>
+      <p:sp>
+        <p:nvSpPr>
+          <p:cNvPr id="17" name="Rectangle 16">
+            <a:extLst>
+              <a:ext uri="{FF2B5EF4-FFF2-40B4-BE49-F238E27FC236}">
+                <a16:creationId xmlns:a16="http://schemas.microsoft.com/office/drawing/2014/main" id="{42A4FC2C-047E-45A5-965D-8E1E3BF09BC6}"/>
+              </a:ext>
+              <a:ext uri="{C183D7F6-B498-43B3-948B-1728B52AA6E4}">
+                <adec:decorative xmlns:adec="http://schemas.microsoft.com/office/drawing/2017/decorative" val="1"/>
+              </a:ext>
+            </a:extLst>
+          </p:cNvPr>
+          <p:cNvSpPr>
+            <a:spLocks noGrp="1" noRot="1" noChangeAspect="1" noMove="1" noResize="1" noEditPoints="1" noAdjustHandles="1" noChangeArrowheads="1" noChangeShapeType="1" noTextEdit="1"/>
+          </p:cNvSpPr>
+          <p:nvPr>
+            <p:extLst>
+              <p:ext uri="{386F3935-93C4-4BCD-93E2-E3B085C9AB24}">
+                <p16:designElem xmlns:p16="http://schemas.microsoft.com/office/powerpoint/2015/main" val="1"/>
+              </p:ext>
+            </p:extLst>
+          </p:nvPr>
+        </p:nvSpPr>
+        <p:spPr bwMode="white">
+          <a:xfrm>
+            <a:off x="1524" y="0"/>
+            <a:ext cx="12188952" cy="6858000"/>
+          </a:xfrm>
+          <a:prstGeom prst="rect">
+            <a:avLst/>
+          </a:prstGeom>
+          <a:noFill/>
+          <a:ln>
+            <a:noFill/>
+          </a:ln>
+        </p:spPr>
+        <p:style>
+          <a:lnRef idx="2">
+            <a:schemeClr val="accent1">
+              <a:shade val="50000"/>
+            </a:schemeClr>
+          </a:lnRef>
+          <a:fillRef idx="1">
+            <a:schemeClr val="accent1"/>
+          </a:fillRef>
+          <a:effectRef idx="0">
+            <a:schemeClr val="accent1"/>
+          </a:effectRef>
+          <a:fontRef idx="minor">
+            <a:schemeClr val="lt1"/>
+          </a:fontRef>
+        </p:style>
+        <p:txBody>
+          <a:bodyPr rtlCol="0" anchor="ctr"/>
+          <a:lstStyle>
+            <a:defPPr>
+              <a:defRPr lang="en-US"/>
+            </a:defPPr>
+            <a:lvl1pPr marL="0" algn="l" defTabSz="914400" rtl="0" eaLnBrk="1" latinLnBrk="0" hangingPunct="1">
+              <a:defRPr sz="1800" kern="1200">
+                <a:solidFill>
+                  <a:schemeClr val="lt1"/>
+                </a:solidFill>
+                <a:latin typeface="+mn-lt"/>
+                <a:ea typeface="+mn-ea"/>
+                <a:cs typeface="+mn-cs"/>
+              </a:defRPr>
+            </a:lvl1pPr>
+            <a:lvl2pPr marL="457200" algn="l" defTabSz="914400" rtl="0" eaLnBrk="1" latinLnBrk="0" hangingPunct="1">
+              <a:defRPr sz="1800" kern="1200">
+                <a:solidFill>
+                  <a:schemeClr val="lt1"/>
+                </a:solidFill>
+                <a:latin typeface="+mn-lt"/>
+                <a:ea typeface="+mn-ea"/>
+                <a:cs typeface="+mn-cs"/>
+              </a:defRPr>
+            </a:lvl2pPr>
+            <a:lvl3pPr marL="914400" algn="l" defTabSz="914400" rtl="0" eaLnBrk="1" latinLnBrk="0" hangingPunct="1">
+              <a:defRPr sz="1800" kern="1200">
+                <a:solidFill>
+                  <a:schemeClr val="lt1"/>
+                </a:solidFill>
+                <a:latin typeface="+mn-lt"/>
+                <a:ea typeface="+mn-ea"/>
+                <a:cs typeface="+mn-cs"/>
+              </a:defRPr>
+            </a:lvl3pPr>
+            <a:lvl4pPr marL="1371600" algn="l" defTabSz="914400" rtl="0" eaLnBrk="1" latinLnBrk="0" hangingPunct="1">
+              <a:defRPr sz="1800" kern="1200">
+                <a:solidFill>
+                  <a:schemeClr val="lt1"/>
+                </a:solidFill>
+                <a:latin typeface="+mn-lt"/>
+                <a:ea typeface="+mn-ea"/>
+                <a:cs typeface="+mn-cs"/>
+              </a:defRPr>
+            </a:lvl4pPr>
+            <a:lvl5pPr marL="1828800" algn="l" defTabSz="914400" rtl="0" eaLnBrk="1" latinLnBrk="0" hangingPunct="1">
+              <a:defRPr sz="1800" kern="1200">
+                <a:solidFill>
+                  <a:schemeClr val="lt1"/>
+                </a:solidFill>
+                <a:latin typeface="+mn-lt"/>
+                <a:ea typeface="+mn-ea"/>
+                <a:cs typeface="+mn-cs"/>
+              </a:defRPr>
+            </a:lvl5pPr>
+            <a:lvl6pPr marL="2286000" algn="l" defTabSz="914400" rtl="0" eaLnBrk="1" latinLnBrk="0" hangingPunct="1">
+              <a:defRPr sz="1800" kern="1200">
+                <a:solidFill>
+                  <a:schemeClr val="lt1"/>
+                </a:solidFill>
+                <a:latin typeface="+mn-lt"/>
+                <a:ea typeface="+mn-ea"/>
+                <a:cs typeface="+mn-cs"/>
+              </a:defRPr>
+            </a:lvl6pPr>
+            <a:lvl7pPr marL="2743200" algn="l" defTabSz="914400" rtl="0" eaLnBrk="1" latinLnBrk="0" hangingPunct="1">
+              <a:defRPr sz="1800" kern="1200">
+                <a:solidFill>
+                  <a:schemeClr val="lt1"/>
+                </a:solidFill>
+                <a:latin typeface="+mn-lt"/>
+                <a:ea typeface="+mn-ea"/>
+                <a:cs typeface="+mn-cs"/>
+              </a:defRPr>
+            </a:lvl7pPr>
+            <a:lvl8pPr marL="3200400" algn="l" defTabSz="914400" rtl="0" eaLnBrk="1" latinLnBrk="0" hangingPunct="1">
+              <a:defRPr sz="1800" kern="1200">
+                <a:solidFill>
+                  <a:schemeClr val="lt1"/>
+                </a:solidFill>
+                <a:latin typeface="+mn-lt"/>
+                <a:ea typeface="+mn-ea"/>
+                <a:cs typeface="+mn-cs"/>
+              </a:defRPr>
+            </a:lvl8pPr>
+            <a:lvl9pPr marL="3657600" algn="l" defTabSz="914400" rtl="0" eaLnBrk="1" latinLnBrk="0" hangingPunct="1">
+              <a:defRPr sz="1800" kern="1200">
+                <a:solidFill>
+                  <a:schemeClr val="lt1"/>
+                </a:solidFill>
+                <a:latin typeface="+mn-lt"/>
+                <a:ea typeface="+mn-ea"/>
+                <a:cs typeface="+mn-cs"/>
+              </a:defRPr>
+            </a:lvl9pPr>
+          </a:lstStyle>
+          <a:p>
+            <a:pPr algn="ctr"/>
+            <a:endParaRPr lang="en-US"/>
+          </a:p>
+        </p:txBody>
+      </p:sp>
+      <p:pic>
+        <p:nvPicPr>
+          <p:cNvPr id="12" name="Tartalom helye 11">
+            <a:extLst>
+              <a:ext uri="{FF2B5EF4-FFF2-40B4-BE49-F238E27FC236}">
+                <a16:creationId xmlns:a16="http://schemas.microsoft.com/office/drawing/2014/main" id="{958473BA-2694-68E7-5118-2866B4817114}"/>
+              </a:ext>
+            </a:extLst>
+          </p:cNvPr>
+          <p:cNvPicPr>
+            <a:picLocks noGrp="1" noChangeAspect="1"/>
+          </p:cNvPicPr>
+          <p:nvPr>
+            <p:ph idx="1"/>
+          </p:nvPr>
+        </p:nvPicPr>
+        <p:blipFill rotWithShape="1">
+          <a:blip r:embed="rId2"/>
+          <a:srcRect t="12647" b="13596"/>
+          <a:stretch/>
+        </p:blipFill>
+        <p:spPr>
+          <a:xfrm>
+            <a:off x="20" y="1282"/>
+            <a:ext cx="12191980" cy="6856718"/>
+          </a:xfrm>
+          <a:prstGeom prst="rect">
+            <a:avLst/>
+          </a:prstGeom>
+        </p:spPr>
+      </p:pic>
+    </p:spTree>
+    <p:extLst>
+      <p:ext uri="{BB962C8B-B14F-4D97-AF65-F5344CB8AC3E}">
+        <p14:creationId xmlns:p14="http://schemas.microsoft.com/office/powerpoint/2010/main" val="2910154708"/>
+      </p:ext>
+    </p:extLst>
+  </p:cSld>
+  <p:clrMapOvr>
+    <a:masterClrMapping/>
+  </p:clrMapOvr>
+  <p:transition spd="slow">
+    <p:push/>
+  </p:transition>
+</p:sld>
+</file>
+
+<file path=ppt/slides/slide7.xml><?xml version="1.0" encoding="utf-8"?>
+<p:sld xmlns:a="http://schemas.openxmlformats.org/drawingml/2006/main" xmlns:r="http://schemas.openxmlformats.org/officeDocument/2006/relationships" xmlns:p="http://schemas.openxmlformats.org/presentationml/2006/main">
+  <p:cSld>
+    <p:spTree>
+      <p:nvGrpSpPr>
+        <p:cNvPr id="1" name=""/>
+        <p:cNvGrpSpPr/>
+        <p:nvPr/>
+      </p:nvGrpSpPr>
+      <p:grpSpPr>
+        <a:xfrm>
+          <a:off x="0" y="0"/>
+          <a:ext cx="0" cy="0"/>
+          <a:chOff x="0" y="0"/>
+          <a:chExt cx="0" cy="0"/>
+        </a:xfrm>
+      </p:grpSpPr>
+      <p:pic>
+        <p:nvPicPr>
+          <p:cNvPr id="2" name="Kép 1" descr="A képen szöveg, minta, fekete-fehér, levél látható&#10;&#10;Automatikusan generált leírás">
+            <a:extLst>
+              <a:ext uri="{FF2B5EF4-FFF2-40B4-BE49-F238E27FC236}">
+                <a16:creationId xmlns:a16="http://schemas.microsoft.com/office/drawing/2014/main" id="{D2BF74D3-9630-74BC-B459-5594957B97AF}"/>
+              </a:ext>
+            </a:extLst>
+          </p:cNvPr>
+          <p:cNvPicPr>
+            <a:picLocks noChangeAspect="1"/>
+          </p:cNvPicPr>
+          <p:nvPr/>
+        </p:nvPicPr>
+        <p:blipFill rotWithShape="1">
+          <a:blip r:embed="rId2">
+            <a:extLst>
+              <a:ext uri="{28A0092B-C50C-407E-A947-70E740481C1C}">
+                <a14:useLocalDpi xmlns:a14="http://schemas.microsoft.com/office/drawing/2010/main" val="0"/>
+              </a:ext>
+            </a:extLst>
+          </a:blip>
+          <a:srcRect b="19"/>
+          <a:stretch/>
+        </p:blipFill>
+        <p:spPr>
+          <a:xfrm>
+            <a:off x="20" y="1282"/>
+            <a:ext cx="12191980" cy="6856718"/>
+          </a:xfrm>
+          <a:prstGeom prst="rect">
+            <a:avLst/>
+          </a:prstGeom>
+        </p:spPr>
+      </p:pic>
+      <p:sp>
+        <p:nvSpPr>
+          <p:cNvPr id="3" name="Szövegdoboz 2">
+            <a:extLst>
+              <a:ext uri="{FF2B5EF4-FFF2-40B4-BE49-F238E27FC236}">
+                <a16:creationId xmlns:a16="http://schemas.microsoft.com/office/drawing/2014/main" id="{B8D2D5AC-AB70-70B4-1CB7-BCE62E1481D2}"/>
+              </a:ext>
+            </a:extLst>
+          </p:cNvPr>
+          <p:cNvSpPr txBox="1"/>
+          <p:nvPr/>
+        </p:nvSpPr>
+        <p:spPr>
+          <a:xfrm>
+            <a:off x="3179160" y="351234"/>
+            <a:ext cx="5833680" cy="3077766"/>
+          </a:xfrm>
+          <a:prstGeom prst="rect">
+            <a:avLst/>
+          </a:prstGeom>
+          <a:noFill/>
+          <a:effectLst>
+            <a:outerShdw blurRad="50800" dist="38100" dir="2700000" algn="tl" rotWithShape="0">
+              <a:prstClr val="black">
+                <a:alpha val="40000"/>
+              </a:prstClr>
+            </a:outerShdw>
+          </a:effectLst>
+        </p:spPr>
+        <p:txBody>
+          <a:bodyPr wrap="square" rtlCol="0">
+            <a:spAutoFit/>
+          </a:bodyPr>
+          <a:lstStyle/>
+          <a:p>
+            <a:pPr algn="ctr"/>
+            <a:r>
+              <a:rPr lang="hu-HU" sz="8800" dirty="0"/>
+              <a:t>I. Workshop óta    </a:t>
+            </a:r>
+            <a:br>
+              <a:rPr lang="hu-HU" dirty="0"/>
+            </a:br>
+            <a:endParaRPr lang="hu-HU" dirty="0"/>
+          </a:p>
+        </p:txBody>
+      </p:sp>
+      <p:pic>
+        <p:nvPicPr>
+          <p:cNvPr id="5" name="Kép 4">
+            <a:extLst>
+              <a:ext uri="{FF2B5EF4-FFF2-40B4-BE49-F238E27FC236}">
+                <a16:creationId xmlns:a16="http://schemas.microsoft.com/office/drawing/2014/main" id="{690E3C10-B62D-0826-DE42-04D0C088A77E}"/>
+              </a:ext>
+            </a:extLst>
+          </p:cNvPr>
+          <p:cNvPicPr>
+            <a:picLocks noChangeAspect="1"/>
+          </p:cNvPicPr>
+          <p:nvPr/>
+        </p:nvPicPr>
+        <p:blipFill>
+          <a:blip r:embed="rId3"/>
+          <a:stretch>
+            <a:fillRect/>
+          </a:stretch>
+        </p:blipFill>
+        <p:spPr>
+          <a:xfrm>
+            <a:off x="-777765" y="1203392"/>
+            <a:ext cx="12192000" cy="5151120"/>
+          </a:xfrm>
+          <a:prstGeom prst="rect">
+            <a:avLst/>
+          </a:prstGeom>
+        </p:spPr>
+      </p:pic>
+      <p:sp>
+        <p:nvSpPr>
+          <p:cNvPr id="6" name="Szövegdoboz 5">
+            <a:extLst>
+              <a:ext uri="{FF2B5EF4-FFF2-40B4-BE49-F238E27FC236}">
+                <a16:creationId xmlns:a16="http://schemas.microsoft.com/office/drawing/2014/main" id="{67965464-28BA-DE65-DB80-B2762214D84C}"/>
+              </a:ext>
+            </a:extLst>
+          </p:cNvPr>
+          <p:cNvSpPr txBox="1"/>
+          <p:nvPr/>
+        </p:nvSpPr>
+        <p:spPr>
+          <a:xfrm>
+            <a:off x="355600" y="3778952"/>
+            <a:ext cx="1892300" cy="923330"/>
+          </a:xfrm>
+          <a:prstGeom prst="rect">
+            <a:avLst/>
+          </a:prstGeom>
+          <a:noFill/>
+          <a:effectLst>
+            <a:outerShdw blurRad="50800" dist="38100" dir="2700000" algn="tl" rotWithShape="0">
+              <a:prstClr val="black">
+                <a:alpha val="40000"/>
+              </a:prstClr>
+            </a:outerShdw>
+          </a:effectLst>
+        </p:spPr>
+        <p:txBody>
+          <a:bodyPr wrap="square" rtlCol="0">
+            <a:spAutoFit/>
+          </a:bodyPr>
+          <a:lstStyle/>
+          <a:p>
+            <a:r>
+              <a:rPr lang="hu-HU" sz="5400" dirty="0"/>
+              <a:t>Trello</a:t>
+            </a:r>
+          </a:p>
+        </p:txBody>
+      </p:sp>
+      <p:sp>
+        <p:nvSpPr>
+          <p:cNvPr id="9" name="Szövegdoboz 8">
+            <a:extLst>
+              <a:ext uri="{FF2B5EF4-FFF2-40B4-BE49-F238E27FC236}">
+                <a16:creationId xmlns:a16="http://schemas.microsoft.com/office/drawing/2014/main" id="{158A8669-DE7E-5B6D-E6D4-67BB1744CE31}"/>
+              </a:ext>
+            </a:extLst>
+          </p:cNvPr>
+          <p:cNvSpPr txBox="1"/>
+          <p:nvPr/>
+        </p:nvSpPr>
+        <p:spPr>
+          <a:xfrm>
+            <a:off x="5430783" y="5583436"/>
+            <a:ext cx="1930400" cy="1754326"/>
+          </a:xfrm>
+          <a:prstGeom prst="rect">
+            <a:avLst/>
+          </a:prstGeom>
+          <a:noFill/>
+          <a:effectLst>
+            <a:outerShdw blurRad="50800" dist="38100" dir="2700000" algn="tl" rotWithShape="0">
+              <a:prstClr val="black">
+                <a:alpha val="40000"/>
+              </a:prstClr>
+            </a:outerShdw>
+          </a:effectLst>
+        </p:spPr>
+        <p:txBody>
+          <a:bodyPr wrap="square" rtlCol="0">
+            <a:spAutoFit/>
+          </a:bodyPr>
+          <a:lstStyle/>
+          <a:p>
+            <a:r>
+              <a:rPr lang="hu-HU" sz="5400" dirty="0"/>
+              <a:t>Java </a:t>
+            </a:r>
+            <a:r>
+              <a:rPr lang="hu-HU" sz="5400" dirty="0" err="1"/>
+              <a:t>srcipt</a:t>
+            </a:r>
+            <a:endParaRPr lang="hu-HU" sz="5400" dirty="0"/>
+          </a:p>
+        </p:txBody>
+      </p:sp>
+      <p:sp>
+        <p:nvSpPr>
+          <p:cNvPr id="10" name="Szövegdoboz 9">
+            <a:extLst>
+              <a:ext uri="{FF2B5EF4-FFF2-40B4-BE49-F238E27FC236}">
+                <a16:creationId xmlns:a16="http://schemas.microsoft.com/office/drawing/2014/main" id="{759A21C7-C59C-6D00-A9C0-10C2642AE66E}"/>
+              </a:ext>
+            </a:extLst>
+          </p:cNvPr>
+          <p:cNvSpPr txBox="1"/>
+          <p:nvPr/>
+        </p:nvSpPr>
+        <p:spPr>
+          <a:xfrm>
+            <a:off x="10086845" y="3778952"/>
+            <a:ext cx="2460735" cy="923330"/>
+          </a:xfrm>
+          <a:prstGeom prst="rect">
+            <a:avLst/>
+          </a:prstGeom>
+          <a:noFill/>
+          <a:effectLst>
+            <a:outerShdw blurRad="50800" dist="38100" dir="2700000" algn="tl" rotWithShape="0">
+              <a:prstClr val="black">
+                <a:alpha val="40000"/>
+              </a:prstClr>
+            </a:outerShdw>
+          </a:effectLst>
+        </p:spPr>
+        <p:txBody>
+          <a:bodyPr wrap="square" rtlCol="0">
+            <a:spAutoFit/>
+          </a:bodyPr>
+          <a:lstStyle/>
+          <a:p>
+            <a:r>
+              <a:rPr lang="hu-HU" sz="5400" dirty="0"/>
+              <a:t>Github</a:t>
+            </a:r>
+          </a:p>
+        </p:txBody>
+      </p:sp>
+    </p:spTree>
+    <p:extLst>
+      <p:ext uri="{BB962C8B-B14F-4D97-AF65-F5344CB8AC3E}">
+        <p14:creationId xmlns:p14="http://schemas.microsoft.com/office/powerpoint/2010/main" val="3174127949"/>
+      </p:ext>
+    </p:extLst>
+  </p:cSld>
+  <p:clrMapOvr>
+    <a:masterClrMapping/>
+  </p:clrMapOvr>
+  <p:transition spd="slow">
+    <p:push dir="r"/>
+  </p:transition>
+</p:sld>
+</file>
+
+<file path=ppt/slides/slide8.xml><?xml version="1.0" encoding="utf-8"?>
+<p:sld xmlns:a="http://schemas.openxmlformats.org/drawingml/2006/main" xmlns:r="http://schemas.openxmlformats.org/officeDocument/2006/relationships" xmlns:p="http://schemas.openxmlformats.org/presentationml/2006/main">
+  <p:cSld>
+    <p:spTree>
+      <p:nvGrpSpPr>
+        <p:cNvPr id="1" name=""/>
+        <p:cNvGrpSpPr/>
+        <p:nvPr/>
+      </p:nvGrpSpPr>
+      <p:grpSpPr>
+        <a:xfrm>
+          <a:off x="0" y="0"/>
+          <a:ext cx="0" cy="0"/>
+          <a:chOff x="0" y="0"/>
+          <a:chExt cx="0" cy="0"/>
+        </a:xfrm>
+      </p:grpSpPr>
+      <p:pic>
+        <p:nvPicPr>
+          <p:cNvPr id="13" name="Kép 12" descr="A képen szöveg, minta, fekete-fehér, levél látható&#10;&#10;Automatikusan generált leírás">
+            <a:extLst>
+              <a:ext uri="{FF2B5EF4-FFF2-40B4-BE49-F238E27FC236}">
+                <a16:creationId xmlns:a16="http://schemas.microsoft.com/office/drawing/2014/main" id="{371EAB3B-9347-B1D2-80B3-079B27A28BFC}"/>
+              </a:ext>
+            </a:extLst>
+          </p:cNvPr>
+          <p:cNvPicPr>
+            <a:picLocks noChangeAspect="1"/>
+          </p:cNvPicPr>
+          <p:nvPr/>
+        </p:nvPicPr>
+        <p:blipFill>
+          <a:blip r:embed="rId2">
+            <a:extLst>
+              <a:ext uri="{28A0092B-C50C-407E-A947-70E740481C1C}">
+                <a14:useLocalDpi xmlns:a14="http://schemas.microsoft.com/office/drawing/2010/main" val="0"/>
+              </a:ext>
+            </a:extLst>
+          </a:blip>
+          <a:stretch>
+            <a:fillRect/>
+          </a:stretch>
+        </p:blipFill>
+        <p:spPr>
+          <a:xfrm>
+            <a:off x="-3685" y="0"/>
+            <a:ext cx="12192000" cy="6858001"/>
+          </a:xfrm>
+          <a:prstGeom prst="rect">
+            <a:avLst/>
+          </a:prstGeom>
+        </p:spPr>
+      </p:pic>
+      <p:sp>
+        <p:nvSpPr>
+          <p:cNvPr id="14" name="Téglalap: lekerekített 13">
+            <a:extLst>
+              <a:ext uri="{FF2B5EF4-FFF2-40B4-BE49-F238E27FC236}">
+                <a16:creationId xmlns:a16="http://schemas.microsoft.com/office/drawing/2014/main" id="{5AF23941-6343-3D5A-6C6A-D831B87BEB5B}"/>
+              </a:ext>
+            </a:extLst>
+          </p:cNvPr>
+          <p:cNvSpPr/>
+          <p:nvPr/>
+        </p:nvSpPr>
+        <p:spPr>
+          <a:xfrm>
+            <a:off x="1079500" y="2946400"/>
+            <a:ext cx="2552700" cy="1841500"/>
+          </a:xfrm>
+          <a:prstGeom prst="roundRect">
+            <a:avLst/>
+          </a:prstGeom>
+          <a:solidFill>
+            <a:schemeClr val="bg1"/>
+          </a:solidFill>
+        </p:spPr>
+        <p:style>
+          <a:lnRef idx="2">
+            <a:schemeClr val="accent1">
+              <a:shade val="15000"/>
+            </a:schemeClr>
+          </a:lnRef>
+          <a:fillRef idx="1">
+            <a:schemeClr val="accent1"/>
+          </a:fillRef>
+          <a:effectRef idx="0">
+            <a:schemeClr val="accent1"/>
+          </a:effectRef>
+          <a:fontRef idx="minor">
+            <a:schemeClr val="lt1"/>
+          </a:fontRef>
+        </p:style>
+        <p:txBody>
+          <a:bodyPr rtlCol="0" anchor="ctr"/>
+          <a:lstStyle/>
+          <a:p>
+            <a:pPr algn="ctr"/>
+            <a:endParaRPr lang="hu-HU"/>
+          </a:p>
+        </p:txBody>
+      </p:sp>
+      <p:sp>
+        <p:nvSpPr>
+          <p:cNvPr id="15" name="Téglalap: lekerekített 14">
+            <a:extLst>
+              <a:ext uri="{FF2B5EF4-FFF2-40B4-BE49-F238E27FC236}">
+                <a16:creationId xmlns:a16="http://schemas.microsoft.com/office/drawing/2014/main" id="{392AD08D-EBB5-1646-BF4F-FCBA81A8E0A6}"/>
+              </a:ext>
+            </a:extLst>
+          </p:cNvPr>
+          <p:cNvSpPr/>
+          <p:nvPr/>
+        </p:nvSpPr>
+        <p:spPr>
+          <a:xfrm>
+            <a:off x="8559800" y="2946400"/>
+            <a:ext cx="2552700" cy="1841500"/>
+          </a:xfrm>
+          <a:prstGeom prst="roundRect">
+            <a:avLst/>
+          </a:prstGeom>
+          <a:solidFill>
+            <a:schemeClr val="bg1"/>
+          </a:solidFill>
+        </p:spPr>
+        <p:style>
+          <a:lnRef idx="2">
+            <a:schemeClr val="accent1">
+              <a:shade val="15000"/>
+            </a:schemeClr>
+          </a:lnRef>
+          <a:fillRef idx="1">
+            <a:schemeClr val="accent1"/>
+          </a:fillRef>
+          <a:effectRef idx="0">
+            <a:schemeClr val="accent1"/>
+          </a:effectRef>
+          <a:fontRef idx="minor">
+            <a:schemeClr val="lt1"/>
+          </a:fontRef>
+        </p:style>
+        <p:txBody>
+          <a:bodyPr rtlCol="0" anchor="ctr"/>
+          <a:lstStyle/>
+          <a:p>
+            <a:pPr algn="ctr"/>
+            <a:endParaRPr lang="hu-HU"/>
+          </a:p>
+        </p:txBody>
+      </p:sp>
+      <p:sp>
+        <p:nvSpPr>
+          <p:cNvPr id="21" name="Téglalap: lekerekített 20">
+            <a:extLst>
+              <a:ext uri="{FF2B5EF4-FFF2-40B4-BE49-F238E27FC236}">
+                <a16:creationId xmlns:a16="http://schemas.microsoft.com/office/drawing/2014/main" id="{78B59292-8ADC-603E-7965-06355D68A9B0}"/>
+              </a:ext>
+            </a:extLst>
+          </p:cNvPr>
+          <p:cNvSpPr/>
+          <p:nvPr/>
+        </p:nvSpPr>
+        <p:spPr>
+          <a:xfrm>
+            <a:off x="175260" y="2288540"/>
+            <a:ext cx="1371600" cy="2926080"/>
+          </a:xfrm>
+          <a:prstGeom prst="roundRect">
+            <a:avLst/>
+          </a:prstGeom>
+          <a:solidFill>
+            <a:schemeClr val="bg1"/>
+          </a:solidFill>
+          <a:ln>
+            <a:solidFill>
+              <a:schemeClr val="bg1"/>
+            </a:solidFill>
+          </a:ln>
+        </p:spPr>
+        <p:style>
+          <a:lnRef idx="2">
+            <a:schemeClr val="accent1">
+              <a:shade val="15000"/>
+            </a:schemeClr>
+          </a:lnRef>
+          <a:fillRef idx="1">
+            <a:schemeClr val="accent1"/>
+          </a:fillRef>
+          <a:effectRef idx="0">
+            <a:schemeClr val="accent1"/>
+          </a:effectRef>
+          <a:fontRef idx="minor">
+            <a:schemeClr val="lt1"/>
+          </a:fontRef>
+        </p:style>
+        <p:txBody>
+          <a:bodyPr rtlCol="0" anchor="ctr"/>
+          <a:lstStyle/>
+          <a:p>
+            <a:pPr algn="ctr"/>
+            <a:endParaRPr lang="hu-HU"/>
+          </a:p>
+        </p:txBody>
+      </p:sp>
+      <p:sp>
+        <p:nvSpPr>
+          <p:cNvPr id="25" name="Téglalap: lekerekített 24">
+            <a:extLst>
+              <a:ext uri="{FF2B5EF4-FFF2-40B4-BE49-F238E27FC236}">
+                <a16:creationId xmlns:a16="http://schemas.microsoft.com/office/drawing/2014/main" id="{C619F1A5-FBC9-B1D5-5D84-B33D362E0F2B}"/>
+              </a:ext>
+            </a:extLst>
+          </p:cNvPr>
+          <p:cNvSpPr/>
+          <p:nvPr/>
+        </p:nvSpPr>
+        <p:spPr>
+          <a:xfrm>
+            <a:off x="5774470" y="1926167"/>
+            <a:ext cx="807096" cy="1204383"/>
+          </a:xfrm>
+          <a:prstGeom prst="roundRect">
+            <a:avLst/>
+          </a:prstGeom>
+          <a:solidFill>
+            <a:schemeClr val="bg1"/>
+          </a:solidFill>
+          <a:ln>
+            <a:solidFill>
+              <a:schemeClr val="bg1"/>
+            </a:solidFill>
+          </a:ln>
+        </p:spPr>
+        <p:style>
+          <a:lnRef idx="2">
+            <a:schemeClr val="accent1">
+              <a:shade val="15000"/>
+            </a:schemeClr>
+          </a:lnRef>
+          <a:fillRef idx="1">
+            <a:schemeClr val="accent1"/>
+          </a:fillRef>
+          <a:effectRef idx="0">
+            <a:schemeClr val="accent1"/>
+          </a:effectRef>
+          <a:fontRef idx="minor">
+            <a:schemeClr val="lt1"/>
+          </a:fontRef>
+        </p:style>
+        <p:txBody>
+          <a:bodyPr rtlCol="0" anchor="ctr"/>
+          <a:lstStyle/>
+          <a:p>
+            <a:pPr algn="ctr"/>
+            <a:endParaRPr lang="hu-HU"/>
+          </a:p>
+        </p:txBody>
+      </p:sp>
+      <p:sp>
+        <p:nvSpPr>
+          <p:cNvPr id="27" name="Téglalap: lekerekített 26">
+            <a:extLst>
+              <a:ext uri="{FF2B5EF4-FFF2-40B4-BE49-F238E27FC236}">
+                <a16:creationId xmlns:a16="http://schemas.microsoft.com/office/drawing/2014/main" id="{39D2D6E7-31CC-C60D-1998-FDCC093C9513}"/>
+              </a:ext>
+            </a:extLst>
+          </p:cNvPr>
+          <p:cNvSpPr/>
+          <p:nvPr/>
+        </p:nvSpPr>
+        <p:spPr>
+          <a:xfrm flipH="1">
+            <a:off x="5629477" y="2129366"/>
+            <a:ext cx="306917" cy="1001184"/>
+          </a:xfrm>
+          <a:prstGeom prst="roundRect">
+            <a:avLst/>
+          </a:prstGeom>
+          <a:solidFill>
+            <a:schemeClr val="bg1"/>
+          </a:solidFill>
+          <a:ln>
+            <a:solidFill>
+              <a:schemeClr val="bg1"/>
+            </a:solidFill>
+          </a:ln>
+        </p:spPr>
+        <p:style>
+          <a:lnRef idx="2">
+            <a:schemeClr val="accent1">
+              <a:shade val="15000"/>
+            </a:schemeClr>
+          </a:lnRef>
+          <a:fillRef idx="1">
+            <a:schemeClr val="accent1"/>
+          </a:fillRef>
+          <a:effectRef idx="0">
+            <a:schemeClr val="accent1"/>
+          </a:effectRef>
+          <a:fontRef idx="minor">
+            <a:schemeClr val="lt1"/>
+          </a:fontRef>
+        </p:style>
+        <p:txBody>
+          <a:bodyPr rtlCol="0" anchor="ctr"/>
+          <a:lstStyle/>
+          <a:p>
+            <a:pPr algn="ctr"/>
+            <a:r>
+              <a:rPr lang="hu-HU" dirty="0"/>
+              <a:t>VV</a:t>
+            </a:r>
+          </a:p>
+        </p:txBody>
+      </p:sp>
+      <p:sp>
+        <p:nvSpPr>
+          <p:cNvPr id="29" name="Téglalap: lekerekített 28">
+            <a:extLst>
+              <a:ext uri="{FF2B5EF4-FFF2-40B4-BE49-F238E27FC236}">
+                <a16:creationId xmlns:a16="http://schemas.microsoft.com/office/drawing/2014/main" id="{FAEF4909-E42B-1AC2-A778-4D63C3E5396C}"/>
+              </a:ext>
+            </a:extLst>
+          </p:cNvPr>
+          <p:cNvSpPr/>
+          <p:nvPr/>
+        </p:nvSpPr>
+        <p:spPr>
+          <a:xfrm flipH="1">
+            <a:off x="5715203" y="2078567"/>
+            <a:ext cx="211667" cy="76199"/>
+          </a:xfrm>
+          <a:prstGeom prst="roundRect">
+            <a:avLst/>
+          </a:prstGeom>
+          <a:solidFill>
+            <a:schemeClr val="bg1"/>
+          </a:solidFill>
+          <a:ln>
+            <a:solidFill>
+              <a:schemeClr val="bg1"/>
+            </a:solidFill>
+          </a:ln>
+        </p:spPr>
+        <p:style>
+          <a:lnRef idx="2">
+            <a:schemeClr val="accent1">
+              <a:shade val="15000"/>
+            </a:schemeClr>
+          </a:lnRef>
+          <a:fillRef idx="1">
+            <a:schemeClr val="accent1"/>
+          </a:fillRef>
+          <a:effectRef idx="0">
+            <a:schemeClr val="accent1"/>
+          </a:effectRef>
+          <a:fontRef idx="minor">
+            <a:schemeClr val="lt1"/>
+          </a:fontRef>
+        </p:style>
+        <p:txBody>
+          <a:bodyPr rtlCol="0" anchor="ctr"/>
+          <a:lstStyle/>
+          <a:p>
+            <a:pPr algn="ctr"/>
+            <a:endParaRPr lang="hu-HU"/>
+          </a:p>
+        </p:txBody>
+      </p:sp>
+      <p:sp>
+        <p:nvSpPr>
+          <p:cNvPr id="23" name="Téglalap: lekerekített 22">
+            <a:extLst>
+              <a:ext uri="{FF2B5EF4-FFF2-40B4-BE49-F238E27FC236}">
+                <a16:creationId xmlns:a16="http://schemas.microsoft.com/office/drawing/2014/main" id="{0E5D8086-4FCA-5C66-1A8A-98E2AD1F5848}"/>
+              </a:ext>
+            </a:extLst>
+          </p:cNvPr>
+          <p:cNvSpPr/>
+          <p:nvPr/>
+        </p:nvSpPr>
+        <p:spPr>
+          <a:xfrm>
+            <a:off x="10625890" y="2288540"/>
+            <a:ext cx="1371600" cy="2926080"/>
+          </a:xfrm>
+          <a:prstGeom prst="roundRect">
+            <a:avLst/>
+          </a:prstGeom>
+          <a:solidFill>
+            <a:schemeClr val="bg1"/>
+          </a:solidFill>
+          <a:ln>
+            <a:solidFill>
+              <a:schemeClr val="bg1"/>
+            </a:solidFill>
+          </a:ln>
+        </p:spPr>
+        <p:style>
+          <a:lnRef idx="2">
+            <a:schemeClr val="accent1">
+              <a:shade val="15000"/>
+            </a:schemeClr>
+          </a:lnRef>
+          <a:fillRef idx="1">
+            <a:schemeClr val="accent1"/>
+          </a:fillRef>
+          <a:effectRef idx="0">
+            <a:schemeClr val="accent1"/>
+          </a:effectRef>
+          <a:fontRef idx="minor">
+            <a:schemeClr val="lt1"/>
+          </a:fontRef>
+        </p:style>
+        <p:txBody>
+          <a:bodyPr rtlCol="0" anchor="ctr"/>
+          <a:lstStyle/>
+          <a:p>
+            <a:pPr algn="ctr"/>
+            <a:endParaRPr lang="hu-HU"/>
+          </a:p>
+        </p:txBody>
+      </p:sp>
+      <p:sp>
+        <p:nvSpPr>
+          <p:cNvPr id="42" name="Téglalap: lekerekített 41">
+            <a:extLst>
+              <a:ext uri="{FF2B5EF4-FFF2-40B4-BE49-F238E27FC236}">
+                <a16:creationId xmlns:a16="http://schemas.microsoft.com/office/drawing/2014/main" id="{7FE8872C-7F4A-9AAD-980C-CEDD41E819AB}"/>
+              </a:ext>
+            </a:extLst>
+          </p:cNvPr>
+          <p:cNvSpPr/>
+          <p:nvPr/>
+        </p:nvSpPr>
+        <p:spPr>
+          <a:xfrm>
+            <a:off x="6535360" y="4131734"/>
+            <a:ext cx="786677" cy="1113366"/>
+          </a:xfrm>
+          <a:prstGeom prst="roundRect">
+            <a:avLst/>
+          </a:prstGeom>
+          <a:solidFill>
+            <a:schemeClr val="bg1"/>
+          </a:solidFill>
+          <a:ln>
+            <a:solidFill>
+              <a:schemeClr val="bg1"/>
+            </a:solidFill>
+          </a:ln>
+        </p:spPr>
+        <p:style>
+          <a:lnRef idx="2">
+            <a:schemeClr val="accent1">
+              <a:shade val="15000"/>
+            </a:schemeClr>
+          </a:lnRef>
+          <a:fillRef idx="1">
+            <a:schemeClr val="accent1"/>
+          </a:fillRef>
+          <a:effectRef idx="0">
+            <a:schemeClr val="accent1"/>
+          </a:effectRef>
+          <a:fontRef idx="minor">
+            <a:schemeClr val="lt1"/>
+          </a:fontRef>
+        </p:style>
+        <p:txBody>
+          <a:bodyPr rtlCol="0" anchor="ctr"/>
+          <a:lstStyle/>
+          <a:p>
+            <a:pPr algn="ctr"/>
+            <a:endParaRPr lang="hu-HU"/>
+          </a:p>
+        </p:txBody>
+      </p:sp>
+      <p:sp>
+        <p:nvSpPr>
+          <p:cNvPr id="43" name="Téglalap: lekerekített 42">
+            <a:extLst>
+              <a:ext uri="{FF2B5EF4-FFF2-40B4-BE49-F238E27FC236}">
+                <a16:creationId xmlns:a16="http://schemas.microsoft.com/office/drawing/2014/main" id="{2609A359-393D-A3A0-2A55-2D23E2E8AB1E}"/>
+              </a:ext>
+            </a:extLst>
+          </p:cNvPr>
+          <p:cNvSpPr/>
+          <p:nvPr/>
+        </p:nvSpPr>
+        <p:spPr>
+          <a:xfrm flipH="1">
+            <a:off x="6394035" y="4319577"/>
+            <a:ext cx="299152" cy="925523"/>
+          </a:xfrm>
+          <a:prstGeom prst="roundRect">
+            <a:avLst/>
+          </a:prstGeom>
+          <a:solidFill>
+            <a:schemeClr val="bg1"/>
+          </a:solidFill>
+          <a:ln>
+            <a:solidFill>
+              <a:schemeClr val="bg1"/>
+            </a:solidFill>
+          </a:ln>
+        </p:spPr>
+        <p:style>
+          <a:lnRef idx="2">
+            <a:schemeClr val="accent1">
+              <a:shade val="15000"/>
+            </a:schemeClr>
+          </a:lnRef>
+          <a:fillRef idx="1">
+            <a:schemeClr val="accent1"/>
+          </a:fillRef>
+          <a:effectRef idx="0">
+            <a:schemeClr val="accent1"/>
+          </a:effectRef>
+          <a:fontRef idx="minor">
+            <a:schemeClr val="lt1"/>
+          </a:fontRef>
+        </p:style>
+        <p:txBody>
+          <a:bodyPr rtlCol="0" anchor="ctr"/>
+          <a:lstStyle/>
+          <a:p>
+            <a:pPr algn="ctr"/>
+            <a:r>
+              <a:rPr lang="hu-HU" dirty="0"/>
+              <a:t>VV</a:t>
+            </a:r>
+          </a:p>
+        </p:txBody>
+      </p:sp>
+      <p:sp>
+        <p:nvSpPr>
+          <p:cNvPr id="44" name="Téglalap: lekerekített 43">
+            <a:extLst>
+              <a:ext uri="{FF2B5EF4-FFF2-40B4-BE49-F238E27FC236}">
+                <a16:creationId xmlns:a16="http://schemas.microsoft.com/office/drawing/2014/main" id="{C821293C-07D8-53C9-5D4E-C71D28DE83BC}"/>
+              </a:ext>
+            </a:extLst>
+          </p:cNvPr>
+          <p:cNvSpPr/>
+          <p:nvPr/>
+        </p:nvSpPr>
+        <p:spPr>
+          <a:xfrm flipH="1">
+            <a:off x="6477592" y="4272617"/>
+            <a:ext cx="206312" cy="70441"/>
+          </a:xfrm>
+          <a:prstGeom prst="roundRect">
+            <a:avLst/>
+          </a:prstGeom>
+          <a:solidFill>
+            <a:schemeClr val="bg1"/>
+          </a:solidFill>
+          <a:ln>
+            <a:solidFill>
+              <a:schemeClr val="bg1"/>
+            </a:solidFill>
+          </a:ln>
+        </p:spPr>
+        <p:style>
+          <a:lnRef idx="2">
+            <a:schemeClr val="accent1">
+              <a:shade val="15000"/>
+            </a:schemeClr>
+          </a:lnRef>
+          <a:fillRef idx="1">
+            <a:schemeClr val="accent1"/>
+          </a:fillRef>
+          <a:effectRef idx="0">
+            <a:schemeClr val="accent1"/>
+          </a:effectRef>
+          <a:fontRef idx="minor">
+            <a:schemeClr val="lt1"/>
+          </a:fontRef>
+        </p:style>
+        <p:txBody>
+          <a:bodyPr rtlCol="0" anchor="ctr"/>
+          <a:lstStyle/>
+          <a:p>
+            <a:pPr algn="ctr"/>
+            <a:endParaRPr lang="hu-HU"/>
+          </a:p>
+        </p:txBody>
+      </p:sp>
+      <p:sp>
+        <p:nvSpPr>
+          <p:cNvPr id="38" name="Téglalap: lekerekített 37">
+            <a:extLst>
+              <a:ext uri="{FF2B5EF4-FFF2-40B4-BE49-F238E27FC236}">
+                <a16:creationId xmlns:a16="http://schemas.microsoft.com/office/drawing/2014/main" id="{01286121-44A1-EAAA-C0B1-36062EAE81AC}"/>
+              </a:ext>
+            </a:extLst>
+          </p:cNvPr>
+          <p:cNvSpPr/>
+          <p:nvPr/>
+        </p:nvSpPr>
+        <p:spPr>
+          <a:xfrm>
+            <a:off x="4482370" y="4131734"/>
+            <a:ext cx="773576" cy="1113366"/>
+          </a:xfrm>
+          <a:prstGeom prst="roundRect">
+            <a:avLst/>
+          </a:prstGeom>
+          <a:solidFill>
+            <a:schemeClr val="bg1"/>
+          </a:solidFill>
+          <a:ln>
+            <a:solidFill>
+              <a:schemeClr val="bg1"/>
+            </a:solidFill>
+          </a:ln>
+        </p:spPr>
+        <p:style>
+          <a:lnRef idx="2">
+            <a:schemeClr val="accent1">
+              <a:shade val="15000"/>
+            </a:schemeClr>
+          </a:lnRef>
+          <a:fillRef idx="1">
+            <a:schemeClr val="accent1"/>
+          </a:fillRef>
+          <a:effectRef idx="0">
+            <a:schemeClr val="accent1"/>
+          </a:effectRef>
+          <a:fontRef idx="minor">
+            <a:schemeClr val="lt1"/>
+          </a:fontRef>
+        </p:style>
+        <p:txBody>
+          <a:bodyPr rtlCol="0" anchor="ctr"/>
+          <a:lstStyle/>
+          <a:p>
+            <a:pPr algn="ctr"/>
+            <a:endParaRPr lang="hu-HU"/>
+          </a:p>
+        </p:txBody>
+      </p:sp>
+      <p:sp>
+        <p:nvSpPr>
+          <p:cNvPr id="39" name="Téglalap: lekerekített 38">
+            <a:extLst>
+              <a:ext uri="{FF2B5EF4-FFF2-40B4-BE49-F238E27FC236}">
+                <a16:creationId xmlns:a16="http://schemas.microsoft.com/office/drawing/2014/main" id="{048B89F2-A989-C212-0310-5A84CF9D8ACE}"/>
+              </a:ext>
+            </a:extLst>
+          </p:cNvPr>
+          <p:cNvSpPr/>
+          <p:nvPr/>
+        </p:nvSpPr>
+        <p:spPr>
+          <a:xfrm flipH="1">
+            <a:off x="4343399" y="4319577"/>
+            <a:ext cx="294170" cy="925523"/>
+          </a:xfrm>
+          <a:prstGeom prst="roundRect">
+            <a:avLst/>
+          </a:prstGeom>
+          <a:solidFill>
+            <a:schemeClr val="bg1"/>
+          </a:solidFill>
+          <a:ln>
+            <a:solidFill>
+              <a:schemeClr val="bg1"/>
+            </a:solidFill>
+          </a:ln>
+        </p:spPr>
+        <p:style>
+          <a:lnRef idx="2">
+            <a:schemeClr val="accent1">
+              <a:shade val="15000"/>
+            </a:schemeClr>
+          </a:lnRef>
+          <a:fillRef idx="1">
+            <a:schemeClr val="accent1"/>
+          </a:fillRef>
+          <a:effectRef idx="0">
+            <a:schemeClr val="accent1"/>
+          </a:effectRef>
+          <a:fontRef idx="minor">
+            <a:schemeClr val="lt1"/>
+          </a:fontRef>
+        </p:style>
+        <p:txBody>
+          <a:bodyPr rtlCol="0" anchor="ctr"/>
+          <a:lstStyle/>
+          <a:p>
+            <a:pPr algn="ctr"/>
+            <a:r>
+              <a:rPr lang="hu-HU" dirty="0"/>
+              <a:t>VV</a:t>
+            </a:r>
+          </a:p>
+        </p:txBody>
+      </p:sp>
+      <p:sp>
+        <p:nvSpPr>
+          <p:cNvPr id="40" name="Téglalap: lekerekített 39">
+            <a:extLst>
+              <a:ext uri="{FF2B5EF4-FFF2-40B4-BE49-F238E27FC236}">
+                <a16:creationId xmlns:a16="http://schemas.microsoft.com/office/drawing/2014/main" id="{3D75E0D2-768D-01C3-948D-DBC8367577EE}"/>
+              </a:ext>
+            </a:extLst>
+          </p:cNvPr>
+          <p:cNvSpPr/>
+          <p:nvPr/>
+        </p:nvSpPr>
+        <p:spPr>
+          <a:xfrm flipH="1">
+            <a:off x="4425565" y="4272617"/>
+            <a:ext cx="202876" cy="70441"/>
+          </a:xfrm>
+          <a:prstGeom prst="roundRect">
+            <a:avLst/>
+          </a:prstGeom>
+          <a:solidFill>
+            <a:schemeClr val="bg1"/>
+          </a:solidFill>
+          <a:ln>
+            <a:solidFill>
+              <a:schemeClr val="bg1"/>
+            </a:solidFill>
+          </a:ln>
+        </p:spPr>
+        <p:style>
+          <a:lnRef idx="2">
+            <a:schemeClr val="accent1">
+              <a:shade val="15000"/>
+            </a:schemeClr>
+          </a:lnRef>
+          <a:fillRef idx="1">
+            <a:schemeClr val="accent1"/>
+          </a:fillRef>
+          <a:effectRef idx="0">
+            <a:schemeClr val="accent1"/>
+          </a:effectRef>
+          <a:fontRef idx="minor">
+            <a:schemeClr val="lt1"/>
+          </a:fontRef>
+        </p:style>
+        <p:txBody>
+          <a:bodyPr rtlCol="0" anchor="ctr"/>
+          <a:lstStyle/>
+          <a:p>
+            <a:pPr algn="ctr"/>
+            <a:endParaRPr lang="hu-HU"/>
+          </a:p>
+        </p:txBody>
+      </p:sp>
+      <p:sp>
+        <p:nvSpPr>
+          <p:cNvPr id="46" name="Téglalap: lekerekített 45">
+            <a:extLst>
+              <a:ext uri="{FF2B5EF4-FFF2-40B4-BE49-F238E27FC236}">
+                <a16:creationId xmlns:a16="http://schemas.microsoft.com/office/drawing/2014/main" id="{F9E11F13-4D6D-0AF1-F691-BFEC6AA770B8}"/>
+              </a:ext>
+            </a:extLst>
+          </p:cNvPr>
+          <p:cNvSpPr/>
+          <p:nvPr/>
+        </p:nvSpPr>
+        <p:spPr>
+          <a:xfrm>
+            <a:off x="1257300" y="3143250"/>
+            <a:ext cx="2137781" cy="1073150"/>
+          </a:xfrm>
+          <a:prstGeom prst="roundRect">
+            <a:avLst/>
+          </a:prstGeom>
+          <a:solidFill>
+            <a:schemeClr val="tx1"/>
+          </a:solidFill>
+          <a:ln>
+            <a:solidFill>
+              <a:schemeClr val="tx1"/>
+            </a:solidFill>
+          </a:ln>
+        </p:spPr>
+        <p:style>
+          <a:lnRef idx="2">
+            <a:schemeClr val="accent1">
+              <a:shade val="15000"/>
+            </a:schemeClr>
+          </a:lnRef>
+          <a:fillRef idx="1">
+            <a:schemeClr val="accent1"/>
+          </a:fillRef>
+          <a:effectRef idx="0">
+            <a:schemeClr val="accent1"/>
+          </a:effectRef>
+          <a:fontRef idx="minor">
+            <a:schemeClr val="lt1"/>
+          </a:fontRef>
+        </p:style>
+        <p:txBody>
+          <a:bodyPr rtlCol="0" anchor="ctr"/>
+          <a:lstStyle/>
+          <a:p>
+            <a:pPr algn="ctr"/>
+            <a:endParaRPr lang="hu-HU"/>
+          </a:p>
+        </p:txBody>
+      </p:sp>
+      <p:pic>
+        <p:nvPicPr>
+          <p:cNvPr id="45" name="Kép 44" descr="A képen szöveg, Grafika, Betűtípus, szimbólum látható&#10;&#10;Automatikusan generált leírás">
+            <a:extLst>
+              <a:ext uri="{FF2B5EF4-FFF2-40B4-BE49-F238E27FC236}">
+                <a16:creationId xmlns:a16="http://schemas.microsoft.com/office/drawing/2014/main" id="{D6BA5601-0DDC-3B9E-2765-CC25462568E3}"/>
+              </a:ext>
+            </a:extLst>
+          </p:cNvPr>
+          <p:cNvPicPr>
+            <a:picLocks noChangeAspect="1"/>
+          </p:cNvPicPr>
+          <p:nvPr/>
+        </p:nvPicPr>
+        <p:blipFill>
+          <a:blip r:embed="rId3">
+            <a:extLst>
+              <a:ext uri="{28A0092B-C50C-407E-A947-70E740481C1C}">
+                <a14:useLocalDpi xmlns:a14="http://schemas.microsoft.com/office/drawing/2010/main" val="0"/>
+              </a:ext>
+            </a:extLst>
+          </a:blip>
+          <a:stretch>
+            <a:fillRect/>
+          </a:stretch>
+        </p:blipFill>
+        <p:spPr>
+          <a:xfrm>
+            <a:off x="1084507" y="3003994"/>
+            <a:ext cx="2522617" cy="1418972"/>
+          </a:xfrm>
+          <a:prstGeom prst="rect">
+            <a:avLst/>
+          </a:prstGeom>
+        </p:spPr>
+      </p:pic>
+      <p:pic>
+        <p:nvPicPr>
+          <p:cNvPr id="54" name="Kép 53" descr="A képen Betűtípus, Grafika, embléma, Grafikus tervezés látható&#10;&#10;Automatikusan generált leírás">
+            <a:extLst>
+              <a:ext uri="{FF2B5EF4-FFF2-40B4-BE49-F238E27FC236}">
+                <a16:creationId xmlns:a16="http://schemas.microsoft.com/office/drawing/2014/main" id="{E7B3E0B7-16EA-923F-C575-AD1406461C29}"/>
+              </a:ext>
+            </a:extLst>
+          </p:cNvPr>
+          <p:cNvPicPr>
+            <a:picLocks noChangeAspect="1"/>
+          </p:cNvPicPr>
+          <p:nvPr/>
+        </p:nvPicPr>
+        <p:blipFill>
+          <a:blip r:embed="rId4">
+            <a:extLst>
+              <a:ext uri="{28A0092B-C50C-407E-A947-70E740481C1C}">
+                <a14:useLocalDpi xmlns:a14="http://schemas.microsoft.com/office/drawing/2010/main" val="0"/>
+              </a:ext>
+            </a:extLst>
+          </a:blip>
+          <a:stretch>
+            <a:fillRect/>
+          </a:stretch>
+        </p:blipFill>
+        <p:spPr>
+          <a:xfrm>
+            <a:off x="8915306" y="3143250"/>
+            <a:ext cx="1841688" cy="1167899"/>
+          </a:xfrm>
+          <a:prstGeom prst="rect">
+            <a:avLst/>
+          </a:prstGeom>
+        </p:spPr>
+      </p:pic>
+      <p:grpSp>
+        <p:nvGrpSpPr>
+          <p:cNvPr id="16" name="Csoportba foglalás 15">
+            <a:extLst>
+              <a:ext uri="{FF2B5EF4-FFF2-40B4-BE49-F238E27FC236}">
+                <a16:creationId xmlns:a16="http://schemas.microsoft.com/office/drawing/2014/main" id="{22F6EEA8-137B-38D3-3075-1D3344F42968}"/>
+              </a:ext>
+            </a:extLst>
+          </p:cNvPr>
+          <p:cNvGrpSpPr/>
+          <p:nvPr/>
+        </p:nvGrpSpPr>
+        <p:grpSpPr>
+          <a:xfrm>
+            <a:off x="0" y="511350"/>
+            <a:ext cx="12192000" cy="5149498"/>
+            <a:chOff x="0" y="511350"/>
+            <a:chExt cx="12192000" cy="5149498"/>
+          </a:xfrm>
+        </p:grpSpPr>
+        <p:pic>
+          <p:nvPicPr>
+            <p:cNvPr id="19" name="Kép 18">
+              <a:extLst>
+                <a:ext uri="{FF2B5EF4-FFF2-40B4-BE49-F238E27FC236}">
+                  <a16:creationId xmlns:a16="http://schemas.microsoft.com/office/drawing/2014/main" id="{8214BB86-3A0B-766D-40DD-28668C2E5612}"/>
+                </a:ext>
+              </a:extLst>
+            </p:cNvPr>
+            <p:cNvPicPr>
+              <a:picLocks noChangeAspect="1"/>
+            </p:cNvPicPr>
+            <p:nvPr/>
+          </p:nvPicPr>
+          <p:blipFill>
+            <a:blip r:embed="rId5"/>
+            <a:stretch>
+              <a:fillRect/>
+            </a:stretch>
+          </p:blipFill>
+          <p:spPr>
+            <a:xfrm>
+              <a:off x="0" y="511350"/>
+              <a:ext cx="12192000" cy="5149498"/>
+            </a:xfrm>
+            <a:prstGeom prst="rect">
+              <a:avLst/>
+            </a:prstGeom>
+          </p:spPr>
+        </p:pic>
+        <p:sp>
+          <p:nvSpPr>
+            <p:cNvPr id="3" name="Szövegdoboz 2">
+              <a:extLst>
+                <a:ext uri="{FF2B5EF4-FFF2-40B4-BE49-F238E27FC236}">
+                  <a16:creationId xmlns:a16="http://schemas.microsoft.com/office/drawing/2014/main" id="{852323B2-08AC-2079-3FFE-B7F6A1A8AC6F}"/>
+                </a:ext>
+              </a:extLst>
+            </p:cNvPr>
+            <p:cNvSpPr txBox="1"/>
+            <p:nvPr/>
+          </p:nvSpPr>
+          <p:spPr>
+            <a:xfrm>
+              <a:off x="4277286" y="4614952"/>
+              <a:ext cx="986006" cy="677108"/>
+            </a:xfrm>
+            <a:prstGeom prst="rect">
+              <a:avLst/>
+            </a:prstGeom>
+            <a:noFill/>
+            <a:effectLst>
+              <a:outerShdw blurRad="50800" dist="38100" dir="2700000" algn="tl" rotWithShape="0">
+                <a:prstClr val="black">
+                  <a:alpha val="40000"/>
+                </a:prstClr>
+              </a:outerShdw>
+            </a:effectLst>
+          </p:spPr>
+          <p:txBody>
+            <a:bodyPr wrap="square" rtlCol="0">
+              <a:spAutoFit/>
+            </a:bodyPr>
+            <a:lstStyle/>
+            <a:p>
+              <a:pPr algn="ctr"/>
+              <a:r>
+                <a:rPr lang="hu-HU" sz="1200" dirty="0"/>
+                <a:t>I. Workshop óta</a:t>
+              </a:r>
+              <a:br>
+                <a:rPr lang="hu-HU" sz="1400" dirty="0"/>
+              </a:br>
+              <a:endParaRPr lang="hu-HU" sz="1400" dirty="0"/>
+            </a:p>
+          </p:txBody>
+        </p:sp>
+      </p:grpSp>
+      <p:sp>
+        <p:nvSpPr>
+          <p:cNvPr id="8" name="Szövegdoboz 7">
+            <a:extLst>
+              <a:ext uri="{FF2B5EF4-FFF2-40B4-BE49-F238E27FC236}">
+                <a16:creationId xmlns:a16="http://schemas.microsoft.com/office/drawing/2014/main" id="{0B67C556-2A89-6FE6-3F85-3AEA8CD59926}"/>
+              </a:ext>
+            </a:extLst>
+          </p:cNvPr>
+          <p:cNvSpPr txBox="1"/>
+          <p:nvPr/>
+        </p:nvSpPr>
+        <p:spPr>
+          <a:xfrm>
+            <a:off x="6096000" y="4574589"/>
+            <a:ext cx="1522716" cy="415498"/>
+          </a:xfrm>
+          <a:prstGeom prst="rect">
+            <a:avLst/>
+          </a:prstGeom>
+          <a:noFill/>
+          <a:effectLst>
+            <a:glow rad="1905000">
+              <a:schemeClr val="accent3">
+                <a:satMod val="175000"/>
+                <a:alpha val="40000"/>
+              </a:schemeClr>
+            </a:glow>
+            <a:outerShdw blurRad="50800" dist="38100" dir="2700000" algn="tl" rotWithShape="0">
+              <a:prstClr val="black">
+                <a:alpha val="40000"/>
+              </a:prstClr>
+            </a:outerShdw>
+          </a:effectLst>
+        </p:spPr>
+        <p:txBody>
+          <a:bodyPr wrap="square" rtlCol="0">
+            <a:spAutoFit/>
+          </a:bodyPr>
+          <a:lstStyle/>
+          <a:p>
+            <a:pPr algn="ctr"/>
+            <a:r>
+              <a:rPr lang="hu-HU" sz="1050" dirty="0"/>
+              <a:t>Tervek a </a:t>
+            </a:r>
+          </a:p>
+          <a:p>
+            <a:pPr algn="ctr"/>
+            <a:r>
+              <a:rPr lang="hu-HU" sz="1050" dirty="0"/>
+              <a:t>II. Workshopra</a:t>
+            </a:r>
+          </a:p>
+        </p:txBody>
+      </p:sp>
+      <p:sp>
+        <p:nvSpPr>
+          <p:cNvPr id="10" name="Szövegdoboz 9">
+            <a:extLst>
+              <a:ext uri="{FF2B5EF4-FFF2-40B4-BE49-F238E27FC236}">
+                <a16:creationId xmlns:a16="http://schemas.microsoft.com/office/drawing/2014/main" id="{D7221842-1CA2-2050-C094-D4A6710B9CD5}"/>
+              </a:ext>
+            </a:extLst>
+          </p:cNvPr>
+          <p:cNvSpPr txBox="1"/>
+          <p:nvPr/>
+        </p:nvSpPr>
+        <p:spPr>
+          <a:xfrm>
+            <a:off x="5715203" y="2528358"/>
+            <a:ext cx="777229" cy="307777"/>
+          </a:xfrm>
+          <a:prstGeom prst="rect">
+            <a:avLst/>
+          </a:prstGeom>
+          <a:noFill/>
+          <a:effectLst>
+            <a:glow rad="1905000">
+              <a:schemeClr val="accent3">
+                <a:satMod val="175000"/>
+                <a:alpha val="40000"/>
+              </a:schemeClr>
+            </a:glow>
+            <a:outerShdw blurRad="50800" dist="38100" dir="2700000" algn="tl" rotWithShape="0">
+              <a:prstClr val="black">
+                <a:alpha val="40000"/>
+              </a:prstClr>
+            </a:outerShdw>
+          </a:effectLst>
+        </p:spPr>
+        <p:txBody>
+          <a:bodyPr wrap="square" rtlCol="0">
+            <a:spAutoFit/>
+          </a:bodyPr>
+          <a:lstStyle/>
+          <a:p>
+            <a:r>
+              <a:rPr lang="hu-HU" sz="1400" dirty="0"/>
+              <a:t>Jelenleg</a:t>
+            </a:r>
+          </a:p>
+        </p:txBody>
+      </p:sp>
+    </p:spTree>
+    <p:extLst>
+      <p:ext uri="{BB962C8B-B14F-4D97-AF65-F5344CB8AC3E}">
+        <p14:creationId xmlns:p14="http://schemas.microsoft.com/office/powerpoint/2010/main" val="1772877171"/>
+      </p:ext>
+    </p:extLst>
+  </p:cSld>
+  <p:clrMapOvr>
+    <a:masterClrMapping/>
+  </p:clrMapOvr>
+  <mc:AlternateContent xmlns:mc="http://schemas.openxmlformats.org/markup-compatibility/2006">
+    <mc:Choice xmlns:p15="http://schemas.microsoft.com/office/powerpoint/2012/main" Requires="p15">
+      <p:transition xmlns:p14="http://schemas.microsoft.com/office/powerpoint/2010/main" spd="slow" p14:dur="1250">
+        <p15:prstTrans prst="airplane"/>
+      </p:transition>
+    </mc:Choice>
+    <mc:Fallback>
+      <p:transition spd="slow">
+        <p:fade/>
+      </p:transition>
+    </mc:Fallback>
+  </mc:AlternateContent>
+</p:sld>
+</file>
+
+<file path=ppt/slides/slide9.xml><?xml version="1.0" encoding="utf-8"?>
+<p:sld xmlns:a="http://schemas.openxmlformats.org/drawingml/2006/main" xmlns:r="http://schemas.openxmlformats.org/officeDocument/2006/relationships" xmlns:p="http://schemas.openxmlformats.org/presentationml/2006/main">
+  <p:cSld>
+    <p:spTree>
+      <p:nvGrpSpPr>
+        <p:cNvPr id="1" name=""/>
+        <p:cNvGrpSpPr/>
+        <p:nvPr/>
+      </p:nvGrpSpPr>
+      <p:grpSpPr>
+        <a:xfrm>
+          <a:off x="0" y="0"/>
+          <a:ext cx="0" cy="0"/>
+          <a:chOff x="0" y="0"/>
+          <a:chExt cx="0" cy="0"/>
+        </a:xfrm>
+      </p:grpSpPr>
+      <p:pic>
+        <p:nvPicPr>
+          <p:cNvPr id="14" name="Kép 13">
+            <a:extLst>
+              <a:ext uri="{FF2B5EF4-FFF2-40B4-BE49-F238E27FC236}">
+                <a16:creationId xmlns:a16="http://schemas.microsoft.com/office/drawing/2014/main" id="{05BC0E80-8B06-F89E-F7E7-4B8D995ED2F9}"/>
+              </a:ext>
+            </a:extLst>
+          </p:cNvPr>
+          <p:cNvPicPr>
+            <a:picLocks noChangeAspect="1"/>
+          </p:cNvPicPr>
+          <p:nvPr/>
+        </p:nvPicPr>
+        <p:blipFill>
+          <a:blip r:embed="rId2">
+            <a:extLst>
+              <a:ext uri="{28A0092B-C50C-407E-A947-70E740481C1C}">
+                <a14:useLocalDpi xmlns:a14="http://schemas.microsoft.com/office/drawing/2010/main" val="0"/>
+              </a:ext>
+            </a:extLst>
+          </a:blip>
+          <a:stretch>
+            <a:fillRect/>
+          </a:stretch>
+        </p:blipFill>
+        <p:spPr>
+          <a:xfrm>
+            <a:off x="-94594" y="0"/>
+            <a:ext cx="12192001" cy="6858001"/>
+          </a:xfrm>
+          <a:prstGeom prst="rect">
+            <a:avLst/>
+          </a:prstGeom>
+        </p:spPr>
+      </p:pic>
+      <p:sp>
+        <p:nvSpPr>
+          <p:cNvPr id="15" name="Szövegdoboz 14">
+            <a:extLst>
+              <a:ext uri="{FF2B5EF4-FFF2-40B4-BE49-F238E27FC236}">
+                <a16:creationId xmlns:a16="http://schemas.microsoft.com/office/drawing/2014/main" id="{5A21DDA8-689A-B764-04FA-120D8448B72A}"/>
+              </a:ext>
+            </a:extLst>
+          </p:cNvPr>
+          <p:cNvSpPr txBox="1"/>
+          <p:nvPr/>
+        </p:nvSpPr>
+        <p:spPr>
+          <a:xfrm>
+            <a:off x="3890112" y="2644170"/>
+            <a:ext cx="4222587" cy="1569660"/>
+          </a:xfrm>
+          <a:prstGeom prst="rect">
+            <a:avLst/>
+          </a:prstGeom>
+          <a:noFill/>
+          <a:effectLst>
+            <a:glow rad="1905000">
+              <a:schemeClr val="accent3">
+                <a:satMod val="175000"/>
+                <a:alpha val="40000"/>
+              </a:schemeClr>
+            </a:glow>
+            <a:outerShdw blurRad="50800" dist="38100" dir="2700000" algn="tl" rotWithShape="0">
+              <a:prstClr val="black">
+                <a:alpha val="40000"/>
+              </a:prstClr>
+            </a:outerShdw>
+          </a:effectLst>
+        </p:spPr>
+        <p:txBody>
+          <a:bodyPr wrap="square" rtlCol="0">
+            <a:spAutoFit/>
+          </a:bodyPr>
+          <a:lstStyle/>
+          <a:p>
+            <a:r>
+              <a:rPr lang="hu-HU" sz="9600" dirty="0"/>
+              <a:t>Jelenleg</a:t>
+            </a:r>
+          </a:p>
+        </p:txBody>
+      </p:sp>
+    </p:spTree>
+    <p:extLst>
+      <p:ext uri="{BB962C8B-B14F-4D97-AF65-F5344CB8AC3E}">
+        <p14:creationId xmlns:p14="http://schemas.microsoft.com/office/powerpoint/2010/main" val="2716947455"/>
+      </p:ext>
+    </p:extLst>
+  </p:cSld>
+  <p:clrMapOvr>
+    <a:masterClrMapping/>
+  </p:clrMapOvr>
+  <mc:AlternateContent xmlns:mc="http://schemas.openxmlformats.org/markup-compatibility/2006" xmlns:p159="http://schemas.microsoft.com/office/powerpoint/2015/09/main">
+    <mc:Choice Requires="p159">
+      <p:transition xmlns:p14="http://schemas.microsoft.com/office/powerpoint/2010/main" spd="slow" p14:dur="2000">
+        <p159:morph option="byObject"/>
+      </p:transition>
+    </mc:Choice>
+    <mc:Fallback xmlns="">
       <p:transition spd="slow">
         <p:fade/>
       </p:transition>

--- a/Fileup.pptx
+++ b/Fileup.pptx
@@ -13,7 +13,7 @@
     <p:sldId id="268" r:id="rId7"/>
     <p:sldId id="269" r:id="rId8"/>
     <p:sldId id="260" r:id="rId9"/>
-    <p:sldId id="261" r:id="rId10"/>
+    <p:sldId id="270" r:id="rId10"/>
     <p:sldId id="265" r:id="rId11"/>
     <p:sldId id="263" r:id="rId12"/>
     <p:sldId id="264" r:id="rId13"/>
@@ -271,7 +271,7 @@
           <a:p>
             <a:fld id="{BAC5E3E5-EA48-4747-8EA2-9DCCCFBCD169}" type="datetimeFigureOut">
               <a:rPr lang="hu-HU" smtClean="0"/>
-              <a:t>2023. 11. 30.</a:t>
+              <a:t>2023. 12. 05.</a:t>
             </a:fld>
             <a:endParaRPr lang="hu-HU"/>
           </a:p>
@@ -469,7 +469,7 @@
           <a:p>
             <a:fld id="{BAC5E3E5-EA48-4747-8EA2-9DCCCFBCD169}" type="datetimeFigureOut">
               <a:rPr lang="hu-HU" smtClean="0"/>
-              <a:t>2023. 11. 30.</a:t>
+              <a:t>2023. 12. 05.</a:t>
             </a:fld>
             <a:endParaRPr lang="hu-HU"/>
           </a:p>
@@ -677,7 +677,7 @@
           <a:p>
             <a:fld id="{BAC5E3E5-EA48-4747-8EA2-9DCCCFBCD169}" type="datetimeFigureOut">
               <a:rPr lang="hu-HU" smtClean="0"/>
-              <a:t>2023. 11. 30.</a:t>
+              <a:t>2023. 12. 05.</a:t>
             </a:fld>
             <a:endParaRPr lang="hu-HU"/>
           </a:p>
@@ -875,7 +875,7 @@
           <a:p>
             <a:fld id="{BAC5E3E5-EA48-4747-8EA2-9DCCCFBCD169}" type="datetimeFigureOut">
               <a:rPr lang="hu-HU" smtClean="0"/>
-              <a:t>2023. 11. 30.</a:t>
+              <a:t>2023. 12. 05.</a:t>
             </a:fld>
             <a:endParaRPr lang="hu-HU"/>
           </a:p>
@@ -1150,7 +1150,7 @@
           <a:p>
             <a:fld id="{BAC5E3E5-EA48-4747-8EA2-9DCCCFBCD169}" type="datetimeFigureOut">
               <a:rPr lang="hu-HU" smtClean="0"/>
-              <a:t>2023. 11. 30.</a:t>
+              <a:t>2023. 12. 05.</a:t>
             </a:fld>
             <a:endParaRPr lang="hu-HU"/>
           </a:p>
@@ -1415,7 +1415,7 @@
           <a:p>
             <a:fld id="{BAC5E3E5-EA48-4747-8EA2-9DCCCFBCD169}" type="datetimeFigureOut">
               <a:rPr lang="hu-HU" smtClean="0"/>
-              <a:t>2023. 11. 30.</a:t>
+              <a:t>2023. 12. 05.</a:t>
             </a:fld>
             <a:endParaRPr lang="hu-HU"/>
           </a:p>
@@ -1827,7 +1827,7 @@
           <a:p>
             <a:fld id="{BAC5E3E5-EA48-4747-8EA2-9DCCCFBCD169}" type="datetimeFigureOut">
               <a:rPr lang="hu-HU" smtClean="0"/>
-              <a:t>2023. 11. 30.</a:t>
+              <a:t>2023. 12. 05.</a:t>
             </a:fld>
             <a:endParaRPr lang="hu-HU"/>
           </a:p>
@@ -1968,7 +1968,7 @@
           <a:p>
             <a:fld id="{BAC5E3E5-EA48-4747-8EA2-9DCCCFBCD169}" type="datetimeFigureOut">
               <a:rPr lang="hu-HU" smtClean="0"/>
-              <a:t>2023. 11. 30.</a:t>
+              <a:t>2023. 12. 05.</a:t>
             </a:fld>
             <a:endParaRPr lang="hu-HU"/>
           </a:p>
@@ -2081,7 +2081,7 @@
           <a:p>
             <a:fld id="{BAC5E3E5-EA48-4747-8EA2-9DCCCFBCD169}" type="datetimeFigureOut">
               <a:rPr lang="hu-HU" smtClean="0"/>
-              <a:t>2023. 11. 30.</a:t>
+              <a:t>2023. 12. 05.</a:t>
             </a:fld>
             <a:endParaRPr lang="hu-HU"/>
           </a:p>
@@ -2392,7 +2392,7 @@
           <a:p>
             <a:fld id="{BAC5E3E5-EA48-4747-8EA2-9DCCCFBCD169}" type="datetimeFigureOut">
               <a:rPr lang="hu-HU" smtClean="0"/>
-              <a:t>2023. 11. 30.</a:t>
+              <a:t>2023. 12. 05.</a:t>
             </a:fld>
             <a:endParaRPr lang="hu-HU"/>
           </a:p>
@@ -2680,7 +2680,7 @@
           <a:p>
             <a:fld id="{BAC5E3E5-EA48-4747-8EA2-9DCCCFBCD169}" type="datetimeFigureOut">
               <a:rPr lang="hu-HU" smtClean="0"/>
-              <a:t>2023. 11. 30.</a:t>
+              <a:t>2023. 12. 05.</a:t>
             </a:fld>
             <a:endParaRPr lang="hu-HU"/>
           </a:p>
@@ -2921,7 +2921,7 @@
           <a:p>
             <a:fld id="{BAC5E3E5-EA48-4747-8EA2-9DCCCFBCD169}" type="datetimeFigureOut">
               <a:rPr lang="hu-HU" smtClean="0"/>
-              <a:t>2023. 11. 30.</a:t>
+              <a:t>2023. 12. 05.</a:t>
             </a:fld>
             <a:endParaRPr lang="hu-HU"/>
           </a:p>
@@ -3428,7 +3428,17 @@
         </p:nvPicPr>
         <p:blipFill>
           <a:blip r:embed="rId2">
-            <a:extLst>
+            <a:alphaModFix amt="50000"/>
+            <a:extLst>
+              <a:ext uri="{BEBA8EAE-BF5A-486C-A8C5-ECC9F3942E4B}">
+                <a14:imgProps xmlns:a14="http://schemas.microsoft.com/office/drawing/2010/main">
+                  <a14:imgLayer r:embed="rId3">
+                    <a14:imgEffect>
+                      <a14:sharpenSoften amount="-13000"/>
+                    </a14:imgEffect>
+                  </a14:imgLayer>
+                </a14:imgProps>
+              </a:ext>
               <a:ext uri="{28A0092B-C50C-407E-A947-70E740481C1C}">
                 <a14:useLocalDpi xmlns:a14="http://schemas.microsoft.com/office/drawing/2010/main" val="0"/>
               </a:ext>
@@ -4164,7 +4174,7 @@
           <p:nvPr/>
         </p:nvPicPr>
         <p:blipFill>
-          <a:blip r:embed="rId3"/>
+          <a:blip r:embed="rId4"/>
           <a:stretch>
             <a:fillRect/>
           </a:stretch>
@@ -4248,7 +4258,7 @@
           <p:nvPr/>
         </p:nvPicPr>
         <p:blipFill>
-          <a:blip r:embed="rId4">
+          <a:blip r:embed="rId5">
             <a:extLst>
               <a:ext uri="{28A0092B-C50C-407E-A947-70E740481C1C}">
                 <a14:useLocalDpi xmlns:a14="http://schemas.microsoft.com/office/drawing/2010/main" val="0"/>
@@ -4284,7 +4294,7 @@
           <p:nvPr/>
         </p:nvPicPr>
         <p:blipFill>
-          <a:blip r:embed="rId5">
+          <a:blip r:embed="rId6">
             <a:extLst>
               <a:ext uri="{28A0092B-C50C-407E-A947-70E740481C1C}">
                 <a14:useLocalDpi xmlns:a14="http://schemas.microsoft.com/office/drawing/2010/main" val="0"/>
@@ -4677,7 +4687,17 @@
         </p:nvPicPr>
         <p:blipFill rotWithShape="1">
           <a:blip r:embed="rId2">
-            <a:extLst>
+            <a:alphaModFix amt="50000"/>
+            <a:extLst>
+              <a:ext uri="{BEBA8EAE-BF5A-486C-A8C5-ECC9F3942E4B}">
+                <a14:imgProps xmlns:a14="http://schemas.microsoft.com/office/drawing/2010/main">
+                  <a14:imgLayer r:embed="rId3">
+                    <a14:imgEffect>
+                      <a14:sharpenSoften amount="-13000"/>
+                    </a14:imgEffect>
+                  </a14:imgLayer>
+                </a14:imgProps>
+              </a:ext>
               <a:ext uri="{28A0092B-C50C-407E-A947-70E740481C1C}">
                 <a14:useLocalDpi xmlns:a14="http://schemas.microsoft.com/office/drawing/2010/main" val="0"/>
               </a:ext>
@@ -4762,13 +4782,13 @@
   <p:clrMapOvr>
     <a:masterClrMapping/>
   </p:clrMapOvr>
-  <mc:AlternateContent xmlns:mc="http://schemas.openxmlformats.org/markup-compatibility/2006">
-    <mc:Choice xmlns:p159="http://schemas.microsoft.com/office/powerpoint/2015/09/main" Requires="p159">
+  <mc:AlternateContent xmlns:mc="http://schemas.openxmlformats.org/markup-compatibility/2006" xmlns:p159="http://schemas.microsoft.com/office/powerpoint/2015/09/main">
+    <mc:Choice Requires="p159">
       <p:transition xmlns:p14="http://schemas.microsoft.com/office/powerpoint/2010/main" spd="slow" p14:dur="2000">
         <p159:morph option="byObject"/>
       </p:transition>
     </mc:Choice>
-    <mc:Fallback>
+    <mc:Fallback xmlns="">
       <p:transition spd="slow">
         <p:fade/>
       </p:transition>
@@ -4810,7 +4830,17 @@
         </p:nvPicPr>
         <p:blipFill>
           <a:blip r:embed="rId2">
-            <a:extLst>
+            <a:alphaModFix amt="50000"/>
+            <a:extLst>
+              <a:ext uri="{BEBA8EAE-BF5A-486C-A8C5-ECC9F3942E4B}">
+                <a14:imgProps xmlns:a14="http://schemas.microsoft.com/office/drawing/2010/main">
+                  <a14:imgLayer r:embed="rId3">
+                    <a14:imgEffect>
+                      <a14:sharpenSoften amount="-13000"/>
+                    </a14:imgEffect>
+                  </a14:imgLayer>
+                </a14:imgProps>
+              </a:ext>
               <a:ext uri="{28A0092B-C50C-407E-A947-70E740481C1C}">
                 <a14:useLocalDpi xmlns:a14="http://schemas.microsoft.com/office/drawing/2010/main" val="0"/>
               </a:ext>
@@ -5546,7 +5576,7 @@
           <p:nvPr/>
         </p:nvPicPr>
         <p:blipFill>
-          <a:blip r:embed="rId3"/>
+          <a:blip r:embed="rId4"/>
           <a:stretch>
             <a:fillRect/>
           </a:stretch>
@@ -5630,7 +5660,7 @@
           <p:nvPr/>
         </p:nvPicPr>
         <p:blipFill>
-          <a:blip r:embed="rId4">
+          <a:blip r:embed="rId5">
             <a:extLst>
               <a:ext uri="{28A0092B-C50C-407E-A947-70E740481C1C}">
                 <a14:useLocalDpi xmlns:a14="http://schemas.microsoft.com/office/drawing/2010/main" val="0"/>
@@ -5666,7 +5696,7 @@
           <p:nvPr/>
         </p:nvPicPr>
         <p:blipFill>
-          <a:blip r:embed="rId5">
+          <a:blip r:embed="rId6">
             <a:extLst>
               <a:ext uri="{28A0092B-C50C-407E-A947-70E740481C1C}">
                 <a14:useLocalDpi xmlns:a14="http://schemas.microsoft.com/office/drawing/2010/main" val="0"/>
@@ -5974,7 +6004,17 @@
         </p:nvPicPr>
         <p:blipFill>
           <a:blip r:embed="rId2">
-            <a:extLst>
+            <a:alphaModFix amt="50000"/>
+            <a:extLst>
+              <a:ext uri="{BEBA8EAE-BF5A-486C-A8C5-ECC9F3942E4B}">
+                <a14:imgProps xmlns:a14="http://schemas.microsoft.com/office/drawing/2010/main">
+                  <a14:imgLayer r:embed="rId3">
+                    <a14:imgEffect>
+                      <a14:sharpenSoften amount="-13000"/>
+                    </a14:imgEffect>
+                  </a14:imgLayer>
+                </a14:imgProps>
+              </a:ext>
               <a:ext uri="{28A0092B-C50C-407E-A947-70E740481C1C}">
                 <a14:useLocalDpi xmlns:a14="http://schemas.microsoft.com/office/drawing/2010/main" val="0"/>
               </a:ext>
@@ -6710,7 +6750,7 @@
           <p:nvPr/>
         </p:nvPicPr>
         <p:blipFill>
-          <a:blip r:embed="rId3"/>
+          <a:blip r:embed="rId4"/>
           <a:stretch>
             <a:fillRect/>
           </a:stretch>
@@ -6794,7 +6834,7 @@
           <p:nvPr/>
         </p:nvPicPr>
         <p:blipFill>
-          <a:blip r:embed="rId4">
+          <a:blip r:embed="rId5">
             <a:extLst>
               <a:ext uri="{28A0092B-C50C-407E-A947-70E740481C1C}">
                 <a14:useLocalDpi xmlns:a14="http://schemas.microsoft.com/office/drawing/2010/main" val="0"/>
@@ -6830,7 +6870,7 @@
           <p:nvPr/>
         </p:nvPicPr>
         <p:blipFill>
-          <a:blip r:embed="rId5">
+          <a:blip r:embed="rId6">
             <a:extLst>
               <a:ext uri="{28A0092B-C50C-407E-A947-70E740481C1C}">
                 <a14:useLocalDpi xmlns:a14="http://schemas.microsoft.com/office/drawing/2010/main" val="0"/>
@@ -7223,7 +7263,17 @@
         </p:nvPicPr>
         <p:blipFill rotWithShape="1">
           <a:blip r:embed="rId2">
-            <a:extLst>
+            <a:alphaModFix amt="50000"/>
+            <a:extLst>
+              <a:ext uri="{BEBA8EAE-BF5A-486C-A8C5-ECC9F3942E4B}">
+                <a14:imgProps xmlns:a14="http://schemas.microsoft.com/office/drawing/2010/main">
+                  <a14:imgLayer r:embed="rId3">
+                    <a14:imgEffect>
+                      <a14:sharpenSoften amount="-13000"/>
+                    </a14:imgEffect>
+                  </a14:imgLayer>
+                </a14:imgProps>
+              </a:ext>
               <a:ext uri="{28A0092B-C50C-407E-A947-70E740481C1C}">
                 <a14:useLocalDpi xmlns:a14="http://schemas.microsoft.com/office/drawing/2010/main" val="0"/>
               </a:ext>
@@ -7304,15 +7354,15 @@
           <p:nvPr/>
         </p:nvPicPr>
         <p:blipFill>
-          <a:blip r:embed="rId3"/>
+          <a:blip r:embed="rId4"/>
           <a:stretch>
             <a:fillRect/>
           </a:stretch>
         </p:blipFill>
         <p:spPr>
           <a:xfrm>
-            <a:off x="-777765" y="1203392"/>
-            <a:ext cx="12192000" cy="5151120"/>
+            <a:off x="693400" y="1584666"/>
+            <a:ext cx="9393445" cy="3968731"/>
           </a:xfrm>
           <a:prstGeom prst="rect">
             <a:avLst/>
@@ -7333,8 +7383,8 @@
         </p:nvSpPr>
         <p:spPr>
           <a:xfrm>
-            <a:off x="0" y="3363454"/>
-            <a:ext cx="2247900" cy="1754326"/>
+            <a:off x="416560" y="3655842"/>
+            <a:ext cx="2348532" cy="584775"/>
           </a:xfrm>
           <a:prstGeom prst="rect">
             <a:avLst/>
@@ -7355,10 +7405,9 @@
           <a:lstStyle/>
           <a:p>
             <a:r>
-              <a:rPr lang="hu-HU" sz="5400" dirty="0" err="1"/>
-              <a:t>Teknológiák</a:t>
-            </a:r>
-            <a:endParaRPr lang="hu-HU" sz="5400" dirty="0"/>
+              <a:rPr lang="hu-HU" sz="3200" dirty="0"/>
+              <a:t>Technológiák</a:t>
+            </a:r>
           </a:p>
         </p:txBody>
       </p:sp>
@@ -7376,7 +7425,7 @@
         </p:nvSpPr>
         <p:spPr>
           <a:xfrm>
-            <a:off x="5054600" y="5654608"/>
+            <a:off x="4749800" y="5012384"/>
             <a:ext cx="2306583" cy="923330"/>
           </a:xfrm>
           <a:prstGeom prst="rect">
@@ -7418,7 +7467,7 @@
         </p:nvSpPr>
         <p:spPr>
           <a:xfrm>
-            <a:off x="10086845" y="3778952"/>
+            <a:off x="9551189" y="3569031"/>
             <a:ext cx="2460735" cy="923330"/>
           </a:xfrm>
           <a:prstGeom prst="rect">
@@ -7456,13 +7505,13 @@
   <p:clrMapOvr>
     <a:masterClrMapping/>
   </p:clrMapOvr>
-  <mc:AlternateContent xmlns:mc="http://schemas.openxmlformats.org/markup-compatibility/2006">
-    <mc:Choice xmlns:p159="http://schemas.microsoft.com/office/powerpoint/2015/09/main" Requires="p159">
+  <mc:AlternateContent xmlns:mc="http://schemas.openxmlformats.org/markup-compatibility/2006" xmlns:p159="http://schemas.microsoft.com/office/powerpoint/2015/09/main">
+    <mc:Choice Requires="p159">
       <p:transition xmlns:p14="http://schemas.microsoft.com/office/powerpoint/2010/main" spd="slow" p14:dur="2000">
         <p159:morph option="byObject"/>
       </p:transition>
     </mc:Choice>
-    <mc:Fallback>
+    <mc:Fallback xmlns="">
       <p:transition spd="slow">
         <p:fade/>
       </p:transition>
@@ -7617,7 +7666,17 @@
         </p:nvPicPr>
         <p:blipFill rotWithShape="1">
           <a:blip r:embed="rId2">
-            <a:extLst>
+            <a:alphaModFix amt="50000"/>
+            <a:extLst>
+              <a:ext uri="{BEBA8EAE-BF5A-486C-A8C5-ECC9F3942E4B}">
+                <a14:imgProps xmlns:a14="http://schemas.microsoft.com/office/drawing/2010/main">
+                  <a14:imgLayer r:embed="rId3">
+                    <a14:imgEffect>
+                      <a14:sharpenSoften amount="-13000"/>
+                    </a14:imgEffect>
+                  </a14:imgLayer>
+                </a14:imgProps>
+              </a:ext>
               <a:ext uri="{28A0092B-C50C-407E-A947-70E740481C1C}">
                 <a14:useLocalDpi xmlns:a14="http://schemas.microsoft.com/office/drawing/2010/main" val="0"/>
               </a:ext>
@@ -7698,7 +7757,7 @@
           <p:nvPr/>
         </p:nvPicPr>
         <p:blipFill>
-          <a:blip r:embed="rId3"/>
+          <a:blip r:embed="rId4"/>
           <a:stretch>
             <a:fillRect/>
           </a:stretch>
@@ -8115,7 +8174,17 @@
         </p:nvPicPr>
         <p:blipFill rotWithShape="1">
           <a:blip r:embed="rId2">
-            <a:extLst>
+            <a:alphaModFix amt="50000"/>
+            <a:extLst>
+              <a:ext uri="{BEBA8EAE-BF5A-486C-A8C5-ECC9F3942E4B}">
+                <a14:imgProps xmlns:a14="http://schemas.microsoft.com/office/drawing/2010/main">
+                  <a14:imgLayer r:embed="rId3">
+                    <a14:imgEffect>
+                      <a14:sharpenSoften amount="-13000"/>
+                    </a14:imgEffect>
+                  </a14:imgLayer>
+                </a14:imgProps>
+              </a:ext>
               <a:ext uri="{28A0092B-C50C-407E-A947-70E740481C1C}">
                 <a14:useLocalDpi xmlns:a14="http://schemas.microsoft.com/office/drawing/2010/main" val="0"/>
               </a:ext>
@@ -8196,7 +8265,7 @@
           <p:nvPr/>
         </p:nvPicPr>
         <p:blipFill>
-          <a:blip r:embed="rId3"/>
+          <a:blip r:embed="rId4"/>
           <a:stretch>
             <a:fillRect/>
           </a:stretch>
@@ -8391,7 +8460,17 @@
         </p:nvPicPr>
         <p:blipFill>
           <a:blip r:embed="rId2">
-            <a:extLst>
+            <a:alphaModFix amt="50000"/>
+            <a:extLst>
+              <a:ext uri="{BEBA8EAE-BF5A-486C-A8C5-ECC9F3942E4B}">
+                <a14:imgProps xmlns:a14="http://schemas.microsoft.com/office/drawing/2010/main">
+                  <a14:imgLayer r:embed="rId3">
+                    <a14:imgEffect>
+                      <a14:sharpenSoften amount="-13000"/>
+                    </a14:imgEffect>
+                  </a14:imgLayer>
+                </a14:imgProps>
+              </a:ext>
               <a:ext uri="{28A0092B-C50C-407E-A947-70E740481C1C}">
                 <a14:useLocalDpi xmlns:a14="http://schemas.microsoft.com/office/drawing/2010/main" val="0"/>
               </a:ext>
@@ -9181,7 +9260,7 @@
           <p:nvPr/>
         </p:nvPicPr>
         <p:blipFill>
-          <a:blip r:embed="rId3">
+          <a:blip r:embed="rId4">
             <a:extLst>
               <a:ext uri="{28A0092B-C50C-407E-A947-70E740481C1C}">
                 <a14:useLocalDpi xmlns:a14="http://schemas.microsoft.com/office/drawing/2010/main" val="0"/>
@@ -9217,7 +9296,7 @@
           <p:nvPr/>
         </p:nvPicPr>
         <p:blipFill>
-          <a:blip r:embed="rId4">
+          <a:blip r:embed="rId5">
             <a:extLst>
               <a:ext uri="{28A0092B-C50C-407E-A947-70E740481C1C}">
                 <a14:useLocalDpi xmlns:a14="http://schemas.microsoft.com/office/drawing/2010/main" val="0"/>
@@ -9273,7 +9352,7 @@
             <p:nvPr/>
           </p:nvPicPr>
           <p:blipFill>
-            <a:blip r:embed="rId5"/>
+            <a:blip r:embed="rId6"/>
             <a:stretch>
               <a:fillRect/>
             </a:stretch>
@@ -9325,13 +9404,13 @@
             <a:p>
               <a:pPr algn="ctr"/>
               <a:r>
-                <a:rPr lang="hu-HU" sz="1200" dirty="0"/>
+                <a:rPr lang="hu-HU" sz="1200" b="1" dirty="0"/>
                 <a:t>I. Workshop óta</a:t>
               </a:r>
               <a:br>
-                <a:rPr lang="hu-HU" sz="1400" dirty="0"/>
+                <a:rPr lang="hu-HU" sz="1400" b="1" dirty="0"/>
               </a:br>
-              <a:endParaRPr lang="hu-HU" sz="1400" dirty="0"/>
+              <a:endParaRPr lang="hu-HU" sz="1400" b="1" dirty="0"/>
             </a:p>
           </p:txBody>
         </p:sp>
@@ -9379,14 +9458,14 @@
           <a:p>
             <a:pPr algn="ctr"/>
             <a:r>
-              <a:rPr lang="hu-HU" sz="1050" dirty="0"/>
+              <a:rPr lang="hu-HU" sz="1050" b="1" dirty="0"/>
               <a:t>Tervek a </a:t>
             </a:r>
           </a:p>
           <a:p>
             <a:pPr algn="ctr"/>
             <a:r>
-              <a:rPr lang="hu-HU" sz="1050" dirty="0"/>
+              <a:rPr lang="hu-HU" sz="1050" b="1" dirty="0"/>
               <a:t>II. Workshopra</a:t>
             </a:r>
           </a:p>
@@ -9434,7 +9513,9 @@
           <a:lstStyle/>
           <a:p>
             <a:r>
-              <a:rPr lang="hu-HU" sz="1400" dirty="0"/>
+              <a:rPr lang="hu-HU" sz="1400" b="1" dirty="0">
+                <a:ea typeface="Gadugi" panose="020B0502040204020203" pitchFamily="34" charset="0"/>
+              </a:rPr>
               <a:t>Jelenleg</a:t>
             </a:r>
           </a:p>
@@ -9451,9 +9532,9 @@
     <a:masterClrMapping/>
   </p:clrMapOvr>
   <mc:AlternateContent xmlns:mc="http://schemas.openxmlformats.org/markup-compatibility/2006">
-    <mc:Choice xmlns:p15="http://schemas.microsoft.com/office/powerpoint/2012/main" Requires="p15">
-      <p:transition xmlns:p14="http://schemas.microsoft.com/office/powerpoint/2010/main" spd="slow" p14:dur="1250">
-        <p15:prstTrans prst="airplane"/>
+    <mc:Choice xmlns:p159="http://schemas.microsoft.com/office/powerpoint/2015/09/main" Requires="p159">
+      <p:transition xmlns:p14="http://schemas.microsoft.com/office/powerpoint/2010/main" spd="slow" p14:dur="2000">
+        <p159:morph option="byObject"/>
       </p:transition>
     </mc:Choice>
     <mc:Fallback>
@@ -9484,10 +9565,10 @@
       </p:grpSpPr>
       <p:pic>
         <p:nvPicPr>
-          <p:cNvPr id="14" name="Kép 13">
-            <a:extLst>
-              <a:ext uri="{FF2B5EF4-FFF2-40B4-BE49-F238E27FC236}">
-                <a16:creationId xmlns:a16="http://schemas.microsoft.com/office/drawing/2014/main" id="{05BC0E80-8B06-F89E-F7E7-4B8D995ED2F9}"/>
+          <p:cNvPr id="2" name="Kép 1" descr="A képen szöveg, minta, fekete-fehér, levél látható&#10;&#10;Automatikusan generált leírás">
+            <a:extLst>
+              <a:ext uri="{FF2B5EF4-FFF2-40B4-BE49-F238E27FC236}">
+                <a16:creationId xmlns:a16="http://schemas.microsoft.com/office/drawing/2014/main" id="{D2BF74D3-9630-74BC-B459-5594957B97AF}"/>
               </a:ext>
             </a:extLst>
           </p:cNvPr>
@@ -9496,22 +9577,61 @@
           </p:cNvPicPr>
           <p:nvPr/>
         </p:nvPicPr>
-        <p:blipFill>
+        <p:blipFill rotWithShape="1">
           <a:blip r:embed="rId2">
-            <a:extLst>
+            <a:alphaModFix amt="50000"/>
+            <a:extLst>
+              <a:ext uri="{BEBA8EAE-BF5A-486C-A8C5-ECC9F3942E4B}">
+                <a14:imgProps xmlns:a14="http://schemas.microsoft.com/office/drawing/2010/main">
+                  <a14:imgLayer r:embed="rId3">
+                    <a14:imgEffect>
+                      <a14:sharpenSoften amount="-13000"/>
+                    </a14:imgEffect>
+                  </a14:imgLayer>
+                </a14:imgProps>
+              </a:ext>
               <a:ext uri="{28A0092B-C50C-407E-A947-70E740481C1C}">
                 <a14:useLocalDpi xmlns:a14="http://schemas.microsoft.com/office/drawing/2010/main" val="0"/>
               </a:ext>
             </a:extLst>
           </a:blip>
+          <a:srcRect b="19"/>
+          <a:stretch/>
+        </p:blipFill>
+        <p:spPr>
+          <a:xfrm>
+            <a:off x="20" y="1282"/>
+            <a:ext cx="12191980" cy="6856718"/>
+          </a:xfrm>
+          <a:prstGeom prst="rect">
+            <a:avLst/>
+          </a:prstGeom>
+        </p:spPr>
+      </p:pic>
+      <p:pic>
+        <p:nvPicPr>
+          <p:cNvPr id="7" name="Kép 6">
+            <a:extLst>
+              <a:ext uri="{FF2B5EF4-FFF2-40B4-BE49-F238E27FC236}">
+                <a16:creationId xmlns:a16="http://schemas.microsoft.com/office/drawing/2014/main" id="{8DA8F7A0-589E-D8BE-4394-8A712DC63F70}"/>
+              </a:ext>
+            </a:extLst>
+          </p:cNvPr>
+          <p:cNvPicPr>
+            <a:picLocks noChangeAspect="1"/>
+          </p:cNvPicPr>
+          <p:nvPr/>
+        </p:nvPicPr>
+        <p:blipFill>
+          <a:blip r:embed="rId4"/>
           <a:stretch>
             <a:fillRect/>
           </a:stretch>
         </p:blipFill>
         <p:spPr>
           <a:xfrm>
-            <a:off x="-94594" y="0"/>
-            <a:ext cx="12192001" cy="6858001"/>
+            <a:off x="-944880" y="0"/>
+            <a:ext cx="12192000" cy="5151120"/>
           </a:xfrm>
           <a:prstGeom prst="rect">
             <a:avLst/>
@@ -9520,10 +9640,10 @@
       </p:pic>
       <p:sp>
         <p:nvSpPr>
-          <p:cNvPr id="15" name="Szövegdoboz 14">
-            <a:extLst>
-              <a:ext uri="{FF2B5EF4-FFF2-40B4-BE49-F238E27FC236}">
-                <a16:creationId xmlns:a16="http://schemas.microsoft.com/office/drawing/2014/main" id="{5A21DDA8-689A-B764-04FA-120D8448B72A}"/>
+          <p:cNvPr id="3" name="Szövegdoboz 2">
+            <a:extLst>
+              <a:ext uri="{FF2B5EF4-FFF2-40B4-BE49-F238E27FC236}">
+                <a16:creationId xmlns:a16="http://schemas.microsoft.com/office/drawing/2014/main" id="{B8D2D5AC-AB70-70B4-1CB7-BCE62E1481D2}"/>
               </a:ext>
             </a:extLst>
           </p:cNvPr>
@@ -9532,20 +9652,14 @@
         </p:nvSpPr>
         <p:spPr>
           <a:xfrm>
-            <a:off x="3890112" y="2644170"/>
-            <a:ext cx="4222587" cy="1569660"/>
+            <a:off x="3004086" y="632371"/>
+            <a:ext cx="5833680" cy="1446550"/>
           </a:xfrm>
           <a:prstGeom prst="rect">
             <a:avLst/>
           </a:prstGeom>
           <a:noFill/>
           <a:effectLst>
-            <a:glow rad="1905000">
-              <a:schemeClr val="accent3">
-                <a:satMod val="175000"/>
-                <a:alpha val="40000"/>
-              </a:schemeClr>
-            </a:glow>
             <a:outerShdw blurRad="50800" dist="38100" dir="2700000" algn="tl" rotWithShape="0">
               <a:prstClr val="black">
                 <a:alpha val="40000"/>
@@ -9559,30 +9673,177 @@
           </a:bodyPr>
           <a:lstStyle/>
           <a:p>
-            <a:r>
-              <a:rPr lang="hu-HU" sz="9600" dirty="0"/>
+            <a:pPr algn="ctr"/>
+            <a:r>
+              <a:rPr lang="hu-HU" sz="8800" dirty="0"/>
               <a:t>Jelenleg</a:t>
             </a:r>
+            <a:endParaRPr lang="hu-HU" dirty="0"/>
+          </a:p>
+        </p:txBody>
+      </p:sp>
+      <p:pic>
+        <p:nvPicPr>
+          <p:cNvPr id="11" name="Kép 10">
+            <a:extLst>
+              <a:ext uri="{FF2B5EF4-FFF2-40B4-BE49-F238E27FC236}">
+                <a16:creationId xmlns:a16="http://schemas.microsoft.com/office/drawing/2014/main" id="{F12A9EFC-DCC5-F54C-47CB-4DADD234CB2F}"/>
+              </a:ext>
+            </a:extLst>
+          </p:cNvPr>
+          <p:cNvPicPr>
+            <a:picLocks noChangeAspect="1"/>
+          </p:cNvPicPr>
+          <p:nvPr/>
+        </p:nvPicPr>
+        <p:blipFill>
+          <a:blip r:embed="rId5"/>
+          <a:stretch>
+            <a:fillRect/>
+          </a:stretch>
+        </p:blipFill>
+        <p:spPr>
+          <a:xfrm>
+            <a:off x="-455394" y="3738294"/>
+            <a:ext cx="6918960" cy="3016667"/>
+          </a:xfrm>
+          <a:prstGeom prst="rect">
+            <a:avLst/>
+          </a:prstGeom>
+        </p:spPr>
+      </p:pic>
+      <p:sp>
+        <p:nvSpPr>
+          <p:cNvPr id="6" name="Szövegdoboz 5">
+            <a:extLst>
+              <a:ext uri="{FF2B5EF4-FFF2-40B4-BE49-F238E27FC236}">
+                <a16:creationId xmlns:a16="http://schemas.microsoft.com/office/drawing/2014/main" id="{67965464-28BA-DE65-DB80-B2762214D84C}"/>
+              </a:ext>
+            </a:extLst>
+          </p:cNvPr>
+          <p:cNvSpPr txBox="1"/>
+          <p:nvPr/>
+        </p:nvSpPr>
+        <p:spPr>
+          <a:xfrm>
+            <a:off x="3454565" y="5412730"/>
+            <a:ext cx="1892300" cy="830997"/>
+          </a:xfrm>
+          <a:prstGeom prst="rect">
+            <a:avLst/>
+          </a:prstGeom>
+          <a:noFill/>
+          <a:effectLst>
+            <a:outerShdw blurRad="50800" dist="38100" dir="2700000" algn="tl" rotWithShape="0">
+              <a:prstClr val="black">
+                <a:alpha val="40000"/>
+              </a:prstClr>
+            </a:outerShdw>
+          </a:effectLst>
+        </p:spPr>
+        <p:txBody>
+          <a:bodyPr wrap="square" rtlCol="0">
+            <a:spAutoFit/>
+          </a:bodyPr>
+          <a:lstStyle/>
+          <a:p>
+            <a:r>
+              <a:rPr lang="hu-HU" sz="2400" dirty="0"/>
+              <a:t>Frontend, backend</a:t>
+            </a:r>
+          </a:p>
+        </p:txBody>
+      </p:sp>
+      <p:pic>
+        <p:nvPicPr>
+          <p:cNvPr id="12" name="Kép 11">
+            <a:extLst>
+              <a:ext uri="{FF2B5EF4-FFF2-40B4-BE49-F238E27FC236}">
+                <a16:creationId xmlns:a16="http://schemas.microsoft.com/office/drawing/2014/main" id="{97ED6B68-21BC-77D2-8AC8-87355AE3B5FC}"/>
+              </a:ext>
+            </a:extLst>
+          </p:cNvPr>
+          <p:cNvPicPr>
+            <a:picLocks noChangeAspect="1"/>
+          </p:cNvPicPr>
+          <p:nvPr/>
+        </p:nvPicPr>
+        <p:blipFill>
+          <a:blip r:embed="rId5"/>
+          <a:stretch>
+            <a:fillRect/>
+          </a:stretch>
+        </p:blipFill>
+        <p:spPr>
+          <a:xfrm>
+            <a:off x="3093627" y="3740518"/>
+            <a:ext cx="6918960" cy="3016667"/>
+          </a:xfrm>
+          <a:prstGeom prst="rect">
+            <a:avLst/>
+          </a:prstGeom>
+        </p:spPr>
+      </p:pic>
+      <p:sp>
+        <p:nvSpPr>
+          <p:cNvPr id="9" name="Szövegdoboz 8">
+            <a:extLst>
+              <a:ext uri="{FF2B5EF4-FFF2-40B4-BE49-F238E27FC236}">
+                <a16:creationId xmlns:a16="http://schemas.microsoft.com/office/drawing/2014/main" id="{158A8669-DE7E-5B6D-E6D4-67BB1744CE31}"/>
+              </a:ext>
+            </a:extLst>
+          </p:cNvPr>
+          <p:cNvSpPr txBox="1"/>
+          <p:nvPr/>
+        </p:nvSpPr>
+        <p:spPr>
+          <a:xfrm>
+            <a:off x="7026635" y="5614428"/>
+            <a:ext cx="1930400" cy="400110"/>
+          </a:xfrm>
+          <a:prstGeom prst="rect">
+            <a:avLst/>
+          </a:prstGeom>
+          <a:noFill/>
+          <a:effectLst>
+            <a:outerShdw blurRad="50800" dist="38100" dir="2700000" algn="tl" rotWithShape="0">
+              <a:prstClr val="black">
+                <a:alpha val="40000"/>
+              </a:prstClr>
+            </a:outerShdw>
+          </a:effectLst>
+        </p:spPr>
+        <p:txBody>
+          <a:bodyPr wrap="square" rtlCol="0">
+            <a:spAutoFit/>
+          </a:bodyPr>
+          <a:lstStyle/>
+          <a:p>
+            <a:r>
+              <a:rPr lang="hu-HU" sz="2000" dirty="0" err="1"/>
+              <a:t>Handshake</a:t>
+            </a:r>
+            <a:endParaRPr lang="hu-HU" sz="2000" dirty="0"/>
           </a:p>
         </p:txBody>
       </p:sp>
     </p:spTree>
     <p:extLst>
       <p:ext uri="{BB962C8B-B14F-4D97-AF65-F5344CB8AC3E}">
-        <p14:creationId xmlns:p14="http://schemas.microsoft.com/office/powerpoint/2010/main" val="2716947455"/>
+        <p14:creationId xmlns:p14="http://schemas.microsoft.com/office/powerpoint/2010/main" val="4091301582"/>
       </p:ext>
     </p:extLst>
   </p:cSld>
   <p:clrMapOvr>
     <a:masterClrMapping/>
   </p:clrMapOvr>
-  <mc:AlternateContent xmlns:mc="http://schemas.openxmlformats.org/markup-compatibility/2006" xmlns:p159="http://schemas.microsoft.com/office/powerpoint/2015/09/main">
-    <mc:Choice Requires="p159">
+  <mc:AlternateContent xmlns:mc="http://schemas.openxmlformats.org/markup-compatibility/2006">
+    <mc:Choice xmlns:p159="http://schemas.microsoft.com/office/powerpoint/2015/09/main" Requires="p159">
       <p:transition xmlns:p14="http://schemas.microsoft.com/office/powerpoint/2010/main" spd="slow" p14:dur="2000">
         <p159:morph option="byObject"/>
       </p:transition>
     </mc:Choice>
-    <mc:Fallback xmlns="">
+    <mc:Fallback>
       <p:transition spd="slow">
         <p:fade/>
       </p:transition>

--- a/Fileup.pptx
+++ b/Fileup.pptx
@@ -3596,11 +3596,11 @@
   <p:clrMapOvr>
     <a:masterClrMapping/>
   </p:clrMapOvr>
-  <mc:AlternateContent xmlns:mc="http://schemas.openxmlformats.org/markup-compatibility/2006">
-    <mc:Choice xmlns:p14="http://schemas.microsoft.com/office/powerpoint/2010/main" Requires="p14">
+  <mc:AlternateContent xmlns:mc="http://schemas.openxmlformats.org/markup-compatibility/2006" xmlns:p14="http://schemas.microsoft.com/office/powerpoint/2010/main">
+    <mc:Choice Requires="p14">
       <p:transition p14:dur="0"/>
     </mc:Choice>
-    <mc:Fallback>
+    <mc:Fallback xmlns="">
       <p:transition/>
     </mc:Fallback>
   </mc:AlternateContent>
@@ -4142,13 +4142,13 @@
   <p:clrMapOvr>
     <a:masterClrMapping/>
   </p:clrMapOvr>
-  <mc:AlternateContent xmlns:mc="http://schemas.openxmlformats.org/markup-compatibility/2006">
-    <mc:Choice xmlns:p159="http://schemas.microsoft.com/office/powerpoint/2015/09/main" Requires="p159">
+  <mc:AlternateContent xmlns:mc="http://schemas.openxmlformats.org/markup-compatibility/2006" xmlns:p159="http://schemas.microsoft.com/office/powerpoint/2015/09/main">
+    <mc:Choice Requires="p159">
       <p:transition xmlns:p14="http://schemas.microsoft.com/office/powerpoint/2010/main" spd="slow" p14:dur="2000" advClick="0" advTm="0">
         <p159:morph option="byObject"/>
       </p:transition>
     </mc:Choice>
-    <mc:Fallback>
+    <mc:Fallback xmlns="">
       <p:transition spd="slow" advClick="0" advTm="0">
         <p:fade/>
       </p:transition>
@@ -6514,13 +6514,13 @@
   <p:clrMapOvr>
     <a:masterClrMapping/>
   </p:clrMapOvr>
-  <mc:AlternateContent xmlns:mc="http://schemas.openxmlformats.org/markup-compatibility/2006">
-    <mc:Choice xmlns:p14="http://schemas.microsoft.com/office/powerpoint/2010/main" Requires="p14">
+  <mc:AlternateContent xmlns:mc="http://schemas.openxmlformats.org/markup-compatibility/2006" xmlns:p14="http://schemas.microsoft.com/office/powerpoint/2010/main">
+    <mc:Choice Requires="p14">
       <p:transition p14:dur="370">
         <p:fade/>
       </p:transition>
     </mc:Choice>
-    <mc:Fallback>
+    <mc:Fallback xmlns="">
       <p:transition>
         <p:fade/>
       </p:transition>
@@ -8400,13 +8400,13 @@
   <p:clrMapOvr>
     <a:masterClrMapping/>
   </p:clrMapOvr>
-  <mc:AlternateContent xmlns:mc="http://schemas.openxmlformats.org/markup-compatibility/2006">
-    <mc:Choice xmlns:p159="http://schemas.microsoft.com/office/powerpoint/2015/09/main" Requires="p159">
+  <mc:AlternateContent xmlns:mc="http://schemas.openxmlformats.org/markup-compatibility/2006" xmlns:p159="http://schemas.microsoft.com/office/powerpoint/2015/09/main">
+    <mc:Choice Requires="p159">
       <p:transition xmlns:p14="http://schemas.microsoft.com/office/powerpoint/2010/main" spd="slow" p14:dur="2000" advClick="0" advTm="0">
         <p159:morph option="byObject"/>
       </p:transition>
     </mc:Choice>
-    <mc:Fallback>
+    <mc:Fallback xmlns="">
       <p:transition spd="slow" advClick="0" advTm="0">
         <p:fade/>
       </p:transition>
@@ -9739,13 +9739,13 @@
   <p:clrMapOvr>
     <a:masterClrMapping/>
   </p:clrMapOvr>
-  <mc:AlternateContent xmlns:mc="http://schemas.openxmlformats.org/markup-compatibility/2006">
-    <mc:Choice xmlns:p159="http://schemas.microsoft.com/office/powerpoint/2015/09/main" Requires="p159">
+  <mc:AlternateContent xmlns:mc="http://schemas.openxmlformats.org/markup-compatibility/2006" xmlns:p159="http://schemas.microsoft.com/office/powerpoint/2015/09/main">
+    <mc:Choice Requires="p159">
       <p:transition xmlns:p14="http://schemas.microsoft.com/office/powerpoint/2010/main" spd="slow" p14:dur="2000" advClick="0" advTm="0">
         <p159:morph option="byObject"/>
       </p:transition>
     </mc:Choice>
-    <mc:Fallback>
+    <mc:Fallback xmlns="">
       <p:transition spd="slow" advClick="0" advTm="0">
         <p:fade/>
       </p:transition>
@@ -10024,13 +10024,13 @@
   <p:clrMapOvr>
     <a:masterClrMapping/>
   </p:clrMapOvr>
-  <mc:AlternateContent xmlns:mc="http://schemas.openxmlformats.org/markup-compatibility/2006">
-    <mc:Choice xmlns:p159="http://schemas.microsoft.com/office/powerpoint/2015/09/main" Requires="p159">
+  <mc:AlternateContent xmlns:mc="http://schemas.openxmlformats.org/markup-compatibility/2006" xmlns:p159="http://schemas.microsoft.com/office/powerpoint/2015/09/main">
+    <mc:Choice Requires="p159">
       <p:transition xmlns:p14="http://schemas.microsoft.com/office/powerpoint/2010/main" spd="slow" p14:dur="2000" advClick="0" advTm="0">
         <p159:morph option="byObject"/>
       </p:transition>
     </mc:Choice>
-    <mc:Fallback>
+    <mc:Fallback xmlns="">
       <p:transition spd="slow" advClick="0" advTm="0">
         <p:fade/>
       </p:transition>
@@ -12374,13 +12374,13 @@
   <p:clrMapOvr>
     <a:masterClrMapping/>
   </p:clrMapOvr>
-  <mc:AlternateContent xmlns:mc="http://schemas.openxmlformats.org/markup-compatibility/2006">
-    <mc:Choice xmlns:p159="http://schemas.microsoft.com/office/powerpoint/2015/09/main" Requires="p159">
+  <mc:AlternateContent xmlns:mc="http://schemas.openxmlformats.org/markup-compatibility/2006" xmlns:p159="http://schemas.microsoft.com/office/powerpoint/2015/09/main">
+    <mc:Choice Requires="p159">
       <p:transition xmlns:p14="http://schemas.microsoft.com/office/powerpoint/2010/main" spd="slow" p14:dur="2000" advClick="0" advTm="0">
         <p159:morph option="byObject"/>
       </p:transition>
     </mc:Choice>
-    <mc:Fallback>
+    <mc:Fallback xmlns="">
       <p:transition spd="slow" advClick="0" advTm="0">
         <p:fade/>
       </p:transition>
@@ -14806,13 +14806,13 @@
   <p:clrMapOvr>
     <a:masterClrMapping/>
   </p:clrMapOvr>
-  <mc:AlternateContent xmlns:mc="http://schemas.openxmlformats.org/markup-compatibility/2006">
-    <mc:Choice xmlns:p14="http://schemas.microsoft.com/office/powerpoint/2010/main" Requires="p14">
+  <mc:AlternateContent xmlns:mc="http://schemas.openxmlformats.org/markup-compatibility/2006" xmlns:p14="http://schemas.microsoft.com/office/powerpoint/2010/main">
+    <mc:Choice Requires="p14">
       <p:transition p14:dur="370">
         <p:fade/>
       </p:transition>
     </mc:Choice>
-    <mc:Fallback>
+    <mc:Fallback xmlns="">
       <p:transition>
         <p:fade/>
       </p:transition>

--- a/Fileup.pptx
+++ b/Fileup.pptx
@@ -277,7 +277,7 @@
           <a:p>
             <a:fld id="{BAC5E3E5-EA48-4747-8EA2-9DCCCFBCD169}" type="datetimeFigureOut">
               <a:rPr lang="hu-HU" smtClean="0"/>
-              <a:t>2023. 12. 07.</a:t>
+              <a:t>2023. 12. 08.</a:t>
             </a:fld>
             <a:endParaRPr lang="hu-HU"/>
           </a:p>
@@ -487,7 +487,7 @@
           <a:p>
             <a:fld id="{BAC5E3E5-EA48-4747-8EA2-9DCCCFBCD169}" type="datetimeFigureOut">
               <a:rPr lang="hu-HU" smtClean="0"/>
-              <a:t>2023. 12. 07.</a:t>
+              <a:t>2023. 12. 08.</a:t>
             </a:fld>
             <a:endParaRPr lang="hu-HU"/>
           </a:p>
@@ -707,7 +707,7 @@
           <a:p>
             <a:fld id="{BAC5E3E5-EA48-4747-8EA2-9DCCCFBCD169}" type="datetimeFigureOut">
               <a:rPr lang="hu-HU" smtClean="0"/>
-              <a:t>2023. 12. 07.</a:t>
+              <a:t>2023. 12. 08.</a:t>
             </a:fld>
             <a:endParaRPr lang="hu-HU"/>
           </a:p>
@@ -917,7 +917,7 @@
           <a:p>
             <a:fld id="{BAC5E3E5-EA48-4747-8EA2-9DCCCFBCD169}" type="datetimeFigureOut">
               <a:rPr lang="hu-HU" smtClean="0"/>
-              <a:t>2023. 12. 07.</a:t>
+              <a:t>2023. 12. 08.</a:t>
             </a:fld>
             <a:endParaRPr lang="hu-HU"/>
           </a:p>
@@ -1204,7 +1204,7 @@
           <a:p>
             <a:fld id="{BAC5E3E5-EA48-4747-8EA2-9DCCCFBCD169}" type="datetimeFigureOut">
               <a:rPr lang="hu-HU" smtClean="0"/>
-              <a:t>2023. 12. 07.</a:t>
+              <a:t>2023. 12. 08.</a:t>
             </a:fld>
             <a:endParaRPr lang="hu-HU"/>
           </a:p>
@@ -1481,7 +1481,7 @@
           <a:p>
             <a:fld id="{BAC5E3E5-EA48-4747-8EA2-9DCCCFBCD169}" type="datetimeFigureOut">
               <a:rPr lang="hu-HU" smtClean="0"/>
-              <a:t>2023. 12. 07.</a:t>
+              <a:t>2023. 12. 08.</a:t>
             </a:fld>
             <a:endParaRPr lang="hu-HU"/>
           </a:p>
@@ -1905,7 +1905,7 @@
           <a:p>
             <a:fld id="{BAC5E3E5-EA48-4747-8EA2-9DCCCFBCD169}" type="datetimeFigureOut">
               <a:rPr lang="hu-HU" smtClean="0"/>
-              <a:t>2023. 12. 07.</a:t>
+              <a:t>2023. 12. 08.</a:t>
             </a:fld>
             <a:endParaRPr lang="hu-HU"/>
           </a:p>
@@ -2058,7 +2058,7 @@
           <a:p>
             <a:fld id="{BAC5E3E5-EA48-4747-8EA2-9DCCCFBCD169}" type="datetimeFigureOut">
               <a:rPr lang="hu-HU" smtClean="0"/>
-              <a:t>2023. 12. 07.</a:t>
+              <a:t>2023. 12. 08.</a:t>
             </a:fld>
             <a:endParaRPr lang="hu-HU"/>
           </a:p>
@@ -2183,7 +2183,7 @@
           <a:p>
             <a:fld id="{BAC5E3E5-EA48-4747-8EA2-9DCCCFBCD169}" type="datetimeFigureOut">
               <a:rPr lang="hu-HU" smtClean="0"/>
-              <a:t>2023. 12. 07.</a:t>
+              <a:t>2023. 12. 08.</a:t>
             </a:fld>
             <a:endParaRPr lang="hu-HU"/>
           </a:p>
@@ -2506,7 +2506,7 @@
           <a:p>
             <a:fld id="{BAC5E3E5-EA48-4747-8EA2-9DCCCFBCD169}" type="datetimeFigureOut">
               <a:rPr lang="hu-HU" smtClean="0"/>
-              <a:t>2023. 12. 07.</a:t>
+              <a:t>2023. 12. 08.</a:t>
             </a:fld>
             <a:endParaRPr lang="hu-HU"/>
           </a:p>
@@ -2806,7 +2806,7 @@
           <a:p>
             <a:fld id="{BAC5E3E5-EA48-4747-8EA2-9DCCCFBCD169}" type="datetimeFigureOut">
               <a:rPr lang="hu-HU" smtClean="0"/>
-              <a:t>2023. 12. 07.</a:t>
+              <a:t>2023. 12. 08.</a:t>
             </a:fld>
             <a:endParaRPr lang="hu-HU"/>
           </a:p>
@@ -3059,7 +3059,7 @@
           <a:p>
             <a:fld id="{BAC5E3E5-EA48-4747-8EA2-9DCCCFBCD169}" type="datetimeFigureOut">
               <a:rPr lang="hu-HU" smtClean="0"/>
-              <a:t>2023. 12. 07.</a:t>
+              <a:t>2023. 12. 08.</a:t>
             </a:fld>
             <a:endParaRPr lang="hu-HU"/>
           </a:p>
@@ -7136,10 +7136,10 @@
       </p:sp>
       <p:pic>
         <p:nvPicPr>
-          <p:cNvPr id="3074" name="Picture 2" descr="Java">
-            <a:extLst>
-              <a:ext uri="{FF2B5EF4-FFF2-40B4-BE49-F238E27FC236}">
-                <a16:creationId xmlns:a16="http://schemas.microsoft.com/office/drawing/2014/main" id="{3B22797F-4BCD-E369-12AB-33EF0A8F9CD9}"/>
+          <p:cNvPr id="3076" name="Picture 4" descr="Server">
+            <a:extLst>
+              <a:ext uri="{FF2B5EF4-FFF2-40B4-BE49-F238E27FC236}">
+                <a16:creationId xmlns:a16="http://schemas.microsoft.com/office/drawing/2014/main" id="{943004D2-C089-B03C-4B12-0F9A395ECFE3}"/>
               </a:ext>
             </a:extLst>
           </p:cNvPr>
@@ -7163,7 +7163,7 @@
         </p:blipFill>
         <p:spPr bwMode="auto">
           <a:xfrm>
-            <a:off x="4229100" y="2802433"/>
+            <a:off x="4509856" y="2800307"/>
             <a:ext cx="874810" cy="874810"/>
           </a:xfrm>
           <a:prstGeom prst="rect">
@@ -7181,53 +7181,6 @@
           </a:extLst>
         </p:spPr>
       </p:pic>
-      <p:pic>
-        <p:nvPicPr>
-          <p:cNvPr id="3076" name="Picture 4" descr="Server">
-            <a:extLst>
-              <a:ext uri="{FF2B5EF4-FFF2-40B4-BE49-F238E27FC236}">
-                <a16:creationId xmlns:a16="http://schemas.microsoft.com/office/drawing/2014/main" id="{943004D2-C089-B03C-4B12-0F9A395ECFE3}"/>
-              </a:ext>
-            </a:extLst>
-          </p:cNvPr>
-          <p:cNvPicPr>
-            <a:picLocks noChangeAspect="1" noChangeArrowheads="1"/>
-          </p:cNvPicPr>
-          <p:nvPr/>
-        </p:nvPicPr>
-        <p:blipFill>
-          <a:blip r:embed="rId6">
-            <a:extLst>
-              <a:ext uri="{28A0092B-C50C-407E-A947-70E740481C1C}">
-                <a14:useLocalDpi xmlns:a14="http://schemas.microsoft.com/office/drawing/2010/main" val="0"/>
-              </a:ext>
-            </a:extLst>
-          </a:blip>
-          <a:srcRect/>
-          <a:stretch>
-            <a:fillRect/>
-          </a:stretch>
-        </p:blipFill>
-        <p:spPr bwMode="auto">
-          <a:xfrm>
-            <a:off x="5665423" y="2800307"/>
-            <a:ext cx="874810" cy="874810"/>
-          </a:xfrm>
-          <a:prstGeom prst="rect">
-            <a:avLst/>
-          </a:prstGeom>
-          <a:noFill/>
-          <a:extLst>
-            <a:ext uri="{909E8E84-426E-40DD-AFC4-6F175D3DCCD1}">
-              <a14:hiddenFill xmlns:a14="http://schemas.microsoft.com/office/drawing/2010/main">
-                <a:solidFill>
-                  <a:srgbClr val="FFFFFF"/>
-                </a:solidFill>
-              </a14:hiddenFill>
-            </a:ext>
-          </a:extLst>
-        </p:spPr>
-      </p:pic>
       <p:grpSp>
         <p:nvGrpSpPr>
           <p:cNvPr id="12" name="Csoportba foglalás 11">
@@ -7242,7 +7195,7 @@
         </p:nvGrpSpPr>
         <p:grpSpPr>
           <a:xfrm>
-            <a:off x="6986191" y="2800307"/>
+            <a:off x="6590099" y="2761167"/>
             <a:ext cx="977959" cy="874810"/>
             <a:chOff x="5935980" y="4775719"/>
             <a:chExt cx="1264805" cy="1264805"/>
@@ -7263,7 +7216,7 @@
             <p:nvPr/>
           </p:nvPicPr>
           <p:blipFill>
-            <a:blip r:embed="rId7"/>
+            <a:blip r:embed="rId6"/>
             <a:stretch>
               <a:fillRect/>
             </a:stretch>
@@ -7293,7 +7246,7 @@
             <p:nvPr/>
           </p:nvPicPr>
           <p:blipFill>
-            <a:blip r:embed="rId8"/>
+            <a:blip r:embed="rId7"/>
             <a:stretch>
               <a:fillRect/>
             </a:stretch>
@@ -7324,7 +7277,7 @@
           <p:nvPr/>
         </p:nvPicPr>
         <p:blipFill>
-          <a:blip r:embed="rId9"/>
+          <a:blip r:embed="rId8"/>
           <a:stretch>
             <a:fillRect/>
           </a:stretch>
@@ -7374,7 +7327,7 @@
             <p:nvPr/>
           </p:nvPicPr>
           <p:blipFill>
-            <a:blip r:embed="rId10"/>
+            <a:blip r:embed="rId9"/>
             <a:stretch>
               <a:fillRect/>
             </a:stretch>
@@ -7404,7 +7357,7 @@
             <p:nvPr/>
           </p:nvPicPr>
           <p:blipFill>
-            <a:blip r:embed="rId11"/>
+            <a:blip r:embed="rId10"/>
             <a:stretch>
               <a:fillRect/>
             </a:stretch>
@@ -7476,7 +7429,7 @@
                                           </p:stCondLst>
                                         </p:cTn>
                                         <p:tgtEl>
-                                          <p:spTgt spid="3074"/>
+                                          <p:spTgt spid="3076"/>
                                         </p:tgtEl>
                                         <p:attrNameLst>
                                           <p:attrName>style.visibility</p:attrName>
@@ -7490,7 +7443,7 @@
                                       <p:cBhvr>
                                         <p:cTn id="7" dur="1000" fill="hold"/>
                                         <p:tgtEl>
-                                          <p:spTgt spid="3074"/>
+                                          <p:spTgt spid="3076"/>
                                         </p:tgtEl>
                                         <p:attrNameLst>
                                           <p:attrName>ppt_w</p:attrName>
@@ -7513,7 +7466,7 @@
                                       <p:cBhvr>
                                         <p:cTn id="8" dur="1000" fill="hold"/>
                                         <p:tgtEl>
-                                          <p:spTgt spid="3074"/>
+                                          <p:spTgt spid="3076"/>
                                         </p:tgtEl>
                                         <p:attrNameLst>
                                           <p:attrName>ppt_h</p:attrName>
@@ -7536,7 +7489,7 @@
                                       <p:cBhvr>
                                         <p:cTn id="9" dur="1000" fill="hold"/>
                                         <p:tgtEl>
-                                          <p:spTgt spid="3074"/>
+                                          <p:spTgt spid="3076"/>
                                         </p:tgtEl>
                                         <p:attrNameLst>
                                           <p:attrName>style.rotation</p:attrName>
@@ -7559,7 +7512,7 @@
                                       <p:cBhvr>
                                         <p:cTn id="10" dur="1000"/>
                                         <p:tgtEl>
-                                          <p:spTgt spid="3074"/>
+                                          <p:spTgt spid="3076"/>
                                         </p:tgtEl>
                                       </p:cBhvr>
                                     </p:animEffect>
@@ -7598,7 +7551,7 @@
                                           </p:stCondLst>
                                         </p:cTn>
                                         <p:tgtEl>
-                                          <p:spTgt spid="3076"/>
+                                          <p:spTgt spid="12"/>
                                         </p:tgtEl>
                                         <p:attrNameLst>
                                           <p:attrName>style.visibility</p:attrName>
@@ -7612,7 +7565,7 @@
                                       <p:cBhvr>
                                         <p:cTn id="15" dur="1000" fill="hold"/>
                                         <p:tgtEl>
-                                          <p:spTgt spid="3076"/>
+                                          <p:spTgt spid="12"/>
                                         </p:tgtEl>
                                         <p:attrNameLst>
                                           <p:attrName>ppt_w</p:attrName>
@@ -7635,7 +7588,7 @@
                                       <p:cBhvr>
                                         <p:cTn id="16" dur="1000" fill="hold"/>
                                         <p:tgtEl>
-                                          <p:spTgt spid="3076"/>
+                                          <p:spTgt spid="12"/>
                                         </p:tgtEl>
                                         <p:attrNameLst>
                                           <p:attrName>ppt_h</p:attrName>
@@ -7658,7 +7611,7 @@
                                       <p:cBhvr>
                                         <p:cTn id="17" dur="1000" fill="hold"/>
                                         <p:tgtEl>
-                                          <p:spTgt spid="3076"/>
+                                          <p:spTgt spid="12"/>
                                         </p:tgtEl>
                                         <p:attrNameLst>
                                           <p:attrName>style.rotation</p:attrName>
@@ -7681,7 +7634,7 @@
                                       <p:cBhvr>
                                         <p:cTn id="18" dur="1000"/>
                                         <p:tgtEl>
-                                          <p:spTgt spid="3076"/>
+                                          <p:spTgt spid="12"/>
                                         </p:tgtEl>
                                       </p:cBhvr>
                                     </p:animEffect>
@@ -7720,7 +7673,7 @@
                                           </p:stCondLst>
                                         </p:cTn>
                                         <p:tgtEl>
-                                          <p:spTgt spid="12"/>
+                                          <p:spTgt spid="16"/>
                                         </p:tgtEl>
                                         <p:attrNameLst>
                                           <p:attrName>style.visibility</p:attrName>
@@ -7734,7 +7687,7 @@
                                       <p:cBhvr>
                                         <p:cTn id="23" dur="1000" fill="hold"/>
                                         <p:tgtEl>
-                                          <p:spTgt spid="12"/>
+                                          <p:spTgt spid="16"/>
                                         </p:tgtEl>
                                         <p:attrNameLst>
                                           <p:attrName>ppt_w</p:attrName>
@@ -7757,7 +7710,7 @@
                                       <p:cBhvr>
                                         <p:cTn id="24" dur="1000" fill="hold"/>
                                         <p:tgtEl>
-                                          <p:spTgt spid="12"/>
+                                          <p:spTgt spid="16"/>
                                         </p:tgtEl>
                                         <p:attrNameLst>
                                           <p:attrName>ppt_h</p:attrName>
@@ -7780,7 +7733,7 @@
                                       <p:cBhvr>
                                         <p:cTn id="25" dur="1000" fill="hold"/>
                                         <p:tgtEl>
-                                          <p:spTgt spid="12"/>
+                                          <p:spTgt spid="16"/>
                                         </p:tgtEl>
                                         <p:attrNameLst>
                                           <p:attrName>style.rotation</p:attrName>
@@ -7803,7 +7756,7 @@
                                       <p:cBhvr>
                                         <p:cTn id="26" dur="1000"/>
                                         <p:tgtEl>
-                                          <p:spTgt spid="12"/>
+                                          <p:spTgt spid="16"/>
                                         </p:tgtEl>
                                       </p:cBhvr>
                                     </p:animEffect>
@@ -7842,7 +7795,7 @@
                                           </p:stCondLst>
                                         </p:cTn>
                                         <p:tgtEl>
-                                          <p:spTgt spid="16"/>
+                                          <p:spTgt spid="21"/>
                                         </p:tgtEl>
                                         <p:attrNameLst>
                                           <p:attrName>style.visibility</p:attrName>
@@ -7856,7 +7809,7 @@
                                       <p:cBhvr>
                                         <p:cTn id="31" dur="1000" fill="hold"/>
                                         <p:tgtEl>
-                                          <p:spTgt spid="16"/>
+                                          <p:spTgt spid="21"/>
                                         </p:tgtEl>
                                         <p:attrNameLst>
                                           <p:attrName>ppt_w</p:attrName>
@@ -7879,7 +7832,7 @@
                                       <p:cBhvr>
                                         <p:cTn id="32" dur="1000" fill="hold"/>
                                         <p:tgtEl>
-                                          <p:spTgt spid="16"/>
+                                          <p:spTgt spid="21"/>
                                         </p:tgtEl>
                                         <p:attrNameLst>
                                           <p:attrName>ppt_h</p:attrName>
@@ -7902,7 +7855,7 @@
                                       <p:cBhvr>
                                         <p:cTn id="33" dur="1000" fill="hold"/>
                                         <p:tgtEl>
-                                          <p:spTgt spid="16"/>
+                                          <p:spTgt spid="21"/>
                                         </p:tgtEl>
                                         <p:attrNameLst>
                                           <p:attrName>style.rotation</p:attrName>
@@ -7924,128 +7877,6 @@
                                     <p:animEffect transition="in" filter="fade">
                                       <p:cBhvr>
                                         <p:cTn id="34" dur="1000"/>
-                                        <p:tgtEl>
-                                          <p:spTgt spid="16"/>
-                                        </p:tgtEl>
-                                      </p:cBhvr>
-                                    </p:animEffect>
-                                  </p:childTnLst>
-                                </p:cTn>
-                              </p:par>
-                            </p:childTnLst>
-                          </p:cTn>
-                        </p:par>
-                      </p:childTnLst>
-                    </p:cTn>
-                  </p:par>
-                  <p:par>
-                    <p:cTn id="35" fill="hold">
-                      <p:stCondLst>
-                        <p:cond delay="indefinite"/>
-                      </p:stCondLst>
-                      <p:childTnLst>
-                        <p:par>
-                          <p:cTn id="36" fill="hold">
-                            <p:stCondLst>
-                              <p:cond delay="0"/>
-                            </p:stCondLst>
-                            <p:childTnLst>
-                              <p:par>
-                                <p:cTn id="37" presetID="31" presetClass="entr" presetSubtype="0" fill="hold" nodeType="clickEffect">
-                                  <p:stCondLst>
-                                    <p:cond delay="0"/>
-                                  </p:stCondLst>
-                                  <p:childTnLst>
-                                    <p:set>
-                                      <p:cBhvr>
-                                        <p:cTn id="38" dur="1" fill="hold">
-                                          <p:stCondLst>
-                                            <p:cond delay="0"/>
-                                          </p:stCondLst>
-                                        </p:cTn>
-                                        <p:tgtEl>
-                                          <p:spTgt spid="21"/>
-                                        </p:tgtEl>
-                                        <p:attrNameLst>
-                                          <p:attrName>style.visibility</p:attrName>
-                                        </p:attrNameLst>
-                                      </p:cBhvr>
-                                      <p:to>
-                                        <p:strVal val="visible"/>
-                                      </p:to>
-                                    </p:set>
-                                    <p:anim calcmode="lin" valueType="num">
-                                      <p:cBhvr>
-                                        <p:cTn id="39" dur="1000" fill="hold"/>
-                                        <p:tgtEl>
-                                          <p:spTgt spid="21"/>
-                                        </p:tgtEl>
-                                        <p:attrNameLst>
-                                          <p:attrName>ppt_w</p:attrName>
-                                        </p:attrNameLst>
-                                      </p:cBhvr>
-                                      <p:tavLst>
-                                        <p:tav tm="0">
-                                          <p:val>
-                                            <p:fltVal val="0"/>
-                                          </p:val>
-                                        </p:tav>
-                                        <p:tav tm="100000">
-                                          <p:val>
-                                            <p:strVal val="#ppt_w"/>
-                                          </p:val>
-                                        </p:tav>
-                                      </p:tavLst>
-                                    </p:anim>
-                                    <p:anim calcmode="lin" valueType="num">
-                                      <p:cBhvr>
-                                        <p:cTn id="40" dur="1000" fill="hold"/>
-                                        <p:tgtEl>
-                                          <p:spTgt spid="21"/>
-                                        </p:tgtEl>
-                                        <p:attrNameLst>
-                                          <p:attrName>ppt_h</p:attrName>
-                                        </p:attrNameLst>
-                                      </p:cBhvr>
-                                      <p:tavLst>
-                                        <p:tav tm="0">
-                                          <p:val>
-                                            <p:fltVal val="0"/>
-                                          </p:val>
-                                        </p:tav>
-                                        <p:tav tm="100000">
-                                          <p:val>
-                                            <p:strVal val="#ppt_h"/>
-                                          </p:val>
-                                        </p:tav>
-                                      </p:tavLst>
-                                    </p:anim>
-                                    <p:anim calcmode="lin" valueType="num">
-                                      <p:cBhvr>
-                                        <p:cTn id="41" dur="1000" fill="hold"/>
-                                        <p:tgtEl>
-                                          <p:spTgt spid="21"/>
-                                        </p:tgtEl>
-                                        <p:attrNameLst>
-                                          <p:attrName>style.rotation</p:attrName>
-                                        </p:attrNameLst>
-                                      </p:cBhvr>
-                                      <p:tavLst>
-                                        <p:tav tm="0">
-                                          <p:val>
-                                            <p:fltVal val="90"/>
-                                          </p:val>
-                                        </p:tav>
-                                        <p:tav tm="100000">
-                                          <p:val>
-                                            <p:fltVal val="0"/>
-                                          </p:val>
-                                        </p:tav>
-                                      </p:tavLst>
-                                    </p:anim>
-                                    <p:animEffect transition="in" filter="fade">
-                                      <p:cBhvr>
-                                        <p:cTn id="42" dur="1000"/>
                                         <p:tgtEl>
                                           <p:spTgt spid="21"/>
                                         </p:tgtEl>
